--- a/POC1/Azure Migration.pptx
+++ b/POC1/Azure Migration.pptx
@@ -6,13 +6,14 @@
   </p:sldMasterIdLst>
   <p:sldIdLst>
     <p:sldId id="256" r:id="rId2"/>
-    <p:sldId id="257" r:id="rId3"/>
-    <p:sldId id="262" r:id="rId4"/>
-    <p:sldId id="258" r:id="rId5"/>
+    <p:sldId id="262" r:id="rId3"/>
+    <p:sldId id="258" r:id="rId4"/>
+    <p:sldId id="257" r:id="rId5"/>
     <p:sldId id="259" r:id="rId6"/>
     <p:sldId id="260" r:id="rId7"/>
     <p:sldId id="263" r:id="rId8"/>
     <p:sldId id="261" r:id="rId9"/>
+    <p:sldId id="264" r:id="rId10"/>
   </p:sldIdLst>
   <p:sldSz cx="12192000" cy="6858000"/>
   <p:notesSz cx="6858000" cy="9144000"/>
@@ -111,10 +112,797 @@
       </a:defRPr>
     </a:lvl9pPr>
   </p:defaultTextStyle>
+  <p:extLst>
+    <p:ext uri="{EFAFB233-063F-42B5-8137-9DF3F51BA10A}">
+      <p15:sldGuideLst xmlns:p15="http://schemas.microsoft.com/office/powerpoint/2012/main"/>
+    </p:ext>
+  </p:extLst>
 </p:presentation>
 </file>
 
 <file path=ppt/diagrams/colors1.xml><?xml version="1.0" encoding="utf-8"?>
+<dgm:colorsDef xmlns:dgm="http://schemas.openxmlformats.org/drawingml/2006/diagram" xmlns:a="http://schemas.openxmlformats.org/drawingml/2006/main" uniqueId="urn:microsoft.com/office/officeart/2005/8/colors/colorful2">
+  <dgm:title val=""/>
+  <dgm:desc val=""/>
+  <dgm:catLst>
+    <dgm:cat type="colorful" pri="10200"/>
+  </dgm:catLst>
+  <dgm:styleLbl name="node0">
+    <dgm:fillClrLst meth="repeat">
+      <a:schemeClr val="accent1"/>
+    </dgm:fillClrLst>
+    <dgm:linClrLst meth="repeat">
+      <a:schemeClr val="lt1"/>
+    </dgm:linClrLst>
+    <dgm:effectClrLst/>
+    <dgm:txLinClrLst/>
+    <dgm:txFillClrLst/>
+    <dgm:txEffectClrLst/>
+  </dgm:styleLbl>
+  <dgm:styleLbl name="node1">
+    <dgm:fillClrLst>
+      <a:schemeClr val="accent2"/>
+      <a:schemeClr val="accent3"/>
+    </dgm:fillClrLst>
+    <dgm:linClrLst meth="repeat">
+      <a:schemeClr val="lt1"/>
+    </dgm:linClrLst>
+    <dgm:effectClrLst/>
+    <dgm:txLinClrLst/>
+    <dgm:txFillClrLst/>
+    <dgm:txEffectClrLst/>
+  </dgm:styleLbl>
+  <dgm:styleLbl name="alignNode1">
+    <dgm:fillClrLst>
+      <a:schemeClr val="accent2"/>
+      <a:schemeClr val="accent3"/>
+    </dgm:fillClrLst>
+    <dgm:linClrLst>
+      <a:schemeClr val="accent2"/>
+      <a:schemeClr val="accent3"/>
+    </dgm:linClrLst>
+    <dgm:effectClrLst/>
+    <dgm:txLinClrLst/>
+    <dgm:txFillClrLst/>
+    <dgm:txEffectClrLst/>
+  </dgm:styleLbl>
+  <dgm:styleLbl name="lnNode1">
+    <dgm:fillClrLst>
+      <a:schemeClr val="accent2"/>
+      <a:schemeClr val="accent3"/>
+    </dgm:fillClrLst>
+    <dgm:linClrLst meth="repeat">
+      <a:schemeClr val="lt1"/>
+    </dgm:linClrLst>
+    <dgm:effectClrLst/>
+    <dgm:txLinClrLst/>
+    <dgm:txFillClrLst/>
+    <dgm:txEffectClrLst/>
+  </dgm:styleLbl>
+  <dgm:styleLbl name="vennNode1">
+    <dgm:fillClrLst>
+      <a:schemeClr val="accent2">
+        <a:alpha val="50000"/>
+      </a:schemeClr>
+      <a:schemeClr val="accent3">
+        <a:alpha val="50000"/>
+      </a:schemeClr>
+    </dgm:fillClrLst>
+    <dgm:linClrLst meth="repeat">
+      <a:schemeClr val="lt1"/>
+    </dgm:linClrLst>
+    <dgm:effectClrLst/>
+    <dgm:txLinClrLst/>
+    <dgm:txFillClrLst/>
+    <dgm:txEffectClrLst/>
+  </dgm:styleLbl>
+  <dgm:styleLbl name="node2">
+    <dgm:fillClrLst>
+      <a:schemeClr val="accent3"/>
+    </dgm:fillClrLst>
+    <dgm:linClrLst meth="repeat">
+      <a:schemeClr val="lt1"/>
+    </dgm:linClrLst>
+    <dgm:effectClrLst/>
+    <dgm:txLinClrLst/>
+    <dgm:txFillClrLst/>
+    <dgm:txEffectClrLst/>
+  </dgm:styleLbl>
+  <dgm:styleLbl name="node3">
+    <dgm:fillClrLst>
+      <a:schemeClr val="accent4"/>
+    </dgm:fillClrLst>
+    <dgm:linClrLst meth="repeat">
+      <a:schemeClr val="lt1"/>
+    </dgm:linClrLst>
+    <dgm:effectClrLst/>
+    <dgm:txLinClrLst/>
+    <dgm:txFillClrLst/>
+    <dgm:txEffectClrLst/>
+  </dgm:styleLbl>
+  <dgm:styleLbl name="node4">
+    <dgm:fillClrLst>
+      <a:schemeClr val="accent5"/>
+    </dgm:fillClrLst>
+    <dgm:linClrLst meth="repeat">
+      <a:schemeClr val="lt1"/>
+    </dgm:linClrLst>
+    <dgm:effectClrLst/>
+    <dgm:txLinClrLst/>
+    <dgm:txFillClrLst/>
+    <dgm:txEffectClrLst/>
+  </dgm:styleLbl>
+  <dgm:styleLbl name="fgImgPlace1">
+    <dgm:fillClrLst>
+      <a:schemeClr val="accent2">
+        <a:tint val="50000"/>
+      </a:schemeClr>
+      <a:schemeClr val="accent3">
+        <a:tint val="50000"/>
+      </a:schemeClr>
+    </dgm:fillClrLst>
+    <dgm:linClrLst meth="repeat">
+      <a:schemeClr val="lt1"/>
+    </dgm:linClrLst>
+    <dgm:effectClrLst/>
+    <dgm:txLinClrLst/>
+    <dgm:txFillClrLst meth="repeat">
+      <a:schemeClr val="lt1"/>
+    </dgm:txFillClrLst>
+    <dgm:txEffectClrLst/>
+  </dgm:styleLbl>
+  <dgm:styleLbl name="alignImgPlace1">
+    <dgm:fillClrLst>
+      <a:schemeClr val="accent2">
+        <a:tint val="50000"/>
+      </a:schemeClr>
+      <a:schemeClr val="accent3">
+        <a:tint val="20000"/>
+      </a:schemeClr>
+    </dgm:fillClrLst>
+    <dgm:linClrLst meth="repeat">
+      <a:schemeClr val="lt1"/>
+    </dgm:linClrLst>
+    <dgm:effectClrLst/>
+    <dgm:txLinClrLst/>
+    <dgm:txFillClrLst meth="repeat">
+      <a:schemeClr val="lt1"/>
+    </dgm:txFillClrLst>
+    <dgm:txEffectClrLst/>
+  </dgm:styleLbl>
+  <dgm:styleLbl name="bgImgPlace1">
+    <dgm:fillClrLst>
+      <a:schemeClr val="accent2">
+        <a:tint val="50000"/>
+      </a:schemeClr>
+      <a:schemeClr val="accent3">
+        <a:tint val="20000"/>
+      </a:schemeClr>
+    </dgm:fillClrLst>
+    <dgm:linClrLst meth="repeat">
+      <a:schemeClr val="lt1"/>
+    </dgm:linClrLst>
+    <dgm:effectClrLst/>
+    <dgm:txLinClrLst/>
+    <dgm:txFillClrLst meth="repeat">
+      <a:schemeClr val="lt1"/>
+    </dgm:txFillClrLst>
+    <dgm:txEffectClrLst/>
+  </dgm:styleLbl>
+  <dgm:styleLbl name="sibTrans2D1">
+    <dgm:fillClrLst>
+      <a:schemeClr val="accent2"/>
+      <a:schemeClr val="accent3"/>
+    </dgm:fillClrLst>
+    <dgm:linClrLst meth="repeat">
+      <a:schemeClr val="lt1"/>
+    </dgm:linClrLst>
+    <dgm:effectClrLst/>
+    <dgm:txLinClrLst/>
+    <dgm:txFillClrLst/>
+    <dgm:txEffectClrLst/>
+  </dgm:styleLbl>
+  <dgm:styleLbl name="fgSibTrans2D1">
+    <dgm:fillClrLst>
+      <a:schemeClr val="accent2"/>
+      <a:schemeClr val="accent3"/>
+    </dgm:fillClrLst>
+    <dgm:linClrLst meth="repeat">
+      <a:schemeClr val="lt1"/>
+    </dgm:linClrLst>
+    <dgm:effectClrLst/>
+    <dgm:txLinClrLst/>
+    <dgm:txFillClrLst meth="repeat">
+      <a:schemeClr val="lt1"/>
+    </dgm:txFillClrLst>
+    <dgm:txEffectClrLst/>
+  </dgm:styleLbl>
+  <dgm:styleLbl name="bgSibTrans2D1">
+    <dgm:fillClrLst>
+      <a:schemeClr val="accent2"/>
+      <a:schemeClr val="accent3"/>
+    </dgm:fillClrLst>
+    <dgm:linClrLst meth="repeat">
+      <a:schemeClr val="lt1"/>
+    </dgm:linClrLst>
+    <dgm:effectClrLst/>
+    <dgm:txLinClrLst/>
+    <dgm:txFillClrLst meth="repeat">
+      <a:schemeClr val="lt1"/>
+    </dgm:txFillClrLst>
+    <dgm:txEffectClrLst/>
+  </dgm:styleLbl>
+  <dgm:styleLbl name="sibTrans1D1">
+    <dgm:fillClrLst/>
+    <dgm:linClrLst>
+      <a:schemeClr val="accent2"/>
+      <a:schemeClr val="accent3"/>
+    </dgm:linClrLst>
+    <dgm:effectClrLst/>
+    <dgm:txLinClrLst/>
+    <dgm:txFillClrLst meth="repeat">
+      <a:schemeClr val="tx1"/>
+    </dgm:txFillClrLst>
+    <dgm:txEffectClrLst/>
+  </dgm:styleLbl>
+  <dgm:styleLbl name="callout">
+    <dgm:fillClrLst meth="repeat">
+      <a:schemeClr val="accent2"/>
+    </dgm:fillClrLst>
+    <dgm:linClrLst meth="repeat">
+      <a:schemeClr val="accent2">
+        <a:tint val="50000"/>
+      </a:schemeClr>
+    </dgm:linClrLst>
+    <dgm:effectClrLst/>
+    <dgm:txLinClrLst/>
+    <dgm:txFillClrLst meth="repeat">
+      <a:schemeClr val="tx1"/>
+    </dgm:txFillClrLst>
+    <dgm:txEffectClrLst/>
+  </dgm:styleLbl>
+  <dgm:styleLbl name="asst0">
+    <dgm:fillClrLst meth="repeat">
+      <a:schemeClr val="accent2"/>
+    </dgm:fillClrLst>
+    <dgm:linClrLst meth="repeat">
+      <a:schemeClr val="lt1">
+        <a:shade val="80000"/>
+      </a:schemeClr>
+    </dgm:linClrLst>
+    <dgm:effectClrLst/>
+    <dgm:txLinClrLst/>
+    <dgm:txFillClrLst/>
+    <dgm:txEffectClrLst/>
+  </dgm:styleLbl>
+  <dgm:styleLbl name="asst1">
+    <dgm:fillClrLst meth="repeat">
+      <a:schemeClr val="accent3"/>
+    </dgm:fillClrLst>
+    <dgm:linClrLst meth="repeat">
+      <a:schemeClr val="lt1">
+        <a:shade val="80000"/>
+      </a:schemeClr>
+    </dgm:linClrLst>
+    <dgm:effectClrLst/>
+    <dgm:txLinClrLst/>
+    <dgm:txFillClrLst/>
+    <dgm:txEffectClrLst/>
+  </dgm:styleLbl>
+  <dgm:styleLbl name="asst2">
+    <dgm:fillClrLst>
+      <a:schemeClr val="accent4"/>
+    </dgm:fillClrLst>
+    <dgm:linClrLst meth="repeat">
+      <a:schemeClr val="lt1"/>
+    </dgm:linClrLst>
+    <dgm:effectClrLst/>
+    <dgm:txLinClrLst/>
+    <dgm:txFillClrLst/>
+    <dgm:txEffectClrLst/>
+  </dgm:styleLbl>
+  <dgm:styleLbl name="asst3">
+    <dgm:fillClrLst>
+      <a:schemeClr val="accent5"/>
+    </dgm:fillClrLst>
+    <dgm:linClrLst meth="repeat">
+      <a:schemeClr val="lt1"/>
+    </dgm:linClrLst>
+    <dgm:effectClrLst/>
+    <dgm:txLinClrLst/>
+    <dgm:txFillClrLst/>
+    <dgm:txEffectClrLst/>
+  </dgm:styleLbl>
+  <dgm:styleLbl name="asst4">
+    <dgm:fillClrLst>
+      <a:schemeClr val="accent6"/>
+    </dgm:fillClrLst>
+    <dgm:linClrLst meth="repeat">
+      <a:schemeClr val="lt1"/>
+    </dgm:linClrLst>
+    <dgm:effectClrLst/>
+    <dgm:txLinClrLst/>
+    <dgm:txFillClrLst/>
+    <dgm:txEffectClrLst/>
+  </dgm:styleLbl>
+  <dgm:styleLbl name="parChTrans2D1">
+    <dgm:fillClrLst meth="repeat">
+      <a:schemeClr val="accent2"/>
+    </dgm:fillClrLst>
+    <dgm:linClrLst meth="repeat">
+      <a:schemeClr val="lt1"/>
+    </dgm:linClrLst>
+    <dgm:effectClrLst/>
+    <dgm:txLinClrLst/>
+    <dgm:txFillClrLst meth="repeat">
+      <a:schemeClr val="lt1"/>
+    </dgm:txFillClrLst>
+    <dgm:txEffectClrLst/>
+  </dgm:styleLbl>
+  <dgm:styleLbl name="parChTrans2D2">
+    <dgm:fillClrLst meth="repeat">
+      <a:schemeClr val="accent3"/>
+    </dgm:fillClrLst>
+    <dgm:linClrLst meth="repeat">
+      <a:schemeClr val="lt1"/>
+    </dgm:linClrLst>
+    <dgm:effectClrLst/>
+    <dgm:txLinClrLst/>
+    <dgm:txFillClrLst/>
+    <dgm:txEffectClrLst/>
+  </dgm:styleLbl>
+  <dgm:styleLbl name="parChTrans2D3">
+    <dgm:fillClrLst meth="repeat">
+      <a:schemeClr val="accent4"/>
+    </dgm:fillClrLst>
+    <dgm:linClrLst meth="repeat">
+      <a:schemeClr val="lt1"/>
+    </dgm:linClrLst>
+    <dgm:effectClrLst/>
+    <dgm:txLinClrLst/>
+    <dgm:txFillClrLst/>
+    <dgm:txEffectClrLst/>
+  </dgm:styleLbl>
+  <dgm:styleLbl name="parChTrans2D4">
+    <dgm:fillClrLst meth="repeat">
+      <a:schemeClr val="accent5"/>
+    </dgm:fillClrLst>
+    <dgm:linClrLst meth="repeat">
+      <a:schemeClr val="lt1"/>
+    </dgm:linClrLst>
+    <dgm:effectClrLst/>
+    <dgm:txLinClrLst/>
+    <dgm:txFillClrLst meth="repeat">
+      <a:schemeClr val="lt1"/>
+    </dgm:txFillClrLst>
+    <dgm:txEffectClrLst/>
+  </dgm:styleLbl>
+  <dgm:styleLbl name="parChTrans1D1">
+    <dgm:fillClrLst meth="repeat">
+      <a:schemeClr val="accent2"/>
+    </dgm:fillClrLst>
+    <dgm:linClrLst meth="repeat">
+      <a:schemeClr val="accent2"/>
+    </dgm:linClrLst>
+    <dgm:effectClrLst/>
+    <dgm:txLinClrLst/>
+    <dgm:txFillClrLst meth="repeat">
+      <a:schemeClr val="tx1"/>
+    </dgm:txFillClrLst>
+    <dgm:txEffectClrLst/>
+  </dgm:styleLbl>
+  <dgm:styleLbl name="parChTrans1D2">
+    <dgm:fillClrLst meth="repeat">
+      <a:schemeClr val="accent2">
+        <a:tint val="90000"/>
+      </a:schemeClr>
+    </dgm:fillClrLst>
+    <dgm:linClrLst meth="repeat">
+      <a:schemeClr val="accent3"/>
+    </dgm:linClrLst>
+    <dgm:effectClrLst/>
+    <dgm:txLinClrLst/>
+    <dgm:txFillClrLst meth="repeat">
+      <a:schemeClr val="tx1"/>
+    </dgm:txFillClrLst>
+    <dgm:txEffectClrLst/>
+  </dgm:styleLbl>
+  <dgm:styleLbl name="parChTrans1D3">
+    <dgm:fillClrLst meth="repeat">
+      <a:schemeClr val="accent2">
+        <a:tint val="70000"/>
+      </a:schemeClr>
+    </dgm:fillClrLst>
+    <dgm:linClrLst meth="repeat">
+      <a:schemeClr val="accent4"/>
+    </dgm:linClrLst>
+    <dgm:effectClrLst/>
+    <dgm:txLinClrLst/>
+    <dgm:txFillClrLst meth="repeat">
+      <a:schemeClr val="tx1"/>
+    </dgm:txFillClrLst>
+    <dgm:txEffectClrLst/>
+  </dgm:styleLbl>
+  <dgm:styleLbl name="parChTrans1D4">
+    <dgm:fillClrLst meth="repeat">
+      <a:schemeClr val="accent2">
+        <a:tint val="50000"/>
+      </a:schemeClr>
+    </dgm:fillClrLst>
+    <dgm:linClrLst meth="repeat">
+      <a:schemeClr val="accent5"/>
+    </dgm:linClrLst>
+    <dgm:effectClrLst/>
+    <dgm:txLinClrLst/>
+    <dgm:txFillClrLst meth="repeat">
+      <a:schemeClr val="tx1"/>
+    </dgm:txFillClrLst>
+    <dgm:txEffectClrLst/>
+  </dgm:styleLbl>
+  <dgm:styleLbl name="fgAcc1">
+    <dgm:fillClrLst meth="repeat">
+      <a:schemeClr val="lt1">
+        <a:alpha val="90000"/>
+      </a:schemeClr>
+    </dgm:fillClrLst>
+    <dgm:linClrLst>
+      <a:schemeClr val="accent2"/>
+      <a:schemeClr val="accent3"/>
+    </dgm:linClrLst>
+    <dgm:effectClrLst/>
+    <dgm:txLinClrLst/>
+    <dgm:txFillClrLst meth="repeat">
+      <a:schemeClr val="dk1"/>
+    </dgm:txFillClrLst>
+    <dgm:txEffectClrLst/>
+  </dgm:styleLbl>
+  <dgm:styleLbl name="conFgAcc1">
+    <dgm:fillClrLst meth="repeat">
+      <a:schemeClr val="lt1">
+        <a:alpha val="90000"/>
+      </a:schemeClr>
+    </dgm:fillClrLst>
+    <dgm:linClrLst>
+      <a:schemeClr val="accent2"/>
+      <a:schemeClr val="accent3"/>
+    </dgm:linClrLst>
+    <dgm:effectClrLst/>
+    <dgm:txLinClrLst/>
+    <dgm:txFillClrLst meth="repeat">
+      <a:schemeClr val="dk1"/>
+    </dgm:txFillClrLst>
+    <dgm:txEffectClrLst/>
+  </dgm:styleLbl>
+  <dgm:styleLbl name="alignAcc1">
+    <dgm:fillClrLst meth="repeat">
+      <a:schemeClr val="lt1">
+        <a:alpha val="90000"/>
+      </a:schemeClr>
+    </dgm:fillClrLst>
+    <dgm:linClrLst>
+      <a:schemeClr val="accent2"/>
+      <a:schemeClr val="accent3"/>
+    </dgm:linClrLst>
+    <dgm:effectClrLst/>
+    <dgm:txLinClrLst/>
+    <dgm:txFillClrLst meth="repeat">
+      <a:schemeClr val="dk1"/>
+    </dgm:txFillClrLst>
+    <dgm:txEffectClrLst/>
+  </dgm:styleLbl>
+  <dgm:styleLbl name="trAlignAcc1">
+    <dgm:fillClrLst meth="repeat">
+      <a:schemeClr val="lt1">
+        <a:alpha val="40000"/>
+      </a:schemeClr>
+    </dgm:fillClrLst>
+    <dgm:linClrLst meth="repeat">
+      <a:schemeClr val="accent2"/>
+    </dgm:linClrLst>
+    <dgm:effectClrLst/>
+    <dgm:txLinClrLst/>
+    <dgm:txFillClrLst meth="repeat">
+      <a:schemeClr val="dk1"/>
+    </dgm:txFillClrLst>
+    <dgm:txEffectClrLst/>
+  </dgm:styleLbl>
+  <dgm:styleLbl name="bgAcc1">
+    <dgm:fillClrLst meth="repeat">
+      <a:schemeClr val="lt1">
+        <a:alpha val="90000"/>
+      </a:schemeClr>
+    </dgm:fillClrLst>
+    <dgm:linClrLst>
+      <a:schemeClr val="accent2"/>
+      <a:schemeClr val="accent3"/>
+    </dgm:linClrLst>
+    <dgm:effectClrLst/>
+    <dgm:txLinClrLst/>
+    <dgm:txFillClrLst meth="repeat">
+      <a:schemeClr val="dk1"/>
+    </dgm:txFillClrLst>
+    <dgm:txEffectClrLst/>
+  </dgm:styleLbl>
+  <dgm:styleLbl name="solidFgAcc1">
+    <dgm:fillClrLst meth="repeat">
+      <a:schemeClr val="lt1"/>
+    </dgm:fillClrLst>
+    <dgm:linClrLst>
+      <a:schemeClr val="accent2"/>
+      <a:schemeClr val="accent3"/>
+    </dgm:linClrLst>
+    <dgm:effectClrLst/>
+    <dgm:txLinClrLst/>
+    <dgm:txFillClrLst meth="repeat">
+      <a:schemeClr val="dk1"/>
+    </dgm:txFillClrLst>
+    <dgm:txEffectClrLst/>
+  </dgm:styleLbl>
+  <dgm:styleLbl name="solidAlignAcc1">
+    <dgm:fillClrLst meth="repeat">
+      <a:schemeClr val="lt1"/>
+    </dgm:fillClrLst>
+    <dgm:linClrLst>
+      <a:schemeClr val="accent2"/>
+      <a:schemeClr val="accent3"/>
+    </dgm:linClrLst>
+    <dgm:effectClrLst/>
+    <dgm:txLinClrLst/>
+    <dgm:txFillClrLst meth="repeat">
+      <a:schemeClr val="dk1"/>
+    </dgm:txFillClrLst>
+    <dgm:txEffectClrLst/>
+  </dgm:styleLbl>
+  <dgm:styleLbl name="solidBgAcc1">
+    <dgm:fillClrLst meth="repeat">
+      <a:schemeClr val="lt1"/>
+    </dgm:fillClrLst>
+    <dgm:linClrLst>
+      <a:schemeClr val="accent2"/>
+      <a:schemeClr val="accent3"/>
+    </dgm:linClrLst>
+    <dgm:effectClrLst/>
+    <dgm:txLinClrLst/>
+    <dgm:txFillClrLst meth="repeat">
+      <a:schemeClr val="dk1"/>
+    </dgm:txFillClrLst>
+    <dgm:txEffectClrLst/>
+  </dgm:styleLbl>
+  <dgm:styleLbl name="fgAccFollowNode1">
+    <dgm:fillClrLst>
+      <a:schemeClr val="accent2">
+        <a:tint val="40000"/>
+        <a:alpha val="90000"/>
+      </a:schemeClr>
+      <a:schemeClr val="accent3">
+        <a:tint val="40000"/>
+        <a:alpha val="90000"/>
+      </a:schemeClr>
+    </dgm:fillClrLst>
+    <dgm:linClrLst>
+      <a:schemeClr val="accent2">
+        <a:tint val="40000"/>
+        <a:alpha val="90000"/>
+      </a:schemeClr>
+      <a:schemeClr val="accent3">
+        <a:tint val="40000"/>
+        <a:alpha val="90000"/>
+      </a:schemeClr>
+    </dgm:linClrLst>
+    <dgm:effectClrLst/>
+    <dgm:txLinClrLst/>
+    <dgm:txFillClrLst meth="repeat">
+      <a:schemeClr val="dk1"/>
+    </dgm:txFillClrLst>
+    <dgm:txEffectClrLst/>
+  </dgm:styleLbl>
+  <dgm:styleLbl name="alignAccFollowNode1">
+    <dgm:fillClrLst>
+      <a:schemeClr val="accent2">
+        <a:tint val="40000"/>
+        <a:alpha val="90000"/>
+      </a:schemeClr>
+      <a:schemeClr val="accent3">
+        <a:tint val="40000"/>
+        <a:alpha val="90000"/>
+      </a:schemeClr>
+    </dgm:fillClrLst>
+    <dgm:linClrLst>
+      <a:schemeClr val="accent2">
+        <a:tint val="40000"/>
+        <a:alpha val="90000"/>
+      </a:schemeClr>
+      <a:schemeClr val="accent3">
+        <a:tint val="40000"/>
+        <a:alpha val="90000"/>
+      </a:schemeClr>
+    </dgm:linClrLst>
+    <dgm:effectClrLst/>
+    <dgm:txLinClrLst/>
+    <dgm:txFillClrLst meth="repeat">
+      <a:schemeClr val="dk1"/>
+    </dgm:txFillClrLst>
+    <dgm:txEffectClrLst/>
+  </dgm:styleLbl>
+  <dgm:styleLbl name="bgAccFollowNode1">
+    <dgm:fillClrLst>
+      <a:schemeClr val="accent2">
+        <a:tint val="40000"/>
+        <a:alpha val="90000"/>
+      </a:schemeClr>
+      <a:schemeClr val="accent3">
+        <a:tint val="40000"/>
+        <a:alpha val="90000"/>
+      </a:schemeClr>
+    </dgm:fillClrLst>
+    <dgm:linClrLst>
+      <a:schemeClr val="accent2">
+        <a:tint val="40000"/>
+        <a:alpha val="90000"/>
+      </a:schemeClr>
+      <a:schemeClr val="accent3">
+        <a:tint val="40000"/>
+        <a:alpha val="90000"/>
+      </a:schemeClr>
+    </dgm:linClrLst>
+    <dgm:effectClrLst/>
+    <dgm:txLinClrLst/>
+    <dgm:txFillClrLst meth="repeat">
+      <a:schemeClr val="dk1"/>
+    </dgm:txFillClrLst>
+    <dgm:txEffectClrLst/>
+  </dgm:styleLbl>
+  <dgm:styleLbl name="fgAcc0">
+    <dgm:fillClrLst meth="repeat">
+      <a:schemeClr val="lt1">
+        <a:alpha val="90000"/>
+      </a:schemeClr>
+    </dgm:fillClrLst>
+    <dgm:linClrLst>
+      <a:schemeClr val="accent1"/>
+    </dgm:linClrLst>
+    <dgm:effectClrLst/>
+    <dgm:txLinClrLst/>
+    <dgm:txFillClrLst meth="repeat">
+      <a:schemeClr val="dk1"/>
+    </dgm:txFillClrLst>
+    <dgm:txEffectClrLst/>
+  </dgm:styleLbl>
+  <dgm:styleLbl name="fgAcc2">
+    <dgm:fillClrLst meth="repeat">
+      <a:schemeClr val="lt1">
+        <a:alpha val="90000"/>
+      </a:schemeClr>
+    </dgm:fillClrLst>
+    <dgm:linClrLst>
+      <a:schemeClr val="accent3"/>
+    </dgm:linClrLst>
+    <dgm:effectClrLst/>
+    <dgm:txLinClrLst/>
+    <dgm:txFillClrLst meth="repeat">
+      <a:schemeClr val="dk1"/>
+    </dgm:txFillClrLst>
+    <dgm:txEffectClrLst/>
+  </dgm:styleLbl>
+  <dgm:styleLbl name="fgAcc3">
+    <dgm:fillClrLst meth="repeat">
+      <a:schemeClr val="lt1">
+        <a:alpha val="90000"/>
+      </a:schemeClr>
+    </dgm:fillClrLst>
+    <dgm:linClrLst>
+      <a:schemeClr val="accent4"/>
+    </dgm:linClrLst>
+    <dgm:effectClrLst/>
+    <dgm:txLinClrLst/>
+    <dgm:txFillClrLst meth="repeat">
+      <a:schemeClr val="dk1"/>
+    </dgm:txFillClrLst>
+    <dgm:txEffectClrLst/>
+  </dgm:styleLbl>
+  <dgm:styleLbl name="fgAcc4">
+    <dgm:fillClrLst meth="repeat">
+      <a:schemeClr val="lt1">
+        <a:alpha val="90000"/>
+      </a:schemeClr>
+    </dgm:fillClrLst>
+    <dgm:linClrLst>
+      <a:schemeClr val="accent5"/>
+    </dgm:linClrLst>
+    <dgm:effectClrLst/>
+    <dgm:txLinClrLst/>
+    <dgm:txFillClrLst meth="repeat">
+      <a:schemeClr val="dk1"/>
+    </dgm:txFillClrLst>
+    <dgm:txEffectClrLst/>
+  </dgm:styleLbl>
+  <dgm:styleLbl name="bgShp">
+    <dgm:fillClrLst meth="repeat">
+      <a:schemeClr val="accent2">
+        <a:tint val="40000"/>
+      </a:schemeClr>
+    </dgm:fillClrLst>
+    <dgm:linClrLst meth="repeat">
+      <a:schemeClr val="dk1"/>
+    </dgm:linClrLst>
+    <dgm:effectClrLst/>
+    <dgm:txLinClrLst/>
+    <dgm:txFillClrLst meth="repeat">
+      <a:schemeClr val="dk1"/>
+    </dgm:txFillClrLst>
+    <dgm:txEffectClrLst/>
+  </dgm:styleLbl>
+  <dgm:styleLbl name="dkBgShp">
+    <dgm:fillClrLst meth="repeat">
+      <a:schemeClr val="accent2">
+        <a:shade val="90000"/>
+      </a:schemeClr>
+    </dgm:fillClrLst>
+    <dgm:linClrLst meth="repeat">
+      <a:schemeClr val="dk1"/>
+    </dgm:linClrLst>
+    <dgm:effectClrLst/>
+    <dgm:txLinClrLst/>
+    <dgm:txFillClrLst meth="repeat">
+      <a:schemeClr val="lt1"/>
+    </dgm:txFillClrLst>
+    <dgm:txEffectClrLst/>
+  </dgm:styleLbl>
+  <dgm:styleLbl name="trBgShp">
+    <dgm:fillClrLst meth="repeat">
+      <a:schemeClr val="accent2">
+        <a:tint val="50000"/>
+        <a:alpha val="40000"/>
+      </a:schemeClr>
+    </dgm:fillClrLst>
+    <dgm:linClrLst meth="repeat">
+      <a:schemeClr val="accent2"/>
+    </dgm:linClrLst>
+    <dgm:effectClrLst/>
+    <dgm:txLinClrLst/>
+    <dgm:txFillClrLst meth="repeat">
+      <a:schemeClr val="lt1"/>
+    </dgm:txFillClrLst>
+    <dgm:txEffectClrLst/>
+  </dgm:styleLbl>
+  <dgm:styleLbl name="fgShp">
+    <dgm:fillClrLst meth="repeat">
+      <a:schemeClr val="accent2">
+        <a:tint val="40000"/>
+      </a:schemeClr>
+    </dgm:fillClrLst>
+    <dgm:linClrLst meth="repeat">
+      <a:schemeClr val="lt1"/>
+    </dgm:linClrLst>
+    <dgm:effectClrLst/>
+    <dgm:txLinClrLst/>
+    <dgm:txFillClrLst meth="repeat">
+      <a:schemeClr val="dk1"/>
+    </dgm:txFillClrLst>
+    <dgm:txEffectClrLst/>
+  </dgm:styleLbl>
+  <dgm:styleLbl name="revTx">
+    <dgm:fillClrLst meth="repeat">
+      <a:schemeClr val="lt1">
+        <a:alpha val="0"/>
+      </a:schemeClr>
+    </dgm:fillClrLst>
+    <dgm:linClrLst meth="repeat">
+      <a:schemeClr val="dk1">
+        <a:alpha val="0"/>
+      </a:schemeClr>
+    </dgm:linClrLst>
+    <dgm:effectClrLst/>
+    <dgm:txLinClrLst/>
+    <dgm:txFillClrLst meth="repeat">
+      <a:schemeClr val="tx1"/>
+    </dgm:txFillClrLst>
+    <dgm:txEffectClrLst/>
+  </dgm:styleLbl>
+</dgm:colorsDef>
+</file>
+
+<file path=ppt/diagrams/colors2.xml><?xml version="1.0" encoding="utf-8"?>
 <dgm:colorsDef xmlns:dgm="http://schemas.openxmlformats.org/drawingml/2006/diagram" xmlns:a="http://schemas.openxmlformats.org/drawingml/2006/main" uniqueId="urn:microsoft.com/office/officeart/2018/5/colors/Iconchunking_neutralbg_colorful1">
   <dgm:title val=""/>
   <dgm:desc val=""/>
@@ -1035,7 +1823,7 @@
 </dgm:colorsDef>
 </file>
 
-<file path=ppt/diagrams/colors2.xml><?xml version="1.0" encoding="utf-8"?>
+<file path=ppt/diagrams/colors3.xml><?xml version="1.0" encoding="utf-8"?>
 <dgm:colorsDef xmlns:dgm="http://schemas.openxmlformats.org/drawingml/2006/diagram" xmlns:a="http://schemas.openxmlformats.org/drawingml/2006/main" uniqueId="urn:microsoft.com/office/officeart/2005/8/colors/colorful2">
   <dgm:title val=""/>
   <dgm:desc val=""/>
@@ -1817,7 +2605,7 @@
 </dgm:colorsDef>
 </file>
 
-<file path=ppt/diagrams/colors3.xml><?xml version="1.0" encoding="utf-8"?>
+<file path=ppt/diagrams/colors4.xml><?xml version="1.0" encoding="utf-8"?>
 <dgm:colorsDef xmlns:dgm="http://schemas.openxmlformats.org/drawingml/2006/diagram" xmlns:a="http://schemas.openxmlformats.org/drawingml/2006/main" uniqueId="urn:microsoft.com/office/officeart/2005/8/colors/colorful2">
   <dgm:title val=""/>
   <dgm:desc val=""/>
@@ -2599,7 +3387,7 @@
 </dgm:colorsDef>
 </file>
 
-<file path=ppt/diagrams/colors4.xml><?xml version="1.0" encoding="utf-8"?>
+<file path=ppt/diagrams/colors5.xml><?xml version="1.0" encoding="utf-8"?>
 <dgm:colorsDef xmlns:dgm="http://schemas.openxmlformats.org/drawingml/2006/diagram" xmlns:a="http://schemas.openxmlformats.org/drawingml/2006/main" uniqueId="urn:microsoft.com/office/officeart/2005/8/colors/colorful2">
   <dgm:title val=""/>
   <dgm:desc val=""/>
@@ -3381,789 +4169,277 @@
 </dgm:colorsDef>
 </file>
 
-<file path=ppt/diagrams/colors5.xml><?xml version="1.0" encoding="utf-8"?>
-<dgm:colorsDef xmlns:dgm="http://schemas.openxmlformats.org/drawingml/2006/diagram" xmlns:a="http://schemas.openxmlformats.org/drawingml/2006/main" uniqueId="urn:microsoft.com/office/officeart/2005/8/colors/colorful2">
-  <dgm:title val=""/>
-  <dgm:desc val=""/>
-  <dgm:catLst>
-    <dgm:cat type="colorful" pri="10200"/>
-  </dgm:catLst>
-  <dgm:styleLbl name="node0">
-    <dgm:fillClrLst meth="repeat">
-      <a:schemeClr val="accent1"/>
-    </dgm:fillClrLst>
-    <dgm:linClrLst meth="repeat">
-      <a:schemeClr val="lt1"/>
-    </dgm:linClrLst>
-    <dgm:effectClrLst/>
-    <dgm:txLinClrLst/>
-    <dgm:txFillClrLst/>
-    <dgm:txEffectClrLst/>
-  </dgm:styleLbl>
-  <dgm:styleLbl name="node1">
-    <dgm:fillClrLst>
-      <a:schemeClr val="accent2"/>
-      <a:schemeClr val="accent3"/>
-    </dgm:fillClrLst>
-    <dgm:linClrLst meth="repeat">
-      <a:schemeClr val="lt1"/>
-    </dgm:linClrLst>
-    <dgm:effectClrLst/>
-    <dgm:txLinClrLst/>
-    <dgm:txFillClrLst/>
-    <dgm:txEffectClrLst/>
-  </dgm:styleLbl>
-  <dgm:styleLbl name="alignNode1">
-    <dgm:fillClrLst>
-      <a:schemeClr val="accent2"/>
-      <a:schemeClr val="accent3"/>
-    </dgm:fillClrLst>
-    <dgm:linClrLst>
-      <a:schemeClr val="accent2"/>
-      <a:schemeClr val="accent3"/>
-    </dgm:linClrLst>
-    <dgm:effectClrLst/>
-    <dgm:txLinClrLst/>
-    <dgm:txFillClrLst/>
-    <dgm:txEffectClrLst/>
-  </dgm:styleLbl>
-  <dgm:styleLbl name="lnNode1">
-    <dgm:fillClrLst>
-      <a:schemeClr val="accent2"/>
-      <a:schemeClr val="accent3"/>
-    </dgm:fillClrLst>
-    <dgm:linClrLst meth="repeat">
-      <a:schemeClr val="lt1"/>
-    </dgm:linClrLst>
-    <dgm:effectClrLst/>
-    <dgm:txLinClrLst/>
-    <dgm:txFillClrLst/>
-    <dgm:txEffectClrLst/>
-  </dgm:styleLbl>
-  <dgm:styleLbl name="vennNode1">
-    <dgm:fillClrLst>
-      <a:schemeClr val="accent2">
-        <a:alpha val="50000"/>
-      </a:schemeClr>
-      <a:schemeClr val="accent3">
-        <a:alpha val="50000"/>
-      </a:schemeClr>
-    </dgm:fillClrLst>
-    <dgm:linClrLst meth="repeat">
-      <a:schemeClr val="lt1"/>
-    </dgm:linClrLst>
-    <dgm:effectClrLst/>
-    <dgm:txLinClrLst/>
-    <dgm:txFillClrLst/>
-    <dgm:txEffectClrLst/>
-  </dgm:styleLbl>
-  <dgm:styleLbl name="node2">
-    <dgm:fillClrLst>
-      <a:schemeClr val="accent3"/>
-    </dgm:fillClrLst>
-    <dgm:linClrLst meth="repeat">
-      <a:schemeClr val="lt1"/>
-    </dgm:linClrLst>
-    <dgm:effectClrLst/>
-    <dgm:txLinClrLst/>
-    <dgm:txFillClrLst/>
-    <dgm:txEffectClrLst/>
-  </dgm:styleLbl>
-  <dgm:styleLbl name="node3">
-    <dgm:fillClrLst>
-      <a:schemeClr val="accent4"/>
-    </dgm:fillClrLst>
-    <dgm:linClrLst meth="repeat">
-      <a:schemeClr val="lt1"/>
-    </dgm:linClrLst>
-    <dgm:effectClrLst/>
-    <dgm:txLinClrLst/>
-    <dgm:txFillClrLst/>
-    <dgm:txEffectClrLst/>
-  </dgm:styleLbl>
-  <dgm:styleLbl name="node4">
-    <dgm:fillClrLst>
-      <a:schemeClr val="accent5"/>
-    </dgm:fillClrLst>
-    <dgm:linClrLst meth="repeat">
-      <a:schemeClr val="lt1"/>
-    </dgm:linClrLst>
-    <dgm:effectClrLst/>
-    <dgm:txLinClrLst/>
-    <dgm:txFillClrLst/>
-    <dgm:txEffectClrLst/>
-  </dgm:styleLbl>
-  <dgm:styleLbl name="fgImgPlace1">
-    <dgm:fillClrLst>
-      <a:schemeClr val="accent2">
-        <a:tint val="50000"/>
-      </a:schemeClr>
-      <a:schemeClr val="accent3">
-        <a:tint val="50000"/>
-      </a:schemeClr>
-    </dgm:fillClrLst>
-    <dgm:linClrLst meth="repeat">
-      <a:schemeClr val="lt1"/>
-    </dgm:linClrLst>
-    <dgm:effectClrLst/>
-    <dgm:txLinClrLst/>
-    <dgm:txFillClrLst meth="repeat">
-      <a:schemeClr val="lt1"/>
-    </dgm:txFillClrLst>
-    <dgm:txEffectClrLst/>
-  </dgm:styleLbl>
-  <dgm:styleLbl name="alignImgPlace1">
-    <dgm:fillClrLst>
-      <a:schemeClr val="accent2">
-        <a:tint val="50000"/>
-      </a:schemeClr>
-      <a:schemeClr val="accent3">
-        <a:tint val="20000"/>
-      </a:schemeClr>
-    </dgm:fillClrLst>
-    <dgm:linClrLst meth="repeat">
-      <a:schemeClr val="lt1"/>
-    </dgm:linClrLst>
-    <dgm:effectClrLst/>
-    <dgm:txLinClrLst/>
-    <dgm:txFillClrLst meth="repeat">
-      <a:schemeClr val="lt1"/>
-    </dgm:txFillClrLst>
-    <dgm:txEffectClrLst/>
-  </dgm:styleLbl>
-  <dgm:styleLbl name="bgImgPlace1">
-    <dgm:fillClrLst>
-      <a:schemeClr val="accent2">
-        <a:tint val="50000"/>
-      </a:schemeClr>
-      <a:schemeClr val="accent3">
-        <a:tint val="20000"/>
-      </a:schemeClr>
-    </dgm:fillClrLst>
-    <dgm:linClrLst meth="repeat">
-      <a:schemeClr val="lt1"/>
-    </dgm:linClrLst>
-    <dgm:effectClrLst/>
-    <dgm:txLinClrLst/>
-    <dgm:txFillClrLst meth="repeat">
-      <a:schemeClr val="lt1"/>
-    </dgm:txFillClrLst>
-    <dgm:txEffectClrLst/>
-  </dgm:styleLbl>
-  <dgm:styleLbl name="sibTrans2D1">
-    <dgm:fillClrLst>
-      <a:schemeClr val="accent2"/>
-      <a:schemeClr val="accent3"/>
-    </dgm:fillClrLst>
-    <dgm:linClrLst meth="repeat">
-      <a:schemeClr val="lt1"/>
-    </dgm:linClrLst>
-    <dgm:effectClrLst/>
-    <dgm:txLinClrLst/>
-    <dgm:txFillClrLst/>
-    <dgm:txEffectClrLst/>
-  </dgm:styleLbl>
-  <dgm:styleLbl name="fgSibTrans2D1">
-    <dgm:fillClrLst>
-      <a:schemeClr val="accent2"/>
-      <a:schemeClr val="accent3"/>
-    </dgm:fillClrLst>
-    <dgm:linClrLst meth="repeat">
-      <a:schemeClr val="lt1"/>
-    </dgm:linClrLst>
-    <dgm:effectClrLst/>
-    <dgm:txLinClrLst/>
-    <dgm:txFillClrLst meth="repeat">
-      <a:schemeClr val="lt1"/>
-    </dgm:txFillClrLst>
-    <dgm:txEffectClrLst/>
-  </dgm:styleLbl>
-  <dgm:styleLbl name="bgSibTrans2D1">
-    <dgm:fillClrLst>
-      <a:schemeClr val="accent2"/>
-      <a:schemeClr val="accent3"/>
-    </dgm:fillClrLst>
-    <dgm:linClrLst meth="repeat">
-      <a:schemeClr val="lt1"/>
-    </dgm:linClrLst>
-    <dgm:effectClrLst/>
-    <dgm:txLinClrLst/>
-    <dgm:txFillClrLst meth="repeat">
-      <a:schemeClr val="lt1"/>
-    </dgm:txFillClrLst>
-    <dgm:txEffectClrLst/>
-  </dgm:styleLbl>
-  <dgm:styleLbl name="sibTrans1D1">
-    <dgm:fillClrLst/>
-    <dgm:linClrLst>
-      <a:schemeClr val="accent2"/>
-      <a:schemeClr val="accent3"/>
-    </dgm:linClrLst>
-    <dgm:effectClrLst/>
-    <dgm:txLinClrLst/>
-    <dgm:txFillClrLst meth="repeat">
-      <a:schemeClr val="tx1"/>
-    </dgm:txFillClrLst>
-    <dgm:txEffectClrLst/>
-  </dgm:styleLbl>
-  <dgm:styleLbl name="callout">
-    <dgm:fillClrLst meth="repeat">
-      <a:schemeClr val="accent2"/>
-    </dgm:fillClrLst>
-    <dgm:linClrLst meth="repeat">
-      <a:schemeClr val="accent2">
-        <a:tint val="50000"/>
-      </a:schemeClr>
-    </dgm:linClrLst>
-    <dgm:effectClrLst/>
-    <dgm:txLinClrLst/>
-    <dgm:txFillClrLst meth="repeat">
-      <a:schemeClr val="tx1"/>
-    </dgm:txFillClrLst>
-    <dgm:txEffectClrLst/>
-  </dgm:styleLbl>
-  <dgm:styleLbl name="asst0">
-    <dgm:fillClrLst meth="repeat">
-      <a:schemeClr val="accent2"/>
-    </dgm:fillClrLst>
-    <dgm:linClrLst meth="repeat">
-      <a:schemeClr val="lt1">
-        <a:shade val="80000"/>
-      </a:schemeClr>
-    </dgm:linClrLst>
-    <dgm:effectClrLst/>
-    <dgm:txLinClrLst/>
-    <dgm:txFillClrLst/>
-    <dgm:txEffectClrLst/>
-  </dgm:styleLbl>
-  <dgm:styleLbl name="asst1">
-    <dgm:fillClrLst meth="repeat">
-      <a:schemeClr val="accent3"/>
-    </dgm:fillClrLst>
-    <dgm:linClrLst meth="repeat">
-      <a:schemeClr val="lt1">
-        <a:shade val="80000"/>
-      </a:schemeClr>
-    </dgm:linClrLst>
-    <dgm:effectClrLst/>
-    <dgm:txLinClrLst/>
-    <dgm:txFillClrLst/>
-    <dgm:txEffectClrLst/>
-  </dgm:styleLbl>
-  <dgm:styleLbl name="asst2">
-    <dgm:fillClrLst>
-      <a:schemeClr val="accent4"/>
-    </dgm:fillClrLst>
-    <dgm:linClrLst meth="repeat">
-      <a:schemeClr val="lt1"/>
-    </dgm:linClrLst>
-    <dgm:effectClrLst/>
-    <dgm:txLinClrLst/>
-    <dgm:txFillClrLst/>
-    <dgm:txEffectClrLst/>
-  </dgm:styleLbl>
-  <dgm:styleLbl name="asst3">
-    <dgm:fillClrLst>
-      <a:schemeClr val="accent5"/>
-    </dgm:fillClrLst>
-    <dgm:linClrLst meth="repeat">
-      <a:schemeClr val="lt1"/>
-    </dgm:linClrLst>
-    <dgm:effectClrLst/>
-    <dgm:txLinClrLst/>
-    <dgm:txFillClrLst/>
-    <dgm:txEffectClrLst/>
-  </dgm:styleLbl>
-  <dgm:styleLbl name="asst4">
-    <dgm:fillClrLst>
-      <a:schemeClr val="accent6"/>
-    </dgm:fillClrLst>
-    <dgm:linClrLst meth="repeat">
-      <a:schemeClr val="lt1"/>
-    </dgm:linClrLst>
-    <dgm:effectClrLst/>
-    <dgm:txLinClrLst/>
-    <dgm:txFillClrLst/>
-    <dgm:txEffectClrLst/>
-  </dgm:styleLbl>
-  <dgm:styleLbl name="parChTrans2D1">
-    <dgm:fillClrLst meth="repeat">
-      <a:schemeClr val="accent2"/>
-    </dgm:fillClrLst>
-    <dgm:linClrLst meth="repeat">
-      <a:schemeClr val="lt1"/>
-    </dgm:linClrLst>
-    <dgm:effectClrLst/>
-    <dgm:txLinClrLst/>
-    <dgm:txFillClrLst meth="repeat">
-      <a:schemeClr val="lt1"/>
-    </dgm:txFillClrLst>
-    <dgm:txEffectClrLst/>
-  </dgm:styleLbl>
-  <dgm:styleLbl name="parChTrans2D2">
-    <dgm:fillClrLst meth="repeat">
-      <a:schemeClr val="accent3"/>
-    </dgm:fillClrLst>
-    <dgm:linClrLst meth="repeat">
-      <a:schemeClr val="lt1"/>
-    </dgm:linClrLst>
-    <dgm:effectClrLst/>
-    <dgm:txLinClrLst/>
-    <dgm:txFillClrLst/>
-    <dgm:txEffectClrLst/>
-  </dgm:styleLbl>
-  <dgm:styleLbl name="parChTrans2D3">
-    <dgm:fillClrLst meth="repeat">
-      <a:schemeClr val="accent4"/>
-    </dgm:fillClrLst>
-    <dgm:linClrLst meth="repeat">
-      <a:schemeClr val="lt1"/>
-    </dgm:linClrLst>
-    <dgm:effectClrLst/>
-    <dgm:txLinClrLst/>
-    <dgm:txFillClrLst/>
-    <dgm:txEffectClrLst/>
-  </dgm:styleLbl>
-  <dgm:styleLbl name="parChTrans2D4">
-    <dgm:fillClrLst meth="repeat">
-      <a:schemeClr val="accent5"/>
-    </dgm:fillClrLst>
-    <dgm:linClrLst meth="repeat">
-      <a:schemeClr val="lt1"/>
-    </dgm:linClrLst>
-    <dgm:effectClrLst/>
-    <dgm:txLinClrLst/>
-    <dgm:txFillClrLst meth="repeat">
-      <a:schemeClr val="lt1"/>
-    </dgm:txFillClrLst>
-    <dgm:txEffectClrLst/>
-  </dgm:styleLbl>
-  <dgm:styleLbl name="parChTrans1D1">
-    <dgm:fillClrLst meth="repeat">
-      <a:schemeClr val="accent2"/>
-    </dgm:fillClrLst>
-    <dgm:linClrLst meth="repeat">
-      <a:schemeClr val="accent2"/>
-    </dgm:linClrLst>
-    <dgm:effectClrLst/>
-    <dgm:txLinClrLst/>
-    <dgm:txFillClrLst meth="repeat">
-      <a:schemeClr val="tx1"/>
-    </dgm:txFillClrLst>
-    <dgm:txEffectClrLst/>
-  </dgm:styleLbl>
-  <dgm:styleLbl name="parChTrans1D2">
-    <dgm:fillClrLst meth="repeat">
-      <a:schemeClr val="accent2">
-        <a:tint val="90000"/>
-      </a:schemeClr>
-    </dgm:fillClrLst>
-    <dgm:linClrLst meth="repeat">
-      <a:schemeClr val="accent3"/>
-    </dgm:linClrLst>
-    <dgm:effectClrLst/>
-    <dgm:txLinClrLst/>
-    <dgm:txFillClrLst meth="repeat">
-      <a:schemeClr val="tx1"/>
-    </dgm:txFillClrLst>
-    <dgm:txEffectClrLst/>
-  </dgm:styleLbl>
-  <dgm:styleLbl name="parChTrans1D3">
-    <dgm:fillClrLst meth="repeat">
-      <a:schemeClr val="accent2">
-        <a:tint val="70000"/>
-      </a:schemeClr>
-    </dgm:fillClrLst>
-    <dgm:linClrLst meth="repeat">
-      <a:schemeClr val="accent4"/>
-    </dgm:linClrLst>
-    <dgm:effectClrLst/>
-    <dgm:txLinClrLst/>
-    <dgm:txFillClrLst meth="repeat">
-      <a:schemeClr val="tx1"/>
-    </dgm:txFillClrLst>
-    <dgm:txEffectClrLst/>
-  </dgm:styleLbl>
-  <dgm:styleLbl name="parChTrans1D4">
-    <dgm:fillClrLst meth="repeat">
-      <a:schemeClr val="accent2">
-        <a:tint val="50000"/>
-      </a:schemeClr>
-    </dgm:fillClrLst>
-    <dgm:linClrLst meth="repeat">
-      <a:schemeClr val="accent5"/>
-    </dgm:linClrLst>
-    <dgm:effectClrLst/>
-    <dgm:txLinClrLst/>
-    <dgm:txFillClrLst meth="repeat">
-      <a:schemeClr val="tx1"/>
-    </dgm:txFillClrLst>
-    <dgm:txEffectClrLst/>
-  </dgm:styleLbl>
-  <dgm:styleLbl name="fgAcc1">
-    <dgm:fillClrLst meth="repeat">
-      <a:schemeClr val="lt1">
-        <a:alpha val="90000"/>
-      </a:schemeClr>
-    </dgm:fillClrLst>
-    <dgm:linClrLst>
-      <a:schemeClr val="accent2"/>
-      <a:schemeClr val="accent3"/>
-    </dgm:linClrLst>
-    <dgm:effectClrLst/>
-    <dgm:txLinClrLst/>
-    <dgm:txFillClrLst meth="repeat">
-      <a:schemeClr val="dk1"/>
-    </dgm:txFillClrLst>
-    <dgm:txEffectClrLst/>
-  </dgm:styleLbl>
-  <dgm:styleLbl name="conFgAcc1">
-    <dgm:fillClrLst meth="repeat">
-      <a:schemeClr val="lt1">
-        <a:alpha val="90000"/>
-      </a:schemeClr>
-    </dgm:fillClrLst>
-    <dgm:linClrLst>
-      <a:schemeClr val="accent2"/>
-      <a:schemeClr val="accent3"/>
-    </dgm:linClrLst>
-    <dgm:effectClrLst/>
-    <dgm:txLinClrLst/>
-    <dgm:txFillClrLst meth="repeat">
-      <a:schemeClr val="dk1"/>
-    </dgm:txFillClrLst>
-    <dgm:txEffectClrLst/>
-  </dgm:styleLbl>
-  <dgm:styleLbl name="alignAcc1">
-    <dgm:fillClrLst meth="repeat">
-      <a:schemeClr val="lt1">
-        <a:alpha val="90000"/>
-      </a:schemeClr>
-    </dgm:fillClrLst>
-    <dgm:linClrLst>
-      <a:schemeClr val="accent2"/>
-      <a:schemeClr val="accent3"/>
-    </dgm:linClrLst>
-    <dgm:effectClrLst/>
-    <dgm:txLinClrLst/>
-    <dgm:txFillClrLst meth="repeat">
-      <a:schemeClr val="dk1"/>
-    </dgm:txFillClrLst>
-    <dgm:txEffectClrLst/>
-  </dgm:styleLbl>
-  <dgm:styleLbl name="trAlignAcc1">
-    <dgm:fillClrLst meth="repeat">
-      <a:schemeClr val="lt1">
-        <a:alpha val="40000"/>
-      </a:schemeClr>
-    </dgm:fillClrLst>
-    <dgm:linClrLst meth="repeat">
-      <a:schemeClr val="accent2"/>
-    </dgm:linClrLst>
-    <dgm:effectClrLst/>
-    <dgm:txLinClrLst/>
-    <dgm:txFillClrLst meth="repeat">
-      <a:schemeClr val="dk1"/>
-    </dgm:txFillClrLst>
-    <dgm:txEffectClrLst/>
-  </dgm:styleLbl>
-  <dgm:styleLbl name="bgAcc1">
-    <dgm:fillClrLst meth="repeat">
-      <a:schemeClr val="lt1">
-        <a:alpha val="90000"/>
-      </a:schemeClr>
-    </dgm:fillClrLst>
-    <dgm:linClrLst>
-      <a:schemeClr val="accent2"/>
-      <a:schemeClr val="accent3"/>
-    </dgm:linClrLst>
-    <dgm:effectClrLst/>
-    <dgm:txLinClrLst/>
-    <dgm:txFillClrLst meth="repeat">
-      <a:schemeClr val="dk1"/>
-    </dgm:txFillClrLst>
-    <dgm:txEffectClrLst/>
-  </dgm:styleLbl>
-  <dgm:styleLbl name="solidFgAcc1">
-    <dgm:fillClrLst meth="repeat">
-      <a:schemeClr val="lt1"/>
-    </dgm:fillClrLst>
-    <dgm:linClrLst>
-      <a:schemeClr val="accent2"/>
-      <a:schemeClr val="accent3"/>
-    </dgm:linClrLst>
-    <dgm:effectClrLst/>
-    <dgm:txLinClrLst/>
-    <dgm:txFillClrLst meth="repeat">
-      <a:schemeClr val="dk1"/>
-    </dgm:txFillClrLst>
-    <dgm:txEffectClrLst/>
-  </dgm:styleLbl>
-  <dgm:styleLbl name="solidAlignAcc1">
-    <dgm:fillClrLst meth="repeat">
-      <a:schemeClr val="lt1"/>
-    </dgm:fillClrLst>
-    <dgm:linClrLst>
-      <a:schemeClr val="accent2"/>
-      <a:schemeClr val="accent3"/>
-    </dgm:linClrLst>
-    <dgm:effectClrLst/>
-    <dgm:txLinClrLst/>
-    <dgm:txFillClrLst meth="repeat">
-      <a:schemeClr val="dk1"/>
-    </dgm:txFillClrLst>
-    <dgm:txEffectClrLst/>
-  </dgm:styleLbl>
-  <dgm:styleLbl name="solidBgAcc1">
-    <dgm:fillClrLst meth="repeat">
-      <a:schemeClr val="lt1"/>
-    </dgm:fillClrLst>
-    <dgm:linClrLst>
-      <a:schemeClr val="accent2"/>
-      <a:schemeClr val="accent3"/>
-    </dgm:linClrLst>
-    <dgm:effectClrLst/>
-    <dgm:txLinClrLst/>
-    <dgm:txFillClrLst meth="repeat">
-      <a:schemeClr val="dk1"/>
-    </dgm:txFillClrLst>
-    <dgm:txEffectClrLst/>
-  </dgm:styleLbl>
-  <dgm:styleLbl name="fgAccFollowNode1">
-    <dgm:fillClrLst>
-      <a:schemeClr val="accent2">
-        <a:tint val="40000"/>
-        <a:alpha val="90000"/>
-      </a:schemeClr>
-      <a:schemeClr val="accent3">
-        <a:tint val="40000"/>
-        <a:alpha val="90000"/>
-      </a:schemeClr>
-    </dgm:fillClrLst>
-    <dgm:linClrLst>
-      <a:schemeClr val="accent2">
-        <a:tint val="40000"/>
-        <a:alpha val="90000"/>
-      </a:schemeClr>
-      <a:schemeClr val="accent3">
-        <a:tint val="40000"/>
-        <a:alpha val="90000"/>
-      </a:schemeClr>
-    </dgm:linClrLst>
-    <dgm:effectClrLst/>
-    <dgm:txLinClrLst/>
-    <dgm:txFillClrLst meth="repeat">
-      <a:schemeClr val="dk1"/>
-    </dgm:txFillClrLst>
-    <dgm:txEffectClrLst/>
-  </dgm:styleLbl>
-  <dgm:styleLbl name="alignAccFollowNode1">
-    <dgm:fillClrLst>
-      <a:schemeClr val="accent2">
-        <a:tint val="40000"/>
-        <a:alpha val="90000"/>
-      </a:schemeClr>
-      <a:schemeClr val="accent3">
-        <a:tint val="40000"/>
-        <a:alpha val="90000"/>
-      </a:schemeClr>
-    </dgm:fillClrLst>
-    <dgm:linClrLst>
-      <a:schemeClr val="accent2">
-        <a:tint val="40000"/>
-        <a:alpha val="90000"/>
-      </a:schemeClr>
-      <a:schemeClr val="accent3">
-        <a:tint val="40000"/>
-        <a:alpha val="90000"/>
-      </a:schemeClr>
-    </dgm:linClrLst>
-    <dgm:effectClrLst/>
-    <dgm:txLinClrLst/>
-    <dgm:txFillClrLst meth="repeat">
-      <a:schemeClr val="dk1"/>
-    </dgm:txFillClrLst>
-    <dgm:txEffectClrLst/>
-  </dgm:styleLbl>
-  <dgm:styleLbl name="bgAccFollowNode1">
-    <dgm:fillClrLst>
-      <a:schemeClr val="accent2">
-        <a:tint val="40000"/>
-        <a:alpha val="90000"/>
-      </a:schemeClr>
-      <a:schemeClr val="accent3">
-        <a:tint val="40000"/>
-        <a:alpha val="90000"/>
-      </a:schemeClr>
-    </dgm:fillClrLst>
-    <dgm:linClrLst>
-      <a:schemeClr val="accent2">
-        <a:tint val="40000"/>
-        <a:alpha val="90000"/>
-      </a:schemeClr>
-      <a:schemeClr val="accent3">
-        <a:tint val="40000"/>
-        <a:alpha val="90000"/>
-      </a:schemeClr>
-    </dgm:linClrLst>
-    <dgm:effectClrLst/>
-    <dgm:txLinClrLst/>
-    <dgm:txFillClrLst meth="repeat">
-      <a:schemeClr val="dk1"/>
-    </dgm:txFillClrLst>
-    <dgm:txEffectClrLst/>
-  </dgm:styleLbl>
-  <dgm:styleLbl name="fgAcc0">
-    <dgm:fillClrLst meth="repeat">
-      <a:schemeClr val="lt1">
-        <a:alpha val="90000"/>
-      </a:schemeClr>
-    </dgm:fillClrLst>
-    <dgm:linClrLst>
-      <a:schemeClr val="accent1"/>
-    </dgm:linClrLst>
-    <dgm:effectClrLst/>
-    <dgm:txLinClrLst/>
-    <dgm:txFillClrLst meth="repeat">
-      <a:schemeClr val="dk1"/>
-    </dgm:txFillClrLst>
-    <dgm:txEffectClrLst/>
-  </dgm:styleLbl>
-  <dgm:styleLbl name="fgAcc2">
-    <dgm:fillClrLst meth="repeat">
-      <a:schemeClr val="lt1">
-        <a:alpha val="90000"/>
-      </a:schemeClr>
-    </dgm:fillClrLst>
-    <dgm:linClrLst>
-      <a:schemeClr val="accent3"/>
-    </dgm:linClrLst>
-    <dgm:effectClrLst/>
-    <dgm:txLinClrLst/>
-    <dgm:txFillClrLst meth="repeat">
-      <a:schemeClr val="dk1"/>
-    </dgm:txFillClrLst>
-    <dgm:txEffectClrLst/>
-  </dgm:styleLbl>
-  <dgm:styleLbl name="fgAcc3">
-    <dgm:fillClrLst meth="repeat">
-      <a:schemeClr val="lt1">
-        <a:alpha val="90000"/>
-      </a:schemeClr>
-    </dgm:fillClrLst>
-    <dgm:linClrLst>
-      <a:schemeClr val="accent4"/>
-    </dgm:linClrLst>
-    <dgm:effectClrLst/>
-    <dgm:txLinClrLst/>
-    <dgm:txFillClrLst meth="repeat">
-      <a:schemeClr val="dk1"/>
-    </dgm:txFillClrLst>
-    <dgm:txEffectClrLst/>
-  </dgm:styleLbl>
-  <dgm:styleLbl name="fgAcc4">
-    <dgm:fillClrLst meth="repeat">
-      <a:schemeClr val="lt1">
-        <a:alpha val="90000"/>
-      </a:schemeClr>
-    </dgm:fillClrLst>
-    <dgm:linClrLst>
-      <a:schemeClr val="accent5"/>
-    </dgm:linClrLst>
-    <dgm:effectClrLst/>
-    <dgm:txLinClrLst/>
-    <dgm:txFillClrLst meth="repeat">
-      <a:schemeClr val="dk1"/>
-    </dgm:txFillClrLst>
-    <dgm:txEffectClrLst/>
-  </dgm:styleLbl>
-  <dgm:styleLbl name="bgShp">
-    <dgm:fillClrLst meth="repeat">
-      <a:schemeClr val="accent2">
-        <a:tint val="40000"/>
-      </a:schemeClr>
-    </dgm:fillClrLst>
-    <dgm:linClrLst meth="repeat">
-      <a:schemeClr val="dk1"/>
-    </dgm:linClrLst>
-    <dgm:effectClrLst/>
-    <dgm:txLinClrLst/>
-    <dgm:txFillClrLst meth="repeat">
-      <a:schemeClr val="dk1"/>
-    </dgm:txFillClrLst>
-    <dgm:txEffectClrLst/>
-  </dgm:styleLbl>
-  <dgm:styleLbl name="dkBgShp">
-    <dgm:fillClrLst meth="repeat">
-      <a:schemeClr val="accent2">
-        <a:shade val="90000"/>
-      </a:schemeClr>
-    </dgm:fillClrLst>
-    <dgm:linClrLst meth="repeat">
-      <a:schemeClr val="dk1"/>
-    </dgm:linClrLst>
-    <dgm:effectClrLst/>
-    <dgm:txLinClrLst/>
-    <dgm:txFillClrLst meth="repeat">
-      <a:schemeClr val="lt1"/>
-    </dgm:txFillClrLst>
-    <dgm:txEffectClrLst/>
-  </dgm:styleLbl>
-  <dgm:styleLbl name="trBgShp">
-    <dgm:fillClrLst meth="repeat">
-      <a:schemeClr val="accent2">
-        <a:tint val="50000"/>
-        <a:alpha val="40000"/>
-      </a:schemeClr>
-    </dgm:fillClrLst>
-    <dgm:linClrLst meth="repeat">
-      <a:schemeClr val="accent2"/>
-    </dgm:linClrLst>
-    <dgm:effectClrLst/>
-    <dgm:txLinClrLst/>
-    <dgm:txFillClrLst meth="repeat">
-      <a:schemeClr val="lt1"/>
-    </dgm:txFillClrLst>
-    <dgm:txEffectClrLst/>
-  </dgm:styleLbl>
-  <dgm:styleLbl name="fgShp">
-    <dgm:fillClrLst meth="repeat">
-      <a:schemeClr val="accent2">
-        <a:tint val="40000"/>
-      </a:schemeClr>
-    </dgm:fillClrLst>
-    <dgm:linClrLst meth="repeat">
-      <a:schemeClr val="lt1"/>
-    </dgm:linClrLst>
-    <dgm:effectClrLst/>
-    <dgm:txLinClrLst/>
-    <dgm:txFillClrLst meth="repeat">
-      <a:schemeClr val="dk1"/>
-    </dgm:txFillClrLst>
-    <dgm:txEffectClrLst/>
-  </dgm:styleLbl>
-  <dgm:styleLbl name="revTx">
-    <dgm:fillClrLst meth="repeat">
-      <a:schemeClr val="lt1">
-        <a:alpha val="0"/>
-      </a:schemeClr>
-    </dgm:fillClrLst>
-    <dgm:linClrLst meth="repeat">
-      <a:schemeClr val="dk1">
-        <a:alpha val="0"/>
-      </a:schemeClr>
-    </dgm:linClrLst>
-    <dgm:effectClrLst/>
-    <dgm:txLinClrLst/>
-    <dgm:txFillClrLst meth="repeat">
-      <a:schemeClr val="tx1"/>
-    </dgm:txFillClrLst>
-    <dgm:txEffectClrLst/>
-  </dgm:styleLbl>
-</dgm:colorsDef>
+<file path=ppt/diagrams/data1.xml><?xml version="1.0" encoding="utf-8"?>
+<dgm:dataModel xmlns:dgm="http://schemas.openxmlformats.org/drawingml/2006/diagram" xmlns:a="http://schemas.openxmlformats.org/drawingml/2006/main">
+  <dgm:ptLst>
+    <dgm:pt modelId="{C93D9156-0D4A-4D19-8375-A02D1C89CC3B}" type="doc">
+      <dgm:prSet loTypeId="urn:microsoft.com/office/officeart/2008/layout/LinedList" loCatId="list" qsTypeId="urn:microsoft.com/office/officeart/2005/8/quickstyle/simple1" qsCatId="simple" csTypeId="urn:microsoft.com/office/officeart/2005/8/colors/colorful2" csCatId="colorful"/>
+      <dgm:spPr/>
+      <dgm:t>
+        <a:bodyPr/>
+        <a:lstStyle/>
+        <a:p>
+          <a:endParaRPr lang="en-US"/>
+        </a:p>
+      </dgm:t>
+    </dgm:pt>
+    <dgm:pt modelId="{637FD057-8996-42CE-897D-92CA30DE9745}">
+      <dgm:prSet/>
+      <dgm:spPr/>
+      <dgm:t>
+        <a:bodyPr/>
+        <a:lstStyle/>
+        <a:p>
+          <a:r>
+            <a:rPr lang="en-US" dirty="0"/>
+            <a:t>Poor Page loads</a:t>
+          </a:r>
+        </a:p>
+      </dgm:t>
+    </dgm:pt>
+    <dgm:pt modelId="{56C8D1D1-0309-414E-AE5C-BAAB4DF4275C}" type="parTrans" cxnId="{A1602B9B-DF95-4D8C-B6E6-9A7F583557D5}">
+      <dgm:prSet/>
+      <dgm:spPr/>
+      <dgm:t>
+        <a:bodyPr/>
+        <a:lstStyle/>
+        <a:p>
+          <a:endParaRPr lang="en-US"/>
+        </a:p>
+      </dgm:t>
+    </dgm:pt>
+    <dgm:pt modelId="{482216EC-FC2F-4038-9681-9236B14AFE36}" type="sibTrans" cxnId="{A1602B9B-DF95-4D8C-B6E6-9A7F583557D5}">
+      <dgm:prSet/>
+      <dgm:spPr/>
+      <dgm:t>
+        <a:bodyPr/>
+        <a:lstStyle/>
+        <a:p>
+          <a:endParaRPr lang="en-US"/>
+        </a:p>
+      </dgm:t>
+    </dgm:pt>
+    <dgm:pt modelId="{6FC0B5F4-AC01-4E47-ACD2-135C0202525D}">
+      <dgm:prSet/>
+      <dgm:spPr/>
+      <dgm:t>
+        <a:bodyPr/>
+        <a:lstStyle/>
+        <a:p>
+          <a:r>
+            <a:rPr lang="en-US"/>
+            <a:t>Increased Operational cost with the same customer base</a:t>
+          </a:r>
+        </a:p>
+      </dgm:t>
+    </dgm:pt>
+    <dgm:pt modelId="{1AD880A5-0D43-4751-A56A-4264892BD2B6}" type="parTrans" cxnId="{FA13BB3D-D6E8-4B4C-9F06-808928F217C9}">
+      <dgm:prSet/>
+      <dgm:spPr/>
+      <dgm:t>
+        <a:bodyPr/>
+        <a:lstStyle/>
+        <a:p>
+          <a:endParaRPr lang="en-US"/>
+        </a:p>
+      </dgm:t>
+    </dgm:pt>
+    <dgm:pt modelId="{A0096BB0-2D7A-46D9-8E1B-512284AFA365}" type="sibTrans" cxnId="{FA13BB3D-D6E8-4B4C-9F06-808928F217C9}">
+      <dgm:prSet/>
+      <dgm:spPr/>
+      <dgm:t>
+        <a:bodyPr/>
+        <a:lstStyle/>
+        <a:p>
+          <a:endParaRPr lang="en-US"/>
+        </a:p>
+      </dgm:t>
+    </dgm:pt>
+    <dgm:pt modelId="{C79CAE91-0746-46BB-B46E-F36A15D9E79E}">
+      <dgm:prSet/>
+      <dgm:spPr/>
+      <dgm:t>
+        <a:bodyPr/>
+        <a:lstStyle/>
+        <a:p>
+          <a:r>
+            <a:rPr lang="en-US" dirty="0"/>
+            <a:t>Time to Market</a:t>
+          </a:r>
+        </a:p>
+      </dgm:t>
+    </dgm:pt>
+    <dgm:pt modelId="{3232BDCF-4EC2-416C-AB9A-4166B986FE3F}" type="parTrans" cxnId="{10932625-F580-4959-9508-A3FEC5AC4771}">
+      <dgm:prSet/>
+      <dgm:spPr/>
+      <dgm:t>
+        <a:bodyPr/>
+        <a:lstStyle/>
+        <a:p>
+          <a:endParaRPr lang="en-US"/>
+        </a:p>
+      </dgm:t>
+    </dgm:pt>
+    <dgm:pt modelId="{71932067-F11D-4BE6-A169-59351EAF8C06}" type="sibTrans" cxnId="{10932625-F580-4959-9508-A3FEC5AC4771}">
+      <dgm:prSet/>
+      <dgm:spPr/>
+      <dgm:t>
+        <a:bodyPr/>
+        <a:lstStyle/>
+        <a:p>
+          <a:endParaRPr lang="en-US"/>
+        </a:p>
+      </dgm:t>
+    </dgm:pt>
+    <dgm:pt modelId="{C4D9190C-6D53-47F5-8FA5-7821B49F6838}">
+      <dgm:prSet/>
+      <dgm:spPr/>
+      <dgm:t>
+        <a:bodyPr/>
+        <a:lstStyle/>
+        <a:p>
+          <a:r>
+            <a:rPr lang="en-US"/>
+            <a:t>Manual to deploy and provisioning the infra</a:t>
+          </a:r>
+        </a:p>
+      </dgm:t>
+    </dgm:pt>
+    <dgm:pt modelId="{4973BAF7-C9AD-482B-AED0-5E4FA349C9AA}" type="parTrans" cxnId="{ED4DD5C2-F2BE-46D2-9E19-EF028033AA9C}">
+      <dgm:prSet/>
+      <dgm:spPr/>
+      <dgm:t>
+        <a:bodyPr/>
+        <a:lstStyle/>
+        <a:p>
+          <a:endParaRPr lang="en-US"/>
+        </a:p>
+      </dgm:t>
+    </dgm:pt>
+    <dgm:pt modelId="{AB7B8F14-32F6-43D2-AB5E-C9FD0FF2C99F}" type="sibTrans" cxnId="{ED4DD5C2-F2BE-46D2-9E19-EF028033AA9C}">
+      <dgm:prSet/>
+      <dgm:spPr/>
+      <dgm:t>
+        <a:bodyPr/>
+        <a:lstStyle/>
+        <a:p>
+          <a:endParaRPr lang="en-US"/>
+        </a:p>
+      </dgm:t>
+    </dgm:pt>
+    <dgm:pt modelId="{3E753DB1-6A57-403B-87B4-E5263784426B}" type="pres">
+      <dgm:prSet presAssocID="{C93D9156-0D4A-4D19-8375-A02D1C89CC3B}" presName="vert0" presStyleCnt="0">
+        <dgm:presLayoutVars>
+          <dgm:dir/>
+          <dgm:animOne val="branch"/>
+          <dgm:animLvl val="lvl"/>
+        </dgm:presLayoutVars>
+      </dgm:prSet>
+      <dgm:spPr/>
+    </dgm:pt>
+    <dgm:pt modelId="{C8028E72-82E1-4F32-9DB0-519116EBFA03}" type="pres">
+      <dgm:prSet presAssocID="{637FD057-8996-42CE-897D-92CA30DE9745}" presName="thickLine" presStyleLbl="alignNode1" presStyleIdx="0" presStyleCnt="4"/>
+      <dgm:spPr/>
+    </dgm:pt>
+    <dgm:pt modelId="{C36FAF06-A43D-4333-8A57-D0B7CE0832BE}" type="pres">
+      <dgm:prSet presAssocID="{637FD057-8996-42CE-897D-92CA30DE9745}" presName="horz1" presStyleCnt="0"/>
+      <dgm:spPr/>
+    </dgm:pt>
+    <dgm:pt modelId="{CC779C7B-97D7-464E-B7B1-D3805B8F438E}" type="pres">
+      <dgm:prSet presAssocID="{637FD057-8996-42CE-897D-92CA30DE9745}" presName="tx1" presStyleLbl="revTx" presStyleIdx="0" presStyleCnt="4"/>
+      <dgm:spPr/>
+    </dgm:pt>
+    <dgm:pt modelId="{B098216A-65AE-4899-94FC-1AFF76F63718}" type="pres">
+      <dgm:prSet presAssocID="{637FD057-8996-42CE-897D-92CA30DE9745}" presName="vert1" presStyleCnt="0"/>
+      <dgm:spPr/>
+    </dgm:pt>
+    <dgm:pt modelId="{2DC7C69F-331C-41B7-9CC4-D4FD0A91C73D}" type="pres">
+      <dgm:prSet presAssocID="{6FC0B5F4-AC01-4E47-ACD2-135C0202525D}" presName="thickLine" presStyleLbl="alignNode1" presStyleIdx="1" presStyleCnt="4"/>
+      <dgm:spPr/>
+    </dgm:pt>
+    <dgm:pt modelId="{82510027-0362-4EBA-9E85-9C2CE1963D55}" type="pres">
+      <dgm:prSet presAssocID="{6FC0B5F4-AC01-4E47-ACD2-135C0202525D}" presName="horz1" presStyleCnt="0"/>
+      <dgm:spPr/>
+    </dgm:pt>
+    <dgm:pt modelId="{3EB610F2-BC12-4BE9-9221-5F60E4F0B4D3}" type="pres">
+      <dgm:prSet presAssocID="{6FC0B5F4-AC01-4E47-ACD2-135C0202525D}" presName="tx1" presStyleLbl="revTx" presStyleIdx="1" presStyleCnt="4"/>
+      <dgm:spPr/>
+    </dgm:pt>
+    <dgm:pt modelId="{1B096331-B3A8-4762-84FB-F9827871132F}" type="pres">
+      <dgm:prSet presAssocID="{6FC0B5F4-AC01-4E47-ACD2-135C0202525D}" presName="vert1" presStyleCnt="0"/>
+      <dgm:spPr/>
+    </dgm:pt>
+    <dgm:pt modelId="{60B874DF-BB26-4D8B-B97A-D0ED8FDF650D}" type="pres">
+      <dgm:prSet presAssocID="{C79CAE91-0746-46BB-B46E-F36A15D9E79E}" presName="thickLine" presStyleLbl="alignNode1" presStyleIdx="2" presStyleCnt="4"/>
+      <dgm:spPr/>
+    </dgm:pt>
+    <dgm:pt modelId="{359F3423-708A-4E9E-A011-6B847FDD5D52}" type="pres">
+      <dgm:prSet presAssocID="{C79CAE91-0746-46BB-B46E-F36A15D9E79E}" presName="horz1" presStyleCnt="0"/>
+      <dgm:spPr/>
+    </dgm:pt>
+    <dgm:pt modelId="{ACB7005D-C529-40E7-A7DB-F20DB7DD036E}" type="pres">
+      <dgm:prSet presAssocID="{C79CAE91-0746-46BB-B46E-F36A15D9E79E}" presName="tx1" presStyleLbl="revTx" presStyleIdx="2" presStyleCnt="4"/>
+      <dgm:spPr/>
+    </dgm:pt>
+    <dgm:pt modelId="{3B9B871F-16C4-44AD-A1D7-2DE6452BDA46}" type="pres">
+      <dgm:prSet presAssocID="{C79CAE91-0746-46BB-B46E-F36A15D9E79E}" presName="vert1" presStyleCnt="0"/>
+      <dgm:spPr/>
+    </dgm:pt>
+    <dgm:pt modelId="{6D002F26-053C-4E8F-B802-2C8035C46587}" type="pres">
+      <dgm:prSet presAssocID="{C4D9190C-6D53-47F5-8FA5-7821B49F6838}" presName="thickLine" presStyleLbl="alignNode1" presStyleIdx="3" presStyleCnt="4"/>
+      <dgm:spPr/>
+    </dgm:pt>
+    <dgm:pt modelId="{6DC3359D-12C8-4C20-A293-AD3231285B98}" type="pres">
+      <dgm:prSet presAssocID="{C4D9190C-6D53-47F5-8FA5-7821B49F6838}" presName="horz1" presStyleCnt="0"/>
+      <dgm:spPr/>
+    </dgm:pt>
+    <dgm:pt modelId="{C08773E8-596C-48F9-8723-6821214E6272}" type="pres">
+      <dgm:prSet presAssocID="{C4D9190C-6D53-47F5-8FA5-7821B49F6838}" presName="tx1" presStyleLbl="revTx" presStyleIdx="3" presStyleCnt="4"/>
+      <dgm:spPr/>
+    </dgm:pt>
+    <dgm:pt modelId="{F2CD8BF6-E0FF-4A31-817C-9F12C50A281C}" type="pres">
+      <dgm:prSet presAssocID="{C4D9190C-6D53-47F5-8FA5-7821B49F6838}" presName="vert1" presStyleCnt="0"/>
+      <dgm:spPr/>
+    </dgm:pt>
+  </dgm:ptLst>
+  <dgm:cxnLst>
+    <dgm:cxn modelId="{10932625-F580-4959-9508-A3FEC5AC4771}" srcId="{C93D9156-0D4A-4D19-8375-A02D1C89CC3B}" destId="{C79CAE91-0746-46BB-B46E-F36A15D9E79E}" srcOrd="2" destOrd="0" parTransId="{3232BDCF-4EC2-416C-AB9A-4166B986FE3F}" sibTransId="{71932067-F11D-4BE6-A169-59351EAF8C06}"/>
+    <dgm:cxn modelId="{FA13BB3D-D6E8-4B4C-9F06-808928F217C9}" srcId="{C93D9156-0D4A-4D19-8375-A02D1C89CC3B}" destId="{6FC0B5F4-AC01-4E47-ACD2-135C0202525D}" srcOrd="1" destOrd="0" parTransId="{1AD880A5-0D43-4751-A56A-4264892BD2B6}" sibTransId="{A0096BB0-2D7A-46D9-8E1B-512284AFA365}"/>
+    <dgm:cxn modelId="{83F94546-E398-4461-84BF-526C70C379B0}" type="presOf" srcId="{C4D9190C-6D53-47F5-8FA5-7821B49F6838}" destId="{C08773E8-596C-48F9-8723-6821214E6272}" srcOrd="0" destOrd="0" presId="urn:microsoft.com/office/officeart/2008/layout/LinedList"/>
+    <dgm:cxn modelId="{E894E082-BC03-48FA-8783-32B8B94380D1}" type="presOf" srcId="{C93D9156-0D4A-4D19-8375-A02D1C89CC3B}" destId="{3E753DB1-6A57-403B-87B4-E5263784426B}" srcOrd="0" destOrd="0" presId="urn:microsoft.com/office/officeart/2008/layout/LinedList"/>
+    <dgm:cxn modelId="{6CAD5488-FAC8-43FB-9A26-F02C0D61359B}" type="presOf" srcId="{C79CAE91-0746-46BB-B46E-F36A15D9E79E}" destId="{ACB7005D-C529-40E7-A7DB-F20DB7DD036E}" srcOrd="0" destOrd="0" presId="urn:microsoft.com/office/officeart/2008/layout/LinedList"/>
+    <dgm:cxn modelId="{A1602B9B-DF95-4D8C-B6E6-9A7F583557D5}" srcId="{C93D9156-0D4A-4D19-8375-A02D1C89CC3B}" destId="{637FD057-8996-42CE-897D-92CA30DE9745}" srcOrd="0" destOrd="0" parTransId="{56C8D1D1-0309-414E-AE5C-BAAB4DF4275C}" sibTransId="{482216EC-FC2F-4038-9681-9236B14AFE36}"/>
+    <dgm:cxn modelId="{ED4DD5C2-F2BE-46D2-9E19-EF028033AA9C}" srcId="{C93D9156-0D4A-4D19-8375-A02D1C89CC3B}" destId="{C4D9190C-6D53-47F5-8FA5-7821B49F6838}" srcOrd="3" destOrd="0" parTransId="{4973BAF7-C9AD-482B-AED0-5E4FA349C9AA}" sibTransId="{AB7B8F14-32F6-43D2-AB5E-C9FD0FF2C99F}"/>
+    <dgm:cxn modelId="{61BE9BC8-0150-48C8-A52A-48489FA98B4F}" type="presOf" srcId="{6FC0B5F4-AC01-4E47-ACD2-135C0202525D}" destId="{3EB610F2-BC12-4BE9-9221-5F60E4F0B4D3}" srcOrd="0" destOrd="0" presId="urn:microsoft.com/office/officeart/2008/layout/LinedList"/>
+    <dgm:cxn modelId="{608FE3C8-07E2-4BE2-8D9D-6F9A3C806553}" type="presOf" srcId="{637FD057-8996-42CE-897D-92CA30DE9745}" destId="{CC779C7B-97D7-464E-B7B1-D3805B8F438E}" srcOrd="0" destOrd="0" presId="urn:microsoft.com/office/officeart/2008/layout/LinedList"/>
+    <dgm:cxn modelId="{FA3EE66E-4E02-4D19-A19F-0D7D53F80E6E}" type="presParOf" srcId="{3E753DB1-6A57-403B-87B4-E5263784426B}" destId="{C8028E72-82E1-4F32-9DB0-519116EBFA03}" srcOrd="0" destOrd="0" presId="urn:microsoft.com/office/officeart/2008/layout/LinedList"/>
+    <dgm:cxn modelId="{A364CE06-CEC5-4E59-9B3B-62F6B13DC4CB}" type="presParOf" srcId="{3E753DB1-6A57-403B-87B4-E5263784426B}" destId="{C36FAF06-A43D-4333-8A57-D0B7CE0832BE}" srcOrd="1" destOrd="0" presId="urn:microsoft.com/office/officeart/2008/layout/LinedList"/>
+    <dgm:cxn modelId="{BD579155-06CA-45E1-8B6F-0BF96BC8852C}" type="presParOf" srcId="{C36FAF06-A43D-4333-8A57-D0B7CE0832BE}" destId="{CC779C7B-97D7-464E-B7B1-D3805B8F438E}" srcOrd="0" destOrd="0" presId="urn:microsoft.com/office/officeart/2008/layout/LinedList"/>
+    <dgm:cxn modelId="{98CD237C-AF03-47D3-B21C-A602CD9CA6A3}" type="presParOf" srcId="{C36FAF06-A43D-4333-8A57-D0B7CE0832BE}" destId="{B098216A-65AE-4899-94FC-1AFF76F63718}" srcOrd="1" destOrd="0" presId="urn:microsoft.com/office/officeart/2008/layout/LinedList"/>
+    <dgm:cxn modelId="{A1C08B97-03B1-4343-8B69-D6F001E67AD4}" type="presParOf" srcId="{3E753DB1-6A57-403B-87B4-E5263784426B}" destId="{2DC7C69F-331C-41B7-9CC4-D4FD0A91C73D}" srcOrd="2" destOrd="0" presId="urn:microsoft.com/office/officeart/2008/layout/LinedList"/>
+    <dgm:cxn modelId="{BE114518-C102-46A0-9B44-683D50829FBB}" type="presParOf" srcId="{3E753DB1-6A57-403B-87B4-E5263784426B}" destId="{82510027-0362-4EBA-9E85-9C2CE1963D55}" srcOrd="3" destOrd="0" presId="urn:microsoft.com/office/officeart/2008/layout/LinedList"/>
+    <dgm:cxn modelId="{ADBA13EA-CDAE-4333-B3EE-EAD5BC62D19A}" type="presParOf" srcId="{82510027-0362-4EBA-9E85-9C2CE1963D55}" destId="{3EB610F2-BC12-4BE9-9221-5F60E4F0B4D3}" srcOrd="0" destOrd="0" presId="urn:microsoft.com/office/officeart/2008/layout/LinedList"/>
+    <dgm:cxn modelId="{DFBE308D-3394-43F3-A51B-23651D550472}" type="presParOf" srcId="{82510027-0362-4EBA-9E85-9C2CE1963D55}" destId="{1B096331-B3A8-4762-84FB-F9827871132F}" srcOrd="1" destOrd="0" presId="urn:microsoft.com/office/officeart/2008/layout/LinedList"/>
+    <dgm:cxn modelId="{8291F9A3-CD3D-48FA-B7FD-6794E8D61502}" type="presParOf" srcId="{3E753DB1-6A57-403B-87B4-E5263784426B}" destId="{60B874DF-BB26-4D8B-B97A-D0ED8FDF650D}" srcOrd="4" destOrd="0" presId="urn:microsoft.com/office/officeart/2008/layout/LinedList"/>
+    <dgm:cxn modelId="{3D88842D-E568-4C99-BE0E-95CCE9A2E01B}" type="presParOf" srcId="{3E753DB1-6A57-403B-87B4-E5263784426B}" destId="{359F3423-708A-4E9E-A011-6B847FDD5D52}" srcOrd="5" destOrd="0" presId="urn:microsoft.com/office/officeart/2008/layout/LinedList"/>
+    <dgm:cxn modelId="{AC39F891-9E6D-4472-B1ED-148F0BE3FA32}" type="presParOf" srcId="{359F3423-708A-4E9E-A011-6B847FDD5D52}" destId="{ACB7005D-C529-40E7-A7DB-F20DB7DD036E}" srcOrd="0" destOrd="0" presId="urn:microsoft.com/office/officeart/2008/layout/LinedList"/>
+    <dgm:cxn modelId="{14BB628F-1BFA-4FE7-B0D9-163A27581B31}" type="presParOf" srcId="{359F3423-708A-4E9E-A011-6B847FDD5D52}" destId="{3B9B871F-16C4-44AD-A1D7-2DE6452BDA46}" srcOrd="1" destOrd="0" presId="urn:microsoft.com/office/officeart/2008/layout/LinedList"/>
+    <dgm:cxn modelId="{A2D4A6F1-451E-4EAD-B1E0-CB100459208B}" type="presParOf" srcId="{3E753DB1-6A57-403B-87B4-E5263784426B}" destId="{6D002F26-053C-4E8F-B802-2C8035C46587}" srcOrd="6" destOrd="0" presId="urn:microsoft.com/office/officeart/2008/layout/LinedList"/>
+    <dgm:cxn modelId="{425A6676-8E8A-432F-A188-211AD90C6EAE}" type="presParOf" srcId="{3E753DB1-6A57-403B-87B4-E5263784426B}" destId="{6DC3359D-12C8-4C20-A293-AD3231285B98}" srcOrd="7" destOrd="0" presId="urn:microsoft.com/office/officeart/2008/layout/LinedList"/>
+    <dgm:cxn modelId="{1771FBAA-6BEE-4E24-9FDA-D5A26D85E674}" type="presParOf" srcId="{6DC3359D-12C8-4C20-A293-AD3231285B98}" destId="{C08773E8-596C-48F9-8723-6821214E6272}" srcOrd="0" destOrd="0" presId="urn:microsoft.com/office/officeart/2008/layout/LinedList"/>
+    <dgm:cxn modelId="{6B082EDD-47F1-4F50-89C0-7AFF758281C4}" type="presParOf" srcId="{6DC3359D-12C8-4C20-A293-AD3231285B98}" destId="{F2CD8BF6-E0FF-4A31-817C-9F12C50A281C}" srcOrd="1" destOrd="0" presId="urn:microsoft.com/office/officeart/2008/layout/LinedList"/>
+  </dgm:cxnLst>
+  <dgm:bg/>
+  <dgm:whole/>
+  <dgm:extLst>
+    <a:ext uri="http://schemas.microsoft.com/office/drawing/2008/diagram">
+      <dsp:dataModelExt xmlns:dsp="http://schemas.microsoft.com/office/drawing/2008/diagram" relId="rId6" minVer="http://schemas.openxmlformats.org/drawingml/2006/diagram"/>
+    </a:ext>
+  </dgm:extLst>
+</dgm:dataModel>
 </file>
 
-<file path=ppt/diagrams/data1.xml><?xml version="1.0" encoding="utf-8"?>
+<file path=ppt/diagrams/data2.xml><?xml version="1.0" encoding="utf-8"?>
 <dgm:dataModel xmlns:dgm="http://schemas.openxmlformats.org/drawingml/2006/diagram" xmlns:a="http://schemas.openxmlformats.org/drawingml/2006/main">
   <dgm:ptLst>
     <dgm:pt modelId="{7C6F53C0-7A8F-48AD-9CD4-0A8FFDF91C51}" type="doc">
@@ -4680,276 +4956,6 @@
 </dgm:dataModel>
 </file>
 
-<file path=ppt/diagrams/data2.xml><?xml version="1.0" encoding="utf-8"?>
-<dgm:dataModel xmlns:dgm="http://schemas.openxmlformats.org/drawingml/2006/diagram" xmlns:a="http://schemas.openxmlformats.org/drawingml/2006/main">
-  <dgm:ptLst>
-    <dgm:pt modelId="{C93D9156-0D4A-4D19-8375-A02D1C89CC3B}" type="doc">
-      <dgm:prSet loTypeId="urn:microsoft.com/office/officeart/2008/layout/LinedList" loCatId="list" qsTypeId="urn:microsoft.com/office/officeart/2005/8/quickstyle/simple1" qsCatId="simple" csTypeId="urn:microsoft.com/office/officeart/2005/8/colors/colorful2" csCatId="colorful"/>
-      <dgm:spPr/>
-      <dgm:t>
-        <a:bodyPr/>
-        <a:lstStyle/>
-        <a:p>
-          <a:endParaRPr lang="en-US"/>
-        </a:p>
-      </dgm:t>
-    </dgm:pt>
-    <dgm:pt modelId="{637FD057-8996-42CE-897D-92CA30DE9745}">
-      <dgm:prSet/>
-      <dgm:spPr/>
-      <dgm:t>
-        <a:bodyPr/>
-        <a:lstStyle/>
-        <a:p>
-          <a:r>
-            <a:rPr lang="en-US" dirty="0"/>
-            <a:t>Poor Page loads</a:t>
-          </a:r>
-        </a:p>
-      </dgm:t>
-    </dgm:pt>
-    <dgm:pt modelId="{56C8D1D1-0309-414E-AE5C-BAAB4DF4275C}" type="parTrans" cxnId="{A1602B9B-DF95-4D8C-B6E6-9A7F583557D5}">
-      <dgm:prSet/>
-      <dgm:spPr/>
-      <dgm:t>
-        <a:bodyPr/>
-        <a:lstStyle/>
-        <a:p>
-          <a:endParaRPr lang="en-US"/>
-        </a:p>
-      </dgm:t>
-    </dgm:pt>
-    <dgm:pt modelId="{482216EC-FC2F-4038-9681-9236B14AFE36}" type="sibTrans" cxnId="{A1602B9B-DF95-4D8C-B6E6-9A7F583557D5}">
-      <dgm:prSet/>
-      <dgm:spPr/>
-      <dgm:t>
-        <a:bodyPr/>
-        <a:lstStyle/>
-        <a:p>
-          <a:endParaRPr lang="en-US"/>
-        </a:p>
-      </dgm:t>
-    </dgm:pt>
-    <dgm:pt modelId="{6FC0B5F4-AC01-4E47-ACD2-135C0202525D}">
-      <dgm:prSet/>
-      <dgm:spPr/>
-      <dgm:t>
-        <a:bodyPr/>
-        <a:lstStyle/>
-        <a:p>
-          <a:r>
-            <a:rPr lang="en-US"/>
-            <a:t>Increased Operational cost with the same customer base</a:t>
-          </a:r>
-        </a:p>
-      </dgm:t>
-    </dgm:pt>
-    <dgm:pt modelId="{1AD880A5-0D43-4751-A56A-4264892BD2B6}" type="parTrans" cxnId="{FA13BB3D-D6E8-4B4C-9F06-808928F217C9}">
-      <dgm:prSet/>
-      <dgm:spPr/>
-      <dgm:t>
-        <a:bodyPr/>
-        <a:lstStyle/>
-        <a:p>
-          <a:endParaRPr lang="en-US"/>
-        </a:p>
-      </dgm:t>
-    </dgm:pt>
-    <dgm:pt modelId="{A0096BB0-2D7A-46D9-8E1B-512284AFA365}" type="sibTrans" cxnId="{FA13BB3D-D6E8-4B4C-9F06-808928F217C9}">
-      <dgm:prSet/>
-      <dgm:spPr/>
-      <dgm:t>
-        <a:bodyPr/>
-        <a:lstStyle/>
-        <a:p>
-          <a:endParaRPr lang="en-US"/>
-        </a:p>
-      </dgm:t>
-    </dgm:pt>
-    <dgm:pt modelId="{C79CAE91-0746-46BB-B46E-F36A15D9E79E}">
-      <dgm:prSet/>
-      <dgm:spPr/>
-      <dgm:t>
-        <a:bodyPr/>
-        <a:lstStyle/>
-        <a:p>
-          <a:r>
-            <a:rPr lang="en-US" dirty="0"/>
-            <a:t>Time to Market</a:t>
-          </a:r>
-        </a:p>
-      </dgm:t>
-    </dgm:pt>
-    <dgm:pt modelId="{3232BDCF-4EC2-416C-AB9A-4166B986FE3F}" type="parTrans" cxnId="{10932625-F580-4959-9508-A3FEC5AC4771}">
-      <dgm:prSet/>
-      <dgm:spPr/>
-      <dgm:t>
-        <a:bodyPr/>
-        <a:lstStyle/>
-        <a:p>
-          <a:endParaRPr lang="en-US"/>
-        </a:p>
-      </dgm:t>
-    </dgm:pt>
-    <dgm:pt modelId="{71932067-F11D-4BE6-A169-59351EAF8C06}" type="sibTrans" cxnId="{10932625-F580-4959-9508-A3FEC5AC4771}">
-      <dgm:prSet/>
-      <dgm:spPr/>
-      <dgm:t>
-        <a:bodyPr/>
-        <a:lstStyle/>
-        <a:p>
-          <a:endParaRPr lang="en-US"/>
-        </a:p>
-      </dgm:t>
-    </dgm:pt>
-    <dgm:pt modelId="{C4D9190C-6D53-47F5-8FA5-7821B49F6838}">
-      <dgm:prSet/>
-      <dgm:spPr/>
-      <dgm:t>
-        <a:bodyPr/>
-        <a:lstStyle/>
-        <a:p>
-          <a:r>
-            <a:rPr lang="en-US"/>
-            <a:t>Manual to deploy and provisioning the infra</a:t>
-          </a:r>
-        </a:p>
-      </dgm:t>
-    </dgm:pt>
-    <dgm:pt modelId="{4973BAF7-C9AD-482B-AED0-5E4FA349C9AA}" type="parTrans" cxnId="{ED4DD5C2-F2BE-46D2-9E19-EF028033AA9C}">
-      <dgm:prSet/>
-      <dgm:spPr/>
-      <dgm:t>
-        <a:bodyPr/>
-        <a:lstStyle/>
-        <a:p>
-          <a:endParaRPr lang="en-US"/>
-        </a:p>
-      </dgm:t>
-    </dgm:pt>
-    <dgm:pt modelId="{AB7B8F14-32F6-43D2-AB5E-C9FD0FF2C99F}" type="sibTrans" cxnId="{ED4DD5C2-F2BE-46D2-9E19-EF028033AA9C}">
-      <dgm:prSet/>
-      <dgm:spPr/>
-      <dgm:t>
-        <a:bodyPr/>
-        <a:lstStyle/>
-        <a:p>
-          <a:endParaRPr lang="en-US"/>
-        </a:p>
-      </dgm:t>
-    </dgm:pt>
-    <dgm:pt modelId="{3E753DB1-6A57-403B-87B4-E5263784426B}" type="pres">
-      <dgm:prSet presAssocID="{C93D9156-0D4A-4D19-8375-A02D1C89CC3B}" presName="vert0" presStyleCnt="0">
-        <dgm:presLayoutVars>
-          <dgm:dir/>
-          <dgm:animOne val="branch"/>
-          <dgm:animLvl val="lvl"/>
-        </dgm:presLayoutVars>
-      </dgm:prSet>
-      <dgm:spPr/>
-    </dgm:pt>
-    <dgm:pt modelId="{C8028E72-82E1-4F32-9DB0-519116EBFA03}" type="pres">
-      <dgm:prSet presAssocID="{637FD057-8996-42CE-897D-92CA30DE9745}" presName="thickLine" presStyleLbl="alignNode1" presStyleIdx="0" presStyleCnt="4"/>
-      <dgm:spPr/>
-    </dgm:pt>
-    <dgm:pt modelId="{C36FAF06-A43D-4333-8A57-D0B7CE0832BE}" type="pres">
-      <dgm:prSet presAssocID="{637FD057-8996-42CE-897D-92CA30DE9745}" presName="horz1" presStyleCnt="0"/>
-      <dgm:spPr/>
-    </dgm:pt>
-    <dgm:pt modelId="{CC779C7B-97D7-464E-B7B1-D3805B8F438E}" type="pres">
-      <dgm:prSet presAssocID="{637FD057-8996-42CE-897D-92CA30DE9745}" presName="tx1" presStyleLbl="revTx" presStyleIdx="0" presStyleCnt="4"/>
-      <dgm:spPr/>
-    </dgm:pt>
-    <dgm:pt modelId="{B098216A-65AE-4899-94FC-1AFF76F63718}" type="pres">
-      <dgm:prSet presAssocID="{637FD057-8996-42CE-897D-92CA30DE9745}" presName="vert1" presStyleCnt="0"/>
-      <dgm:spPr/>
-    </dgm:pt>
-    <dgm:pt modelId="{2DC7C69F-331C-41B7-9CC4-D4FD0A91C73D}" type="pres">
-      <dgm:prSet presAssocID="{6FC0B5F4-AC01-4E47-ACD2-135C0202525D}" presName="thickLine" presStyleLbl="alignNode1" presStyleIdx="1" presStyleCnt="4"/>
-      <dgm:spPr/>
-    </dgm:pt>
-    <dgm:pt modelId="{82510027-0362-4EBA-9E85-9C2CE1963D55}" type="pres">
-      <dgm:prSet presAssocID="{6FC0B5F4-AC01-4E47-ACD2-135C0202525D}" presName="horz1" presStyleCnt="0"/>
-      <dgm:spPr/>
-    </dgm:pt>
-    <dgm:pt modelId="{3EB610F2-BC12-4BE9-9221-5F60E4F0B4D3}" type="pres">
-      <dgm:prSet presAssocID="{6FC0B5F4-AC01-4E47-ACD2-135C0202525D}" presName="tx1" presStyleLbl="revTx" presStyleIdx="1" presStyleCnt="4"/>
-      <dgm:spPr/>
-    </dgm:pt>
-    <dgm:pt modelId="{1B096331-B3A8-4762-84FB-F9827871132F}" type="pres">
-      <dgm:prSet presAssocID="{6FC0B5F4-AC01-4E47-ACD2-135C0202525D}" presName="vert1" presStyleCnt="0"/>
-      <dgm:spPr/>
-    </dgm:pt>
-    <dgm:pt modelId="{60B874DF-BB26-4D8B-B97A-D0ED8FDF650D}" type="pres">
-      <dgm:prSet presAssocID="{C79CAE91-0746-46BB-B46E-F36A15D9E79E}" presName="thickLine" presStyleLbl="alignNode1" presStyleIdx="2" presStyleCnt="4"/>
-      <dgm:spPr/>
-    </dgm:pt>
-    <dgm:pt modelId="{359F3423-708A-4E9E-A011-6B847FDD5D52}" type="pres">
-      <dgm:prSet presAssocID="{C79CAE91-0746-46BB-B46E-F36A15D9E79E}" presName="horz1" presStyleCnt="0"/>
-      <dgm:spPr/>
-    </dgm:pt>
-    <dgm:pt modelId="{ACB7005D-C529-40E7-A7DB-F20DB7DD036E}" type="pres">
-      <dgm:prSet presAssocID="{C79CAE91-0746-46BB-B46E-F36A15D9E79E}" presName="tx1" presStyleLbl="revTx" presStyleIdx="2" presStyleCnt="4"/>
-      <dgm:spPr/>
-    </dgm:pt>
-    <dgm:pt modelId="{3B9B871F-16C4-44AD-A1D7-2DE6452BDA46}" type="pres">
-      <dgm:prSet presAssocID="{C79CAE91-0746-46BB-B46E-F36A15D9E79E}" presName="vert1" presStyleCnt="0"/>
-      <dgm:spPr/>
-    </dgm:pt>
-    <dgm:pt modelId="{6D002F26-053C-4E8F-B802-2C8035C46587}" type="pres">
-      <dgm:prSet presAssocID="{C4D9190C-6D53-47F5-8FA5-7821B49F6838}" presName="thickLine" presStyleLbl="alignNode1" presStyleIdx="3" presStyleCnt="4"/>
-      <dgm:spPr/>
-    </dgm:pt>
-    <dgm:pt modelId="{6DC3359D-12C8-4C20-A293-AD3231285B98}" type="pres">
-      <dgm:prSet presAssocID="{C4D9190C-6D53-47F5-8FA5-7821B49F6838}" presName="horz1" presStyleCnt="0"/>
-      <dgm:spPr/>
-    </dgm:pt>
-    <dgm:pt modelId="{C08773E8-596C-48F9-8723-6821214E6272}" type="pres">
-      <dgm:prSet presAssocID="{C4D9190C-6D53-47F5-8FA5-7821B49F6838}" presName="tx1" presStyleLbl="revTx" presStyleIdx="3" presStyleCnt="4"/>
-      <dgm:spPr/>
-    </dgm:pt>
-    <dgm:pt modelId="{F2CD8BF6-E0FF-4A31-817C-9F12C50A281C}" type="pres">
-      <dgm:prSet presAssocID="{C4D9190C-6D53-47F5-8FA5-7821B49F6838}" presName="vert1" presStyleCnt="0"/>
-      <dgm:spPr/>
-    </dgm:pt>
-  </dgm:ptLst>
-  <dgm:cxnLst>
-    <dgm:cxn modelId="{10932625-F580-4959-9508-A3FEC5AC4771}" srcId="{C93D9156-0D4A-4D19-8375-A02D1C89CC3B}" destId="{C79CAE91-0746-46BB-B46E-F36A15D9E79E}" srcOrd="2" destOrd="0" parTransId="{3232BDCF-4EC2-416C-AB9A-4166B986FE3F}" sibTransId="{71932067-F11D-4BE6-A169-59351EAF8C06}"/>
-    <dgm:cxn modelId="{FA13BB3D-D6E8-4B4C-9F06-808928F217C9}" srcId="{C93D9156-0D4A-4D19-8375-A02D1C89CC3B}" destId="{6FC0B5F4-AC01-4E47-ACD2-135C0202525D}" srcOrd="1" destOrd="0" parTransId="{1AD880A5-0D43-4751-A56A-4264892BD2B6}" sibTransId="{A0096BB0-2D7A-46D9-8E1B-512284AFA365}"/>
-    <dgm:cxn modelId="{83F94546-E398-4461-84BF-526C70C379B0}" type="presOf" srcId="{C4D9190C-6D53-47F5-8FA5-7821B49F6838}" destId="{C08773E8-596C-48F9-8723-6821214E6272}" srcOrd="0" destOrd="0" presId="urn:microsoft.com/office/officeart/2008/layout/LinedList"/>
-    <dgm:cxn modelId="{E894E082-BC03-48FA-8783-32B8B94380D1}" type="presOf" srcId="{C93D9156-0D4A-4D19-8375-A02D1C89CC3B}" destId="{3E753DB1-6A57-403B-87B4-E5263784426B}" srcOrd="0" destOrd="0" presId="urn:microsoft.com/office/officeart/2008/layout/LinedList"/>
-    <dgm:cxn modelId="{6CAD5488-FAC8-43FB-9A26-F02C0D61359B}" type="presOf" srcId="{C79CAE91-0746-46BB-B46E-F36A15D9E79E}" destId="{ACB7005D-C529-40E7-A7DB-F20DB7DD036E}" srcOrd="0" destOrd="0" presId="urn:microsoft.com/office/officeart/2008/layout/LinedList"/>
-    <dgm:cxn modelId="{A1602B9B-DF95-4D8C-B6E6-9A7F583557D5}" srcId="{C93D9156-0D4A-4D19-8375-A02D1C89CC3B}" destId="{637FD057-8996-42CE-897D-92CA30DE9745}" srcOrd="0" destOrd="0" parTransId="{56C8D1D1-0309-414E-AE5C-BAAB4DF4275C}" sibTransId="{482216EC-FC2F-4038-9681-9236B14AFE36}"/>
-    <dgm:cxn modelId="{ED4DD5C2-F2BE-46D2-9E19-EF028033AA9C}" srcId="{C93D9156-0D4A-4D19-8375-A02D1C89CC3B}" destId="{C4D9190C-6D53-47F5-8FA5-7821B49F6838}" srcOrd="3" destOrd="0" parTransId="{4973BAF7-C9AD-482B-AED0-5E4FA349C9AA}" sibTransId="{AB7B8F14-32F6-43D2-AB5E-C9FD0FF2C99F}"/>
-    <dgm:cxn modelId="{61BE9BC8-0150-48C8-A52A-48489FA98B4F}" type="presOf" srcId="{6FC0B5F4-AC01-4E47-ACD2-135C0202525D}" destId="{3EB610F2-BC12-4BE9-9221-5F60E4F0B4D3}" srcOrd="0" destOrd="0" presId="urn:microsoft.com/office/officeart/2008/layout/LinedList"/>
-    <dgm:cxn modelId="{608FE3C8-07E2-4BE2-8D9D-6F9A3C806553}" type="presOf" srcId="{637FD057-8996-42CE-897D-92CA30DE9745}" destId="{CC779C7B-97D7-464E-B7B1-D3805B8F438E}" srcOrd="0" destOrd="0" presId="urn:microsoft.com/office/officeart/2008/layout/LinedList"/>
-    <dgm:cxn modelId="{FA3EE66E-4E02-4D19-A19F-0D7D53F80E6E}" type="presParOf" srcId="{3E753DB1-6A57-403B-87B4-E5263784426B}" destId="{C8028E72-82E1-4F32-9DB0-519116EBFA03}" srcOrd="0" destOrd="0" presId="urn:microsoft.com/office/officeart/2008/layout/LinedList"/>
-    <dgm:cxn modelId="{A364CE06-CEC5-4E59-9B3B-62F6B13DC4CB}" type="presParOf" srcId="{3E753DB1-6A57-403B-87B4-E5263784426B}" destId="{C36FAF06-A43D-4333-8A57-D0B7CE0832BE}" srcOrd="1" destOrd="0" presId="urn:microsoft.com/office/officeart/2008/layout/LinedList"/>
-    <dgm:cxn modelId="{BD579155-06CA-45E1-8B6F-0BF96BC8852C}" type="presParOf" srcId="{C36FAF06-A43D-4333-8A57-D0B7CE0832BE}" destId="{CC779C7B-97D7-464E-B7B1-D3805B8F438E}" srcOrd="0" destOrd="0" presId="urn:microsoft.com/office/officeart/2008/layout/LinedList"/>
-    <dgm:cxn modelId="{98CD237C-AF03-47D3-B21C-A602CD9CA6A3}" type="presParOf" srcId="{C36FAF06-A43D-4333-8A57-D0B7CE0832BE}" destId="{B098216A-65AE-4899-94FC-1AFF76F63718}" srcOrd="1" destOrd="0" presId="urn:microsoft.com/office/officeart/2008/layout/LinedList"/>
-    <dgm:cxn modelId="{A1C08B97-03B1-4343-8B69-D6F001E67AD4}" type="presParOf" srcId="{3E753DB1-6A57-403B-87B4-E5263784426B}" destId="{2DC7C69F-331C-41B7-9CC4-D4FD0A91C73D}" srcOrd="2" destOrd="0" presId="urn:microsoft.com/office/officeart/2008/layout/LinedList"/>
-    <dgm:cxn modelId="{BE114518-C102-46A0-9B44-683D50829FBB}" type="presParOf" srcId="{3E753DB1-6A57-403B-87B4-E5263784426B}" destId="{82510027-0362-4EBA-9E85-9C2CE1963D55}" srcOrd="3" destOrd="0" presId="urn:microsoft.com/office/officeart/2008/layout/LinedList"/>
-    <dgm:cxn modelId="{ADBA13EA-CDAE-4333-B3EE-EAD5BC62D19A}" type="presParOf" srcId="{82510027-0362-4EBA-9E85-9C2CE1963D55}" destId="{3EB610F2-BC12-4BE9-9221-5F60E4F0B4D3}" srcOrd="0" destOrd="0" presId="urn:microsoft.com/office/officeart/2008/layout/LinedList"/>
-    <dgm:cxn modelId="{DFBE308D-3394-43F3-A51B-23651D550472}" type="presParOf" srcId="{82510027-0362-4EBA-9E85-9C2CE1963D55}" destId="{1B096331-B3A8-4762-84FB-F9827871132F}" srcOrd="1" destOrd="0" presId="urn:microsoft.com/office/officeart/2008/layout/LinedList"/>
-    <dgm:cxn modelId="{8291F9A3-CD3D-48FA-B7FD-6794E8D61502}" type="presParOf" srcId="{3E753DB1-6A57-403B-87B4-E5263784426B}" destId="{60B874DF-BB26-4D8B-B97A-D0ED8FDF650D}" srcOrd="4" destOrd="0" presId="urn:microsoft.com/office/officeart/2008/layout/LinedList"/>
-    <dgm:cxn modelId="{3D88842D-E568-4C99-BE0E-95CCE9A2E01B}" type="presParOf" srcId="{3E753DB1-6A57-403B-87B4-E5263784426B}" destId="{359F3423-708A-4E9E-A011-6B847FDD5D52}" srcOrd="5" destOrd="0" presId="urn:microsoft.com/office/officeart/2008/layout/LinedList"/>
-    <dgm:cxn modelId="{AC39F891-9E6D-4472-B1ED-148F0BE3FA32}" type="presParOf" srcId="{359F3423-708A-4E9E-A011-6B847FDD5D52}" destId="{ACB7005D-C529-40E7-A7DB-F20DB7DD036E}" srcOrd="0" destOrd="0" presId="urn:microsoft.com/office/officeart/2008/layout/LinedList"/>
-    <dgm:cxn modelId="{14BB628F-1BFA-4FE7-B0D9-163A27581B31}" type="presParOf" srcId="{359F3423-708A-4E9E-A011-6B847FDD5D52}" destId="{3B9B871F-16C4-44AD-A1D7-2DE6452BDA46}" srcOrd="1" destOrd="0" presId="urn:microsoft.com/office/officeart/2008/layout/LinedList"/>
-    <dgm:cxn modelId="{A2D4A6F1-451E-4EAD-B1E0-CB100459208B}" type="presParOf" srcId="{3E753DB1-6A57-403B-87B4-E5263784426B}" destId="{6D002F26-053C-4E8F-B802-2C8035C46587}" srcOrd="6" destOrd="0" presId="urn:microsoft.com/office/officeart/2008/layout/LinedList"/>
-    <dgm:cxn modelId="{425A6676-8E8A-432F-A188-211AD90C6EAE}" type="presParOf" srcId="{3E753DB1-6A57-403B-87B4-E5263784426B}" destId="{6DC3359D-12C8-4C20-A293-AD3231285B98}" srcOrd="7" destOrd="0" presId="urn:microsoft.com/office/officeart/2008/layout/LinedList"/>
-    <dgm:cxn modelId="{1771FBAA-6BEE-4E24-9FDA-D5A26D85E674}" type="presParOf" srcId="{6DC3359D-12C8-4C20-A293-AD3231285B98}" destId="{C08773E8-596C-48F9-8723-6821214E6272}" srcOrd="0" destOrd="0" presId="urn:microsoft.com/office/officeart/2008/layout/LinedList"/>
-    <dgm:cxn modelId="{6B082EDD-47F1-4F50-89C0-7AFF758281C4}" type="presParOf" srcId="{6DC3359D-12C8-4C20-A293-AD3231285B98}" destId="{F2CD8BF6-E0FF-4A31-817C-9F12C50A281C}" srcOrd="1" destOrd="0" presId="urn:microsoft.com/office/officeart/2008/layout/LinedList"/>
-  </dgm:cxnLst>
-  <dgm:bg/>
-  <dgm:whole/>
-  <dgm:extLst>
-    <a:ext uri="http://schemas.microsoft.com/office/drawing/2008/diagram">
-      <dsp:dataModelExt xmlns:dsp="http://schemas.microsoft.com/office/drawing/2008/diagram" relId="rId6" minVer="http://schemas.openxmlformats.org/drawingml/2006/diagram"/>
-    </a:ext>
-  </dgm:extLst>
-</dgm:dataModel>
-</file>
-
 <file path=ppt/diagrams/data3.xml><?xml version="1.0" encoding="utf-8"?>
 <dgm:dataModel xmlns:dgm="http://schemas.openxmlformats.org/drawingml/2006/diagram" xmlns:a="http://schemas.openxmlformats.org/drawingml/2006/main">
   <dgm:ptLst>
@@ -5282,7 +5288,7 @@
 <dgm:dataModel xmlns:dgm="http://schemas.openxmlformats.org/drawingml/2006/diagram" xmlns:a="http://schemas.openxmlformats.org/drawingml/2006/main">
   <dgm:ptLst>
     <dgm:pt modelId="{F5B51AE9-8D8B-4B7A-8AB2-65FC90C3E865}" type="doc">
-      <dgm:prSet loTypeId="urn:microsoft.com/office/officeart/2005/8/layout/vList2" loCatId="list" qsTypeId="urn:microsoft.com/office/officeart/2005/8/quickstyle/simple1" qsCatId="simple" csTypeId="urn:microsoft.com/office/officeart/2005/8/colors/colorful2" csCatId="colorful"/>
+      <dgm:prSet loTypeId="urn:microsoft.com/office/officeart/2005/8/layout/vList2" loCatId="list" qsTypeId="urn:microsoft.com/office/officeart/2005/8/quickstyle/simple1" qsCatId="simple" csTypeId="urn:microsoft.com/office/officeart/2005/8/colors/colorful2" csCatId="colorful" phldr="1"/>
       <dgm:spPr/>
       <dgm:t>
         <a:bodyPr/>
@@ -5300,8 +5306,12 @@
         <a:lstStyle/>
         <a:p>
           <a:r>
-            <a:rPr lang="en-US"/>
-            <a:t>Lift and Shift</a:t>
+            <a:rPr lang="en-US" dirty="0" err="1"/>
+            <a:t>ReHost</a:t>
+          </a:r>
+          <a:r>
+            <a:rPr lang="en-US" dirty="0"/>
+            <a:t> (Lift and Shift)</a:t>
           </a:r>
         </a:p>
       </dgm:t>
@@ -5336,8 +5346,8 @@
         <a:lstStyle/>
         <a:p>
           <a:r>
-            <a:rPr lang="en-US"/>
-            <a:t>Hybrid Migration</a:t>
+            <a:rPr lang="en-US" dirty="0"/>
+            <a:t>Refactor</a:t>
           </a:r>
         </a:p>
       </dgm:t>
@@ -5364,6 +5374,80 @@
         </a:p>
       </dgm:t>
     </dgm:pt>
+    <dgm:pt modelId="{AE70A51C-B68F-4202-95B9-8F74B104ABBA}">
+      <dgm:prSet/>
+      <dgm:spPr/>
+      <dgm:t>
+        <a:bodyPr/>
+        <a:lstStyle/>
+        <a:p>
+          <a:r>
+            <a:rPr lang="en-US" dirty="0" err="1"/>
+            <a:t>ReArchitect</a:t>
+          </a:r>
+          <a:endParaRPr lang="en-US" dirty="0"/>
+        </a:p>
+      </dgm:t>
+    </dgm:pt>
+    <dgm:pt modelId="{A99CCF23-EECF-4D76-AE9D-60FB96C95B07}" type="parTrans" cxnId="{383B4074-99C4-4780-8668-392C225D6F8C}">
+      <dgm:prSet/>
+      <dgm:spPr/>
+      <dgm:t>
+        <a:bodyPr/>
+        <a:lstStyle/>
+        <a:p>
+          <a:endParaRPr lang="en-US"/>
+        </a:p>
+      </dgm:t>
+    </dgm:pt>
+    <dgm:pt modelId="{6BE0AE79-C2E6-40AC-A348-3B8944D850AA}" type="sibTrans" cxnId="{383B4074-99C4-4780-8668-392C225D6F8C}">
+      <dgm:prSet/>
+      <dgm:spPr/>
+      <dgm:t>
+        <a:bodyPr/>
+        <a:lstStyle/>
+        <a:p>
+          <a:endParaRPr lang="en-US"/>
+        </a:p>
+      </dgm:t>
+    </dgm:pt>
+    <dgm:pt modelId="{0B306F09-8803-4298-9A0A-43F79B1CA2BE}">
+      <dgm:prSet/>
+      <dgm:spPr/>
+      <dgm:t>
+        <a:bodyPr/>
+        <a:lstStyle/>
+        <a:p>
+          <a:r>
+            <a:rPr lang="en-US"/>
+            <a:t>ReBuilt</a:t>
+          </a:r>
+          <a:endParaRPr lang="en-US" dirty="0"/>
+        </a:p>
+      </dgm:t>
+    </dgm:pt>
+    <dgm:pt modelId="{C2A92608-39B5-49E6-BE5A-88F82504E1B0}" type="parTrans" cxnId="{B9BCC98A-4F50-4BBE-822B-77356B454519}">
+      <dgm:prSet/>
+      <dgm:spPr/>
+      <dgm:t>
+        <a:bodyPr/>
+        <a:lstStyle/>
+        <a:p>
+          <a:endParaRPr lang="en-US"/>
+        </a:p>
+      </dgm:t>
+    </dgm:pt>
+    <dgm:pt modelId="{D8EA8383-D4FE-408C-910F-01C14C70BD5D}" type="sibTrans" cxnId="{B9BCC98A-4F50-4BBE-822B-77356B454519}">
+      <dgm:prSet/>
+      <dgm:spPr/>
+      <dgm:t>
+        <a:bodyPr/>
+        <a:lstStyle/>
+        <a:p>
+          <a:endParaRPr lang="en-US"/>
+        </a:p>
+      </dgm:t>
+    </dgm:pt>
     <dgm:pt modelId="{5490A57C-D6DB-4F3E-B1D3-F35FBD9BF550}" type="pres">
       <dgm:prSet presAssocID="{F5B51AE9-8D8B-4B7A-8AB2-65FC90C3E865}" presName="linear" presStyleCnt="0">
         <dgm:presLayoutVars>
@@ -5374,7 +5458,7 @@
       <dgm:spPr/>
     </dgm:pt>
     <dgm:pt modelId="{7102325C-9B78-4622-A6F0-3AF294419922}" type="pres">
-      <dgm:prSet presAssocID="{8AC5A712-816A-4CA2-8F6B-A8961D94E2CC}" presName="parentText" presStyleLbl="node1" presStyleIdx="0" presStyleCnt="2">
+      <dgm:prSet presAssocID="{8AC5A712-816A-4CA2-8F6B-A8961D94E2CC}" presName="parentText" presStyleLbl="node1" presStyleIdx="0" presStyleCnt="4">
         <dgm:presLayoutVars>
           <dgm:chMax val="0"/>
           <dgm:bulletEnabled val="1"/>
@@ -5387,7 +5471,33 @@
       <dgm:spPr/>
     </dgm:pt>
     <dgm:pt modelId="{06518990-3929-4CD2-9F52-34399C9A7011}" type="pres">
-      <dgm:prSet presAssocID="{2B017DBC-E94A-4B77-A53C-F0C65DBDBF27}" presName="parentText" presStyleLbl="node1" presStyleIdx="1" presStyleCnt="2">
+      <dgm:prSet presAssocID="{2B017DBC-E94A-4B77-A53C-F0C65DBDBF27}" presName="parentText" presStyleLbl="node1" presStyleIdx="1" presStyleCnt="4">
+        <dgm:presLayoutVars>
+          <dgm:chMax val="0"/>
+          <dgm:bulletEnabled val="1"/>
+        </dgm:presLayoutVars>
+      </dgm:prSet>
+      <dgm:spPr/>
+    </dgm:pt>
+    <dgm:pt modelId="{F5A2484F-504E-46E5-B249-36270CD1F4D6}" type="pres">
+      <dgm:prSet presAssocID="{37080885-DCFF-4F10-AB34-0EDA87687691}" presName="spacer" presStyleCnt="0"/>
+      <dgm:spPr/>
+    </dgm:pt>
+    <dgm:pt modelId="{78771ED1-7D89-445F-A182-50892D48C28B}" type="pres">
+      <dgm:prSet presAssocID="{AE70A51C-B68F-4202-95B9-8F74B104ABBA}" presName="parentText" presStyleLbl="node1" presStyleIdx="2" presStyleCnt="4">
+        <dgm:presLayoutVars>
+          <dgm:chMax val="0"/>
+          <dgm:bulletEnabled val="1"/>
+        </dgm:presLayoutVars>
+      </dgm:prSet>
+      <dgm:spPr/>
+    </dgm:pt>
+    <dgm:pt modelId="{B09BC306-F8AB-463A-8A0A-24E6FF451A12}" type="pres">
+      <dgm:prSet presAssocID="{6BE0AE79-C2E6-40AC-A348-3B8944D850AA}" presName="spacer" presStyleCnt="0"/>
+      <dgm:spPr/>
+    </dgm:pt>
+    <dgm:pt modelId="{7C2F4AE6-3D53-49B6-BB84-38C9017B2231}" type="pres">
+      <dgm:prSet presAssocID="{0B306F09-8803-4298-9A0A-43F79B1CA2BE}" presName="parentText" presStyleLbl="node1" presStyleIdx="3" presStyleCnt="4">
         <dgm:presLayoutVars>
           <dgm:chMax val="0"/>
           <dgm:bulletEnabled val="1"/>
@@ -5398,13 +5508,21 @@
   </dgm:ptLst>
   <dgm:cxnLst>
     <dgm:cxn modelId="{6EFE7007-16F4-4ECC-BDF7-5908A60784BF}" type="presOf" srcId="{F5B51AE9-8D8B-4B7A-8AB2-65FC90C3E865}" destId="{5490A57C-D6DB-4F3E-B1D3-F35FBD9BF550}" srcOrd="0" destOrd="0" presId="urn:microsoft.com/office/officeart/2005/8/layout/vList2"/>
+    <dgm:cxn modelId="{E7118130-14F2-4ABC-A175-B26494DC869B}" type="presOf" srcId="{AE70A51C-B68F-4202-95B9-8F74B104ABBA}" destId="{78771ED1-7D89-445F-A182-50892D48C28B}" srcOrd="0" destOrd="0" presId="urn:microsoft.com/office/officeart/2005/8/layout/vList2"/>
+    <dgm:cxn modelId="{383B4074-99C4-4780-8668-392C225D6F8C}" srcId="{F5B51AE9-8D8B-4B7A-8AB2-65FC90C3E865}" destId="{AE70A51C-B68F-4202-95B9-8F74B104ABBA}" srcOrd="2" destOrd="0" parTransId="{A99CCF23-EECF-4D76-AE9D-60FB96C95B07}" sibTransId="{6BE0AE79-C2E6-40AC-A348-3B8944D850AA}"/>
     <dgm:cxn modelId="{59530A57-121D-4875-9B5B-D995BF604A99}" type="presOf" srcId="{8AC5A712-816A-4CA2-8F6B-A8961D94E2CC}" destId="{7102325C-9B78-4622-A6F0-3AF294419922}" srcOrd="0" destOrd="0" presId="urn:microsoft.com/office/officeart/2005/8/layout/vList2"/>
     <dgm:cxn modelId="{92F2C386-7B33-4B4A-9A6F-FD781B382715}" type="presOf" srcId="{2B017DBC-E94A-4B77-A53C-F0C65DBDBF27}" destId="{06518990-3929-4CD2-9F52-34399C9A7011}" srcOrd="0" destOrd="0" presId="urn:microsoft.com/office/officeart/2005/8/layout/vList2"/>
+    <dgm:cxn modelId="{B9BCC98A-4F50-4BBE-822B-77356B454519}" srcId="{F5B51AE9-8D8B-4B7A-8AB2-65FC90C3E865}" destId="{0B306F09-8803-4298-9A0A-43F79B1CA2BE}" srcOrd="3" destOrd="0" parTransId="{C2A92608-39B5-49E6-BE5A-88F82504E1B0}" sibTransId="{D8EA8383-D4FE-408C-910F-01C14C70BD5D}"/>
+    <dgm:cxn modelId="{2AC892B5-A7D9-470E-A989-8FCFF4145D12}" type="presOf" srcId="{0B306F09-8803-4298-9A0A-43F79B1CA2BE}" destId="{7C2F4AE6-3D53-49B6-BB84-38C9017B2231}" srcOrd="0" destOrd="0" presId="urn:microsoft.com/office/officeart/2005/8/layout/vList2"/>
     <dgm:cxn modelId="{0B6216BB-84F3-4D91-9C18-B709420860FB}" srcId="{F5B51AE9-8D8B-4B7A-8AB2-65FC90C3E865}" destId="{8AC5A712-816A-4CA2-8F6B-A8961D94E2CC}" srcOrd="0" destOrd="0" parTransId="{E7C12476-76D5-4647-A677-0AFE4FC0EA27}" sibTransId="{A243A19B-F31D-49F0-8A0E-CB85EC64409F}"/>
     <dgm:cxn modelId="{B8533AC7-DADF-4FF3-8121-4D388E8035AF}" srcId="{F5B51AE9-8D8B-4B7A-8AB2-65FC90C3E865}" destId="{2B017DBC-E94A-4B77-A53C-F0C65DBDBF27}" srcOrd="1" destOrd="0" parTransId="{7F5551FE-77C9-41B1-B00F-7311860FA3A1}" sibTransId="{37080885-DCFF-4F10-AB34-0EDA87687691}"/>
     <dgm:cxn modelId="{798C755F-F80B-42E5-BFA1-A7650904773A}" type="presParOf" srcId="{5490A57C-D6DB-4F3E-B1D3-F35FBD9BF550}" destId="{7102325C-9B78-4622-A6F0-3AF294419922}" srcOrd="0" destOrd="0" presId="urn:microsoft.com/office/officeart/2005/8/layout/vList2"/>
     <dgm:cxn modelId="{18BEAE98-A927-4EEA-BC3C-C34E1FA2B5F8}" type="presParOf" srcId="{5490A57C-D6DB-4F3E-B1D3-F35FBD9BF550}" destId="{873691C1-5BE2-43CA-83D5-505968D6A1F2}" srcOrd="1" destOrd="0" presId="urn:microsoft.com/office/officeart/2005/8/layout/vList2"/>
     <dgm:cxn modelId="{DFAD8332-B2C4-43AF-A5B2-3817D94D7FB2}" type="presParOf" srcId="{5490A57C-D6DB-4F3E-B1D3-F35FBD9BF550}" destId="{06518990-3929-4CD2-9F52-34399C9A7011}" srcOrd="2" destOrd="0" presId="urn:microsoft.com/office/officeart/2005/8/layout/vList2"/>
+    <dgm:cxn modelId="{43923BEA-444F-4500-9FA9-92E60D4FC4F9}" type="presParOf" srcId="{5490A57C-D6DB-4F3E-B1D3-F35FBD9BF550}" destId="{F5A2484F-504E-46E5-B249-36270CD1F4D6}" srcOrd="3" destOrd="0" presId="urn:microsoft.com/office/officeart/2005/8/layout/vList2"/>
+    <dgm:cxn modelId="{CECEF32C-439E-479B-BD2C-4F064157BFF5}" type="presParOf" srcId="{5490A57C-D6DB-4F3E-B1D3-F35FBD9BF550}" destId="{78771ED1-7D89-445F-A182-50892D48C28B}" srcOrd="4" destOrd="0" presId="urn:microsoft.com/office/officeart/2005/8/layout/vList2"/>
+    <dgm:cxn modelId="{44BE934D-5DF6-45D8-9C39-8C489EBC870D}" type="presParOf" srcId="{5490A57C-D6DB-4F3E-B1D3-F35FBD9BF550}" destId="{B09BC306-F8AB-463A-8A0A-24E6FF451A12}" srcOrd="5" destOrd="0" presId="urn:microsoft.com/office/officeart/2005/8/layout/vList2"/>
+    <dgm:cxn modelId="{30CDEE71-8454-4955-8485-C99BA7C23160}" type="presParOf" srcId="{5490A57C-D6DB-4F3E-B1D3-F35FBD9BF550}" destId="{7C2F4AE6-3D53-49B6-BB84-38C9017B2231}" srcOrd="6" destOrd="0" presId="urn:microsoft.com/office/officeart/2005/8/layout/vList2"/>
   </dgm:cxnLst>
   <dgm:bg/>
   <dgm:whole/>
@@ -5768,6 +5886,458 @@
 </file>
 
 <file path=ppt/diagrams/drawing1.xml><?xml version="1.0" encoding="utf-8"?>
+<dsp:drawing xmlns:dgm="http://schemas.openxmlformats.org/drawingml/2006/diagram" xmlns:dsp="http://schemas.microsoft.com/office/drawing/2008/diagram" xmlns:a="http://schemas.openxmlformats.org/drawingml/2006/main">
+  <dsp:spTree>
+    <dsp:nvGrpSpPr>
+      <dsp:cNvPr id="0" name=""/>
+      <dsp:cNvGrpSpPr/>
+    </dsp:nvGrpSpPr>
+    <dsp:grpSpPr/>
+    <dsp:sp modelId="{C8028E72-82E1-4F32-9DB0-519116EBFA03}">
+      <dsp:nvSpPr>
+        <dsp:cNvPr id="0" name=""/>
+        <dsp:cNvSpPr/>
+      </dsp:nvSpPr>
+      <dsp:spPr>
+        <a:xfrm>
+          <a:off x="0" y="0"/>
+          <a:ext cx="6373813" cy="0"/>
+        </a:xfrm>
+        <a:prstGeom prst="line">
+          <a:avLst/>
+        </a:prstGeom>
+        <a:solidFill>
+          <a:schemeClr val="accent2">
+            <a:hueOff val="0"/>
+            <a:satOff val="0"/>
+            <a:lumOff val="0"/>
+            <a:alphaOff val="0"/>
+          </a:schemeClr>
+        </a:solidFill>
+        <a:ln w="12700" cap="flat" cmpd="sng" algn="ctr">
+          <a:solidFill>
+            <a:schemeClr val="accent2">
+              <a:hueOff val="0"/>
+              <a:satOff val="0"/>
+              <a:lumOff val="0"/>
+              <a:alphaOff val="0"/>
+            </a:schemeClr>
+          </a:solidFill>
+          <a:prstDash val="solid"/>
+          <a:miter lim="800000"/>
+        </a:ln>
+        <a:effectLst/>
+      </dsp:spPr>
+      <dsp:style>
+        <a:lnRef idx="2">
+          <a:scrgbClr r="0" g="0" b="0"/>
+        </a:lnRef>
+        <a:fillRef idx="1">
+          <a:scrgbClr r="0" g="0" b="0"/>
+        </a:fillRef>
+        <a:effectRef idx="0">
+          <a:scrgbClr r="0" g="0" b="0"/>
+        </a:effectRef>
+        <a:fontRef idx="minor">
+          <a:schemeClr val="lt1"/>
+        </a:fontRef>
+      </dsp:style>
+    </dsp:sp>
+    <dsp:sp modelId="{CC779C7B-97D7-464E-B7B1-D3805B8F438E}">
+      <dsp:nvSpPr>
+        <dsp:cNvPr id="0" name=""/>
+        <dsp:cNvSpPr/>
+      </dsp:nvSpPr>
+      <dsp:spPr>
+        <a:xfrm>
+          <a:off x="0" y="0"/>
+          <a:ext cx="6373813" cy="1439862"/>
+        </a:xfrm>
+        <a:prstGeom prst="rect">
+          <a:avLst/>
+        </a:prstGeom>
+        <a:noFill/>
+        <a:ln>
+          <a:noFill/>
+        </a:ln>
+        <a:effectLst/>
+      </dsp:spPr>
+      <dsp:style>
+        <a:lnRef idx="0">
+          <a:scrgbClr r="0" g="0" b="0"/>
+        </a:lnRef>
+        <a:fillRef idx="0">
+          <a:scrgbClr r="0" g="0" b="0"/>
+        </a:fillRef>
+        <a:effectRef idx="0">
+          <a:scrgbClr r="0" g="0" b="0"/>
+        </a:effectRef>
+        <a:fontRef idx="minor"/>
+      </dsp:style>
+      <dsp:txBody>
+        <a:bodyPr spcFirstLastPara="0" vert="horz" wrap="square" lIns="148590" tIns="148590" rIns="148590" bIns="148590" numCol="1" spcCol="1270" anchor="t" anchorCtr="0">
+          <a:noAutofit/>
+        </a:bodyPr>
+        <a:lstStyle/>
+        <a:p>
+          <a:pPr marL="0" lvl="0" indent="0" algn="l" defTabSz="1733550">
+            <a:lnSpc>
+              <a:spcPct val="90000"/>
+            </a:lnSpc>
+            <a:spcBef>
+              <a:spcPct val="0"/>
+            </a:spcBef>
+            <a:spcAft>
+              <a:spcPct val="35000"/>
+            </a:spcAft>
+            <a:buNone/>
+          </a:pPr>
+          <a:r>
+            <a:rPr lang="en-US" sz="3900" kern="1200" dirty="0"/>
+            <a:t>Poor Page loads</a:t>
+          </a:r>
+        </a:p>
+      </dsp:txBody>
+      <dsp:txXfrm>
+        <a:off x="0" y="0"/>
+        <a:ext cx="6373813" cy="1439862"/>
+      </dsp:txXfrm>
+    </dsp:sp>
+    <dsp:sp modelId="{2DC7C69F-331C-41B7-9CC4-D4FD0A91C73D}">
+      <dsp:nvSpPr>
+        <dsp:cNvPr id="0" name=""/>
+        <dsp:cNvSpPr/>
+      </dsp:nvSpPr>
+      <dsp:spPr>
+        <a:xfrm>
+          <a:off x="0" y="1439862"/>
+          <a:ext cx="6373813" cy="0"/>
+        </a:xfrm>
+        <a:prstGeom prst="line">
+          <a:avLst/>
+        </a:prstGeom>
+        <a:solidFill>
+          <a:schemeClr val="accent2">
+            <a:hueOff val="-500722"/>
+            <a:satOff val="-3252"/>
+            <a:lumOff val="-719"/>
+            <a:alphaOff val="0"/>
+          </a:schemeClr>
+        </a:solidFill>
+        <a:ln w="12700" cap="flat" cmpd="sng" algn="ctr">
+          <a:solidFill>
+            <a:schemeClr val="accent2">
+              <a:hueOff val="-500722"/>
+              <a:satOff val="-3252"/>
+              <a:lumOff val="-719"/>
+              <a:alphaOff val="0"/>
+            </a:schemeClr>
+          </a:solidFill>
+          <a:prstDash val="solid"/>
+          <a:miter lim="800000"/>
+        </a:ln>
+        <a:effectLst/>
+      </dsp:spPr>
+      <dsp:style>
+        <a:lnRef idx="2">
+          <a:scrgbClr r="0" g="0" b="0"/>
+        </a:lnRef>
+        <a:fillRef idx="1">
+          <a:scrgbClr r="0" g="0" b="0"/>
+        </a:fillRef>
+        <a:effectRef idx="0">
+          <a:scrgbClr r="0" g="0" b="0"/>
+        </a:effectRef>
+        <a:fontRef idx="minor">
+          <a:schemeClr val="lt1"/>
+        </a:fontRef>
+      </dsp:style>
+    </dsp:sp>
+    <dsp:sp modelId="{3EB610F2-BC12-4BE9-9221-5F60E4F0B4D3}">
+      <dsp:nvSpPr>
+        <dsp:cNvPr id="0" name=""/>
+        <dsp:cNvSpPr/>
+      </dsp:nvSpPr>
+      <dsp:spPr>
+        <a:xfrm>
+          <a:off x="0" y="1439862"/>
+          <a:ext cx="6373813" cy="1439862"/>
+        </a:xfrm>
+        <a:prstGeom prst="rect">
+          <a:avLst/>
+        </a:prstGeom>
+        <a:noFill/>
+        <a:ln>
+          <a:noFill/>
+        </a:ln>
+        <a:effectLst/>
+      </dsp:spPr>
+      <dsp:style>
+        <a:lnRef idx="0">
+          <a:scrgbClr r="0" g="0" b="0"/>
+        </a:lnRef>
+        <a:fillRef idx="0">
+          <a:scrgbClr r="0" g="0" b="0"/>
+        </a:fillRef>
+        <a:effectRef idx="0">
+          <a:scrgbClr r="0" g="0" b="0"/>
+        </a:effectRef>
+        <a:fontRef idx="minor"/>
+      </dsp:style>
+      <dsp:txBody>
+        <a:bodyPr spcFirstLastPara="0" vert="horz" wrap="square" lIns="148590" tIns="148590" rIns="148590" bIns="148590" numCol="1" spcCol="1270" anchor="t" anchorCtr="0">
+          <a:noAutofit/>
+        </a:bodyPr>
+        <a:lstStyle/>
+        <a:p>
+          <a:pPr marL="0" lvl="0" indent="0" algn="l" defTabSz="1733550">
+            <a:lnSpc>
+              <a:spcPct val="90000"/>
+            </a:lnSpc>
+            <a:spcBef>
+              <a:spcPct val="0"/>
+            </a:spcBef>
+            <a:spcAft>
+              <a:spcPct val="35000"/>
+            </a:spcAft>
+            <a:buNone/>
+          </a:pPr>
+          <a:r>
+            <a:rPr lang="en-US" sz="3900" kern="1200"/>
+            <a:t>Increased Operational cost with the same customer base</a:t>
+          </a:r>
+        </a:p>
+      </dsp:txBody>
+      <dsp:txXfrm>
+        <a:off x="0" y="1439862"/>
+        <a:ext cx="6373813" cy="1439862"/>
+      </dsp:txXfrm>
+    </dsp:sp>
+    <dsp:sp modelId="{60B874DF-BB26-4D8B-B97A-D0ED8FDF650D}">
+      <dsp:nvSpPr>
+        <dsp:cNvPr id="0" name=""/>
+        <dsp:cNvSpPr/>
+      </dsp:nvSpPr>
+      <dsp:spPr>
+        <a:xfrm>
+          <a:off x="0" y="2879725"/>
+          <a:ext cx="6373813" cy="0"/>
+        </a:xfrm>
+        <a:prstGeom prst="line">
+          <a:avLst/>
+        </a:prstGeom>
+        <a:solidFill>
+          <a:schemeClr val="accent2">
+            <a:hueOff val="-1001445"/>
+            <a:satOff val="-6505"/>
+            <a:lumOff val="-1437"/>
+            <a:alphaOff val="0"/>
+          </a:schemeClr>
+        </a:solidFill>
+        <a:ln w="12700" cap="flat" cmpd="sng" algn="ctr">
+          <a:solidFill>
+            <a:schemeClr val="accent2">
+              <a:hueOff val="-1001445"/>
+              <a:satOff val="-6505"/>
+              <a:lumOff val="-1437"/>
+              <a:alphaOff val="0"/>
+            </a:schemeClr>
+          </a:solidFill>
+          <a:prstDash val="solid"/>
+          <a:miter lim="800000"/>
+        </a:ln>
+        <a:effectLst/>
+      </dsp:spPr>
+      <dsp:style>
+        <a:lnRef idx="2">
+          <a:scrgbClr r="0" g="0" b="0"/>
+        </a:lnRef>
+        <a:fillRef idx="1">
+          <a:scrgbClr r="0" g="0" b="0"/>
+        </a:fillRef>
+        <a:effectRef idx="0">
+          <a:scrgbClr r="0" g="0" b="0"/>
+        </a:effectRef>
+        <a:fontRef idx="minor">
+          <a:schemeClr val="lt1"/>
+        </a:fontRef>
+      </dsp:style>
+    </dsp:sp>
+    <dsp:sp modelId="{ACB7005D-C529-40E7-A7DB-F20DB7DD036E}">
+      <dsp:nvSpPr>
+        <dsp:cNvPr id="0" name=""/>
+        <dsp:cNvSpPr/>
+      </dsp:nvSpPr>
+      <dsp:spPr>
+        <a:xfrm>
+          <a:off x="0" y="2879724"/>
+          <a:ext cx="6373813" cy="1439862"/>
+        </a:xfrm>
+        <a:prstGeom prst="rect">
+          <a:avLst/>
+        </a:prstGeom>
+        <a:noFill/>
+        <a:ln>
+          <a:noFill/>
+        </a:ln>
+        <a:effectLst/>
+      </dsp:spPr>
+      <dsp:style>
+        <a:lnRef idx="0">
+          <a:scrgbClr r="0" g="0" b="0"/>
+        </a:lnRef>
+        <a:fillRef idx="0">
+          <a:scrgbClr r="0" g="0" b="0"/>
+        </a:fillRef>
+        <a:effectRef idx="0">
+          <a:scrgbClr r="0" g="0" b="0"/>
+        </a:effectRef>
+        <a:fontRef idx="minor"/>
+      </dsp:style>
+      <dsp:txBody>
+        <a:bodyPr spcFirstLastPara="0" vert="horz" wrap="square" lIns="148590" tIns="148590" rIns="148590" bIns="148590" numCol="1" spcCol="1270" anchor="t" anchorCtr="0">
+          <a:noAutofit/>
+        </a:bodyPr>
+        <a:lstStyle/>
+        <a:p>
+          <a:pPr marL="0" lvl="0" indent="0" algn="l" defTabSz="1733550">
+            <a:lnSpc>
+              <a:spcPct val="90000"/>
+            </a:lnSpc>
+            <a:spcBef>
+              <a:spcPct val="0"/>
+            </a:spcBef>
+            <a:spcAft>
+              <a:spcPct val="35000"/>
+            </a:spcAft>
+            <a:buNone/>
+          </a:pPr>
+          <a:r>
+            <a:rPr lang="en-US" sz="3900" kern="1200" dirty="0"/>
+            <a:t>Time to Market</a:t>
+          </a:r>
+        </a:p>
+      </dsp:txBody>
+      <dsp:txXfrm>
+        <a:off x="0" y="2879724"/>
+        <a:ext cx="6373813" cy="1439862"/>
+      </dsp:txXfrm>
+    </dsp:sp>
+    <dsp:sp modelId="{6D002F26-053C-4E8F-B802-2C8035C46587}">
+      <dsp:nvSpPr>
+        <dsp:cNvPr id="0" name=""/>
+        <dsp:cNvSpPr/>
+      </dsp:nvSpPr>
+      <dsp:spPr>
+        <a:xfrm>
+          <a:off x="0" y="4319587"/>
+          <a:ext cx="6373813" cy="0"/>
+        </a:xfrm>
+        <a:prstGeom prst="line">
+          <a:avLst/>
+        </a:prstGeom>
+        <a:solidFill>
+          <a:schemeClr val="accent2">
+            <a:hueOff val="-1502167"/>
+            <a:satOff val="-9757"/>
+            <a:lumOff val="-2156"/>
+            <a:alphaOff val="0"/>
+          </a:schemeClr>
+        </a:solidFill>
+        <a:ln w="12700" cap="flat" cmpd="sng" algn="ctr">
+          <a:solidFill>
+            <a:schemeClr val="accent2">
+              <a:hueOff val="-1502167"/>
+              <a:satOff val="-9757"/>
+              <a:lumOff val="-2156"/>
+              <a:alphaOff val="0"/>
+            </a:schemeClr>
+          </a:solidFill>
+          <a:prstDash val="solid"/>
+          <a:miter lim="800000"/>
+        </a:ln>
+        <a:effectLst/>
+      </dsp:spPr>
+      <dsp:style>
+        <a:lnRef idx="2">
+          <a:scrgbClr r="0" g="0" b="0"/>
+        </a:lnRef>
+        <a:fillRef idx="1">
+          <a:scrgbClr r="0" g="0" b="0"/>
+        </a:fillRef>
+        <a:effectRef idx="0">
+          <a:scrgbClr r="0" g="0" b="0"/>
+        </a:effectRef>
+        <a:fontRef idx="minor">
+          <a:schemeClr val="lt1"/>
+        </a:fontRef>
+      </dsp:style>
+    </dsp:sp>
+    <dsp:sp modelId="{C08773E8-596C-48F9-8723-6821214E6272}">
+      <dsp:nvSpPr>
+        <dsp:cNvPr id="0" name=""/>
+        <dsp:cNvSpPr/>
+      </dsp:nvSpPr>
+      <dsp:spPr>
+        <a:xfrm>
+          <a:off x="0" y="4319587"/>
+          <a:ext cx="6373813" cy="1439862"/>
+        </a:xfrm>
+        <a:prstGeom prst="rect">
+          <a:avLst/>
+        </a:prstGeom>
+        <a:noFill/>
+        <a:ln>
+          <a:noFill/>
+        </a:ln>
+        <a:effectLst/>
+      </dsp:spPr>
+      <dsp:style>
+        <a:lnRef idx="0">
+          <a:scrgbClr r="0" g="0" b="0"/>
+        </a:lnRef>
+        <a:fillRef idx="0">
+          <a:scrgbClr r="0" g="0" b="0"/>
+        </a:fillRef>
+        <a:effectRef idx="0">
+          <a:scrgbClr r="0" g="0" b="0"/>
+        </a:effectRef>
+        <a:fontRef idx="minor"/>
+      </dsp:style>
+      <dsp:txBody>
+        <a:bodyPr spcFirstLastPara="0" vert="horz" wrap="square" lIns="148590" tIns="148590" rIns="148590" bIns="148590" numCol="1" spcCol="1270" anchor="t" anchorCtr="0">
+          <a:noAutofit/>
+        </a:bodyPr>
+        <a:lstStyle/>
+        <a:p>
+          <a:pPr marL="0" lvl="0" indent="0" algn="l" defTabSz="1733550">
+            <a:lnSpc>
+              <a:spcPct val="90000"/>
+            </a:lnSpc>
+            <a:spcBef>
+              <a:spcPct val="0"/>
+            </a:spcBef>
+            <a:spcAft>
+              <a:spcPct val="35000"/>
+            </a:spcAft>
+            <a:buNone/>
+          </a:pPr>
+          <a:r>
+            <a:rPr lang="en-US" sz="3900" kern="1200"/>
+            <a:t>Manual to deploy and provisioning the infra</a:t>
+          </a:r>
+        </a:p>
+      </dsp:txBody>
+      <dsp:txXfrm>
+        <a:off x="0" y="4319587"/>
+        <a:ext cx="6373813" cy="1439862"/>
+      </dsp:txXfrm>
+    </dsp:sp>
+  </dsp:spTree>
+</dsp:drawing>
+</file>
+
+<file path=ppt/diagrams/drawing2.xml><?xml version="1.0" encoding="utf-8"?>
 <dsp:drawing xmlns:dgm="http://schemas.openxmlformats.org/drawingml/2006/diagram" xmlns:dsp="http://schemas.microsoft.com/office/drawing/2008/diagram" xmlns:a="http://schemas.openxmlformats.org/drawingml/2006/main">
   <dsp:spTree>
     <dsp:nvGrpSpPr>
@@ -6539,458 +7109,6 @@
 </dsp:drawing>
 </file>
 
-<file path=ppt/diagrams/drawing2.xml><?xml version="1.0" encoding="utf-8"?>
-<dsp:drawing xmlns:dgm="http://schemas.openxmlformats.org/drawingml/2006/diagram" xmlns:dsp="http://schemas.microsoft.com/office/drawing/2008/diagram" xmlns:a="http://schemas.openxmlformats.org/drawingml/2006/main">
-  <dsp:spTree>
-    <dsp:nvGrpSpPr>
-      <dsp:cNvPr id="0" name=""/>
-      <dsp:cNvGrpSpPr/>
-    </dsp:nvGrpSpPr>
-    <dsp:grpSpPr/>
-    <dsp:sp modelId="{C8028E72-82E1-4F32-9DB0-519116EBFA03}">
-      <dsp:nvSpPr>
-        <dsp:cNvPr id="0" name=""/>
-        <dsp:cNvSpPr/>
-      </dsp:nvSpPr>
-      <dsp:spPr>
-        <a:xfrm>
-          <a:off x="0" y="0"/>
-          <a:ext cx="6373813" cy="0"/>
-        </a:xfrm>
-        <a:prstGeom prst="line">
-          <a:avLst/>
-        </a:prstGeom>
-        <a:solidFill>
-          <a:schemeClr val="accent2">
-            <a:hueOff val="0"/>
-            <a:satOff val="0"/>
-            <a:lumOff val="0"/>
-            <a:alphaOff val="0"/>
-          </a:schemeClr>
-        </a:solidFill>
-        <a:ln w="12700" cap="flat" cmpd="sng" algn="ctr">
-          <a:solidFill>
-            <a:schemeClr val="accent2">
-              <a:hueOff val="0"/>
-              <a:satOff val="0"/>
-              <a:lumOff val="0"/>
-              <a:alphaOff val="0"/>
-            </a:schemeClr>
-          </a:solidFill>
-          <a:prstDash val="solid"/>
-          <a:miter lim="800000"/>
-        </a:ln>
-        <a:effectLst/>
-      </dsp:spPr>
-      <dsp:style>
-        <a:lnRef idx="2">
-          <a:scrgbClr r="0" g="0" b="0"/>
-        </a:lnRef>
-        <a:fillRef idx="1">
-          <a:scrgbClr r="0" g="0" b="0"/>
-        </a:fillRef>
-        <a:effectRef idx="0">
-          <a:scrgbClr r="0" g="0" b="0"/>
-        </a:effectRef>
-        <a:fontRef idx="minor">
-          <a:schemeClr val="lt1"/>
-        </a:fontRef>
-      </dsp:style>
-    </dsp:sp>
-    <dsp:sp modelId="{CC779C7B-97D7-464E-B7B1-D3805B8F438E}">
-      <dsp:nvSpPr>
-        <dsp:cNvPr id="0" name=""/>
-        <dsp:cNvSpPr/>
-      </dsp:nvSpPr>
-      <dsp:spPr>
-        <a:xfrm>
-          <a:off x="0" y="0"/>
-          <a:ext cx="6373813" cy="1439862"/>
-        </a:xfrm>
-        <a:prstGeom prst="rect">
-          <a:avLst/>
-        </a:prstGeom>
-        <a:noFill/>
-        <a:ln>
-          <a:noFill/>
-        </a:ln>
-        <a:effectLst/>
-      </dsp:spPr>
-      <dsp:style>
-        <a:lnRef idx="0">
-          <a:scrgbClr r="0" g="0" b="0"/>
-        </a:lnRef>
-        <a:fillRef idx="0">
-          <a:scrgbClr r="0" g="0" b="0"/>
-        </a:fillRef>
-        <a:effectRef idx="0">
-          <a:scrgbClr r="0" g="0" b="0"/>
-        </a:effectRef>
-        <a:fontRef idx="minor"/>
-      </dsp:style>
-      <dsp:txBody>
-        <a:bodyPr spcFirstLastPara="0" vert="horz" wrap="square" lIns="148590" tIns="148590" rIns="148590" bIns="148590" numCol="1" spcCol="1270" anchor="t" anchorCtr="0">
-          <a:noAutofit/>
-        </a:bodyPr>
-        <a:lstStyle/>
-        <a:p>
-          <a:pPr marL="0" lvl="0" indent="0" algn="l" defTabSz="1733550">
-            <a:lnSpc>
-              <a:spcPct val="90000"/>
-            </a:lnSpc>
-            <a:spcBef>
-              <a:spcPct val="0"/>
-            </a:spcBef>
-            <a:spcAft>
-              <a:spcPct val="35000"/>
-            </a:spcAft>
-            <a:buNone/>
-          </a:pPr>
-          <a:r>
-            <a:rPr lang="en-US" sz="3900" kern="1200" dirty="0"/>
-            <a:t>Poor Page loads</a:t>
-          </a:r>
-        </a:p>
-      </dsp:txBody>
-      <dsp:txXfrm>
-        <a:off x="0" y="0"/>
-        <a:ext cx="6373813" cy="1439862"/>
-      </dsp:txXfrm>
-    </dsp:sp>
-    <dsp:sp modelId="{2DC7C69F-331C-41B7-9CC4-D4FD0A91C73D}">
-      <dsp:nvSpPr>
-        <dsp:cNvPr id="0" name=""/>
-        <dsp:cNvSpPr/>
-      </dsp:nvSpPr>
-      <dsp:spPr>
-        <a:xfrm>
-          <a:off x="0" y="1439862"/>
-          <a:ext cx="6373813" cy="0"/>
-        </a:xfrm>
-        <a:prstGeom prst="line">
-          <a:avLst/>
-        </a:prstGeom>
-        <a:solidFill>
-          <a:schemeClr val="accent2">
-            <a:hueOff val="-500722"/>
-            <a:satOff val="-3252"/>
-            <a:lumOff val="-719"/>
-            <a:alphaOff val="0"/>
-          </a:schemeClr>
-        </a:solidFill>
-        <a:ln w="12700" cap="flat" cmpd="sng" algn="ctr">
-          <a:solidFill>
-            <a:schemeClr val="accent2">
-              <a:hueOff val="-500722"/>
-              <a:satOff val="-3252"/>
-              <a:lumOff val="-719"/>
-              <a:alphaOff val="0"/>
-            </a:schemeClr>
-          </a:solidFill>
-          <a:prstDash val="solid"/>
-          <a:miter lim="800000"/>
-        </a:ln>
-        <a:effectLst/>
-      </dsp:spPr>
-      <dsp:style>
-        <a:lnRef idx="2">
-          <a:scrgbClr r="0" g="0" b="0"/>
-        </a:lnRef>
-        <a:fillRef idx="1">
-          <a:scrgbClr r="0" g="0" b="0"/>
-        </a:fillRef>
-        <a:effectRef idx="0">
-          <a:scrgbClr r="0" g="0" b="0"/>
-        </a:effectRef>
-        <a:fontRef idx="minor">
-          <a:schemeClr val="lt1"/>
-        </a:fontRef>
-      </dsp:style>
-    </dsp:sp>
-    <dsp:sp modelId="{3EB610F2-BC12-4BE9-9221-5F60E4F0B4D3}">
-      <dsp:nvSpPr>
-        <dsp:cNvPr id="0" name=""/>
-        <dsp:cNvSpPr/>
-      </dsp:nvSpPr>
-      <dsp:spPr>
-        <a:xfrm>
-          <a:off x="0" y="1439862"/>
-          <a:ext cx="6373813" cy="1439862"/>
-        </a:xfrm>
-        <a:prstGeom prst="rect">
-          <a:avLst/>
-        </a:prstGeom>
-        <a:noFill/>
-        <a:ln>
-          <a:noFill/>
-        </a:ln>
-        <a:effectLst/>
-      </dsp:spPr>
-      <dsp:style>
-        <a:lnRef idx="0">
-          <a:scrgbClr r="0" g="0" b="0"/>
-        </a:lnRef>
-        <a:fillRef idx="0">
-          <a:scrgbClr r="0" g="0" b="0"/>
-        </a:fillRef>
-        <a:effectRef idx="0">
-          <a:scrgbClr r="0" g="0" b="0"/>
-        </a:effectRef>
-        <a:fontRef idx="minor"/>
-      </dsp:style>
-      <dsp:txBody>
-        <a:bodyPr spcFirstLastPara="0" vert="horz" wrap="square" lIns="148590" tIns="148590" rIns="148590" bIns="148590" numCol="1" spcCol="1270" anchor="t" anchorCtr="0">
-          <a:noAutofit/>
-        </a:bodyPr>
-        <a:lstStyle/>
-        <a:p>
-          <a:pPr marL="0" lvl="0" indent="0" algn="l" defTabSz="1733550">
-            <a:lnSpc>
-              <a:spcPct val="90000"/>
-            </a:lnSpc>
-            <a:spcBef>
-              <a:spcPct val="0"/>
-            </a:spcBef>
-            <a:spcAft>
-              <a:spcPct val="35000"/>
-            </a:spcAft>
-            <a:buNone/>
-          </a:pPr>
-          <a:r>
-            <a:rPr lang="en-US" sz="3900" kern="1200"/>
-            <a:t>Increased Operational cost with the same customer base</a:t>
-          </a:r>
-        </a:p>
-      </dsp:txBody>
-      <dsp:txXfrm>
-        <a:off x="0" y="1439862"/>
-        <a:ext cx="6373813" cy="1439862"/>
-      </dsp:txXfrm>
-    </dsp:sp>
-    <dsp:sp modelId="{60B874DF-BB26-4D8B-B97A-D0ED8FDF650D}">
-      <dsp:nvSpPr>
-        <dsp:cNvPr id="0" name=""/>
-        <dsp:cNvSpPr/>
-      </dsp:nvSpPr>
-      <dsp:spPr>
-        <a:xfrm>
-          <a:off x="0" y="2879725"/>
-          <a:ext cx="6373813" cy="0"/>
-        </a:xfrm>
-        <a:prstGeom prst="line">
-          <a:avLst/>
-        </a:prstGeom>
-        <a:solidFill>
-          <a:schemeClr val="accent2">
-            <a:hueOff val="-1001445"/>
-            <a:satOff val="-6505"/>
-            <a:lumOff val="-1437"/>
-            <a:alphaOff val="0"/>
-          </a:schemeClr>
-        </a:solidFill>
-        <a:ln w="12700" cap="flat" cmpd="sng" algn="ctr">
-          <a:solidFill>
-            <a:schemeClr val="accent2">
-              <a:hueOff val="-1001445"/>
-              <a:satOff val="-6505"/>
-              <a:lumOff val="-1437"/>
-              <a:alphaOff val="0"/>
-            </a:schemeClr>
-          </a:solidFill>
-          <a:prstDash val="solid"/>
-          <a:miter lim="800000"/>
-        </a:ln>
-        <a:effectLst/>
-      </dsp:spPr>
-      <dsp:style>
-        <a:lnRef idx="2">
-          <a:scrgbClr r="0" g="0" b="0"/>
-        </a:lnRef>
-        <a:fillRef idx="1">
-          <a:scrgbClr r="0" g="0" b="0"/>
-        </a:fillRef>
-        <a:effectRef idx="0">
-          <a:scrgbClr r="0" g="0" b="0"/>
-        </a:effectRef>
-        <a:fontRef idx="minor">
-          <a:schemeClr val="lt1"/>
-        </a:fontRef>
-      </dsp:style>
-    </dsp:sp>
-    <dsp:sp modelId="{ACB7005D-C529-40E7-A7DB-F20DB7DD036E}">
-      <dsp:nvSpPr>
-        <dsp:cNvPr id="0" name=""/>
-        <dsp:cNvSpPr/>
-      </dsp:nvSpPr>
-      <dsp:spPr>
-        <a:xfrm>
-          <a:off x="0" y="2879724"/>
-          <a:ext cx="6373813" cy="1439862"/>
-        </a:xfrm>
-        <a:prstGeom prst="rect">
-          <a:avLst/>
-        </a:prstGeom>
-        <a:noFill/>
-        <a:ln>
-          <a:noFill/>
-        </a:ln>
-        <a:effectLst/>
-      </dsp:spPr>
-      <dsp:style>
-        <a:lnRef idx="0">
-          <a:scrgbClr r="0" g="0" b="0"/>
-        </a:lnRef>
-        <a:fillRef idx="0">
-          <a:scrgbClr r="0" g="0" b="0"/>
-        </a:fillRef>
-        <a:effectRef idx="0">
-          <a:scrgbClr r="0" g="0" b="0"/>
-        </a:effectRef>
-        <a:fontRef idx="minor"/>
-      </dsp:style>
-      <dsp:txBody>
-        <a:bodyPr spcFirstLastPara="0" vert="horz" wrap="square" lIns="148590" tIns="148590" rIns="148590" bIns="148590" numCol="1" spcCol="1270" anchor="t" anchorCtr="0">
-          <a:noAutofit/>
-        </a:bodyPr>
-        <a:lstStyle/>
-        <a:p>
-          <a:pPr marL="0" lvl="0" indent="0" algn="l" defTabSz="1733550">
-            <a:lnSpc>
-              <a:spcPct val="90000"/>
-            </a:lnSpc>
-            <a:spcBef>
-              <a:spcPct val="0"/>
-            </a:spcBef>
-            <a:spcAft>
-              <a:spcPct val="35000"/>
-            </a:spcAft>
-            <a:buNone/>
-          </a:pPr>
-          <a:r>
-            <a:rPr lang="en-US" sz="3900" kern="1200" dirty="0"/>
-            <a:t>Time to Market</a:t>
-          </a:r>
-        </a:p>
-      </dsp:txBody>
-      <dsp:txXfrm>
-        <a:off x="0" y="2879724"/>
-        <a:ext cx="6373813" cy="1439862"/>
-      </dsp:txXfrm>
-    </dsp:sp>
-    <dsp:sp modelId="{6D002F26-053C-4E8F-B802-2C8035C46587}">
-      <dsp:nvSpPr>
-        <dsp:cNvPr id="0" name=""/>
-        <dsp:cNvSpPr/>
-      </dsp:nvSpPr>
-      <dsp:spPr>
-        <a:xfrm>
-          <a:off x="0" y="4319587"/>
-          <a:ext cx="6373813" cy="0"/>
-        </a:xfrm>
-        <a:prstGeom prst="line">
-          <a:avLst/>
-        </a:prstGeom>
-        <a:solidFill>
-          <a:schemeClr val="accent2">
-            <a:hueOff val="-1502167"/>
-            <a:satOff val="-9757"/>
-            <a:lumOff val="-2156"/>
-            <a:alphaOff val="0"/>
-          </a:schemeClr>
-        </a:solidFill>
-        <a:ln w="12700" cap="flat" cmpd="sng" algn="ctr">
-          <a:solidFill>
-            <a:schemeClr val="accent2">
-              <a:hueOff val="-1502167"/>
-              <a:satOff val="-9757"/>
-              <a:lumOff val="-2156"/>
-              <a:alphaOff val="0"/>
-            </a:schemeClr>
-          </a:solidFill>
-          <a:prstDash val="solid"/>
-          <a:miter lim="800000"/>
-        </a:ln>
-        <a:effectLst/>
-      </dsp:spPr>
-      <dsp:style>
-        <a:lnRef idx="2">
-          <a:scrgbClr r="0" g="0" b="0"/>
-        </a:lnRef>
-        <a:fillRef idx="1">
-          <a:scrgbClr r="0" g="0" b="0"/>
-        </a:fillRef>
-        <a:effectRef idx="0">
-          <a:scrgbClr r="0" g="0" b="0"/>
-        </a:effectRef>
-        <a:fontRef idx="minor">
-          <a:schemeClr val="lt1"/>
-        </a:fontRef>
-      </dsp:style>
-    </dsp:sp>
-    <dsp:sp modelId="{C08773E8-596C-48F9-8723-6821214E6272}">
-      <dsp:nvSpPr>
-        <dsp:cNvPr id="0" name=""/>
-        <dsp:cNvSpPr/>
-      </dsp:nvSpPr>
-      <dsp:spPr>
-        <a:xfrm>
-          <a:off x="0" y="4319587"/>
-          <a:ext cx="6373813" cy="1439862"/>
-        </a:xfrm>
-        <a:prstGeom prst="rect">
-          <a:avLst/>
-        </a:prstGeom>
-        <a:noFill/>
-        <a:ln>
-          <a:noFill/>
-        </a:ln>
-        <a:effectLst/>
-      </dsp:spPr>
-      <dsp:style>
-        <a:lnRef idx="0">
-          <a:scrgbClr r="0" g="0" b="0"/>
-        </a:lnRef>
-        <a:fillRef idx="0">
-          <a:scrgbClr r="0" g="0" b="0"/>
-        </a:fillRef>
-        <a:effectRef idx="0">
-          <a:scrgbClr r="0" g="0" b="0"/>
-        </a:effectRef>
-        <a:fontRef idx="minor"/>
-      </dsp:style>
-      <dsp:txBody>
-        <a:bodyPr spcFirstLastPara="0" vert="horz" wrap="square" lIns="148590" tIns="148590" rIns="148590" bIns="148590" numCol="1" spcCol="1270" anchor="t" anchorCtr="0">
-          <a:noAutofit/>
-        </a:bodyPr>
-        <a:lstStyle/>
-        <a:p>
-          <a:pPr marL="0" lvl="0" indent="0" algn="l" defTabSz="1733550">
-            <a:lnSpc>
-              <a:spcPct val="90000"/>
-            </a:lnSpc>
-            <a:spcBef>
-              <a:spcPct val="0"/>
-            </a:spcBef>
-            <a:spcAft>
-              <a:spcPct val="35000"/>
-            </a:spcAft>
-            <a:buNone/>
-          </a:pPr>
-          <a:r>
-            <a:rPr lang="en-US" sz="3900" kern="1200"/>
-            <a:t>Manual to deploy and provisioning the infra</a:t>
-          </a:r>
-        </a:p>
-      </dsp:txBody>
-      <dsp:txXfrm>
-        <a:off x="0" y="4319587"/>
-        <a:ext cx="6373813" cy="1439862"/>
-      </dsp:txXfrm>
-    </dsp:sp>
-  </dsp:spTree>
-</dsp:drawing>
-</file>
-
 <file path=ppt/diagrams/drawing3.xml><?xml version="1.0" encoding="utf-8"?>
 <dsp:drawing xmlns:dgm="http://schemas.openxmlformats.org/drawingml/2006/diagram" xmlns:dsp="http://schemas.microsoft.com/office/drawing/2008/diagram" xmlns:a="http://schemas.openxmlformats.org/drawingml/2006/main">
   <dsp:spTree>
@@ -7568,8 +7686,8 @@
       </dsp:nvSpPr>
       <dsp:spPr>
         <a:xfrm>
-          <a:off x="0" y="141010"/>
-          <a:ext cx="6373813" cy="2645114"/>
+          <a:off x="0" y="206724"/>
+          <a:ext cx="6373813" cy="1228500"/>
         </a:xfrm>
         <a:prstGeom prst="roundRect">
           <a:avLst/>
@@ -7611,12 +7729,12 @@
         </a:fontRef>
       </dsp:style>
       <dsp:txBody>
-        <a:bodyPr spcFirstLastPara="0" vert="horz" wrap="square" lIns="247650" tIns="247650" rIns="247650" bIns="247650" numCol="1" spcCol="1270" anchor="ctr" anchorCtr="0">
+        <a:bodyPr spcFirstLastPara="0" vert="horz" wrap="square" lIns="190500" tIns="190500" rIns="190500" bIns="190500" numCol="1" spcCol="1270" anchor="ctr" anchorCtr="0">
           <a:noAutofit/>
         </a:bodyPr>
         <a:lstStyle/>
         <a:p>
-          <a:pPr marL="0" lvl="0" indent="0" algn="l" defTabSz="2889250">
+          <a:pPr marL="0" lvl="0" indent="0" algn="l" defTabSz="2222500">
             <a:lnSpc>
               <a:spcPct val="90000"/>
             </a:lnSpc>
@@ -7629,14 +7747,18 @@
             <a:buNone/>
           </a:pPr>
           <a:r>
-            <a:rPr lang="en-US" sz="6500" kern="1200"/>
-            <a:t>Lift and Shift</a:t>
+            <a:rPr lang="en-US" sz="5000" kern="1200" dirty="0" err="1"/>
+            <a:t>ReHost</a:t>
+          </a:r>
+          <a:r>
+            <a:rPr lang="en-US" sz="5000" kern="1200" dirty="0"/>
+            <a:t> (Lift and Shift)</a:t>
           </a:r>
         </a:p>
       </dsp:txBody>
       <dsp:txXfrm>
-        <a:off x="129124" y="270134"/>
-        <a:ext cx="6115565" cy="2386866"/>
+        <a:off x="59970" y="266694"/>
+        <a:ext cx="6253873" cy="1108560"/>
       </dsp:txXfrm>
     </dsp:sp>
     <dsp:sp modelId="{06518990-3929-4CD2-9F52-34399C9A7011}">
@@ -7646,8 +7768,165 @@
       </dsp:nvSpPr>
       <dsp:spPr>
         <a:xfrm>
-          <a:off x="0" y="2973324"/>
-          <a:ext cx="6373813" cy="2645114"/>
+          <a:off x="0" y="1579225"/>
+          <a:ext cx="6373813" cy="1228500"/>
+        </a:xfrm>
+        <a:prstGeom prst="roundRect">
+          <a:avLst/>
+        </a:prstGeom>
+        <a:solidFill>
+          <a:schemeClr val="accent2">
+            <a:hueOff val="-500722"/>
+            <a:satOff val="-3252"/>
+            <a:lumOff val="-719"/>
+            <a:alphaOff val="0"/>
+          </a:schemeClr>
+        </a:solidFill>
+        <a:ln w="12700" cap="flat" cmpd="sng" algn="ctr">
+          <a:solidFill>
+            <a:schemeClr val="lt1">
+              <a:hueOff val="0"/>
+              <a:satOff val="0"/>
+              <a:lumOff val="0"/>
+              <a:alphaOff val="0"/>
+            </a:schemeClr>
+          </a:solidFill>
+          <a:prstDash val="solid"/>
+          <a:miter lim="800000"/>
+        </a:ln>
+        <a:effectLst/>
+      </dsp:spPr>
+      <dsp:style>
+        <a:lnRef idx="2">
+          <a:scrgbClr r="0" g="0" b="0"/>
+        </a:lnRef>
+        <a:fillRef idx="1">
+          <a:scrgbClr r="0" g="0" b="0"/>
+        </a:fillRef>
+        <a:effectRef idx="0">
+          <a:scrgbClr r="0" g="0" b="0"/>
+        </a:effectRef>
+        <a:fontRef idx="minor">
+          <a:schemeClr val="lt1"/>
+        </a:fontRef>
+      </dsp:style>
+      <dsp:txBody>
+        <a:bodyPr spcFirstLastPara="0" vert="horz" wrap="square" lIns="190500" tIns="190500" rIns="190500" bIns="190500" numCol="1" spcCol="1270" anchor="ctr" anchorCtr="0">
+          <a:noAutofit/>
+        </a:bodyPr>
+        <a:lstStyle/>
+        <a:p>
+          <a:pPr marL="0" lvl="0" indent="0" algn="l" defTabSz="2222500">
+            <a:lnSpc>
+              <a:spcPct val="90000"/>
+            </a:lnSpc>
+            <a:spcBef>
+              <a:spcPct val="0"/>
+            </a:spcBef>
+            <a:spcAft>
+              <a:spcPct val="35000"/>
+            </a:spcAft>
+            <a:buNone/>
+          </a:pPr>
+          <a:r>
+            <a:rPr lang="en-US" sz="5000" kern="1200" dirty="0"/>
+            <a:t>Refactor</a:t>
+          </a:r>
+        </a:p>
+      </dsp:txBody>
+      <dsp:txXfrm>
+        <a:off x="59970" y="1639195"/>
+        <a:ext cx="6253873" cy="1108560"/>
+      </dsp:txXfrm>
+    </dsp:sp>
+    <dsp:sp modelId="{78771ED1-7D89-445F-A182-50892D48C28B}">
+      <dsp:nvSpPr>
+        <dsp:cNvPr id="0" name=""/>
+        <dsp:cNvSpPr/>
+      </dsp:nvSpPr>
+      <dsp:spPr>
+        <a:xfrm>
+          <a:off x="0" y="2951725"/>
+          <a:ext cx="6373813" cy="1228500"/>
+        </a:xfrm>
+        <a:prstGeom prst="roundRect">
+          <a:avLst/>
+        </a:prstGeom>
+        <a:solidFill>
+          <a:schemeClr val="accent2">
+            <a:hueOff val="-1001445"/>
+            <a:satOff val="-6505"/>
+            <a:lumOff val="-1437"/>
+            <a:alphaOff val="0"/>
+          </a:schemeClr>
+        </a:solidFill>
+        <a:ln w="12700" cap="flat" cmpd="sng" algn="ctr">
+          <a:solidFill>
+            <a:schemeClr val="lt1">
+              <a:hueOff val="0"/>
+              <a:satOff val="0"/>
+              <a:lumOff val="0"/>
+              <a:alphaOff val="0"/>
+            </a:schemeClr>
+          </a:solidFill>
+          <a:prstDash val="solid"/>
+          <a:miter lim="800000"/>
+        </a:ln>
+        <a:effectLst/>
+      </dsp:spPr>
+      <dsp:style>
+        <a:lnRef idx="2">
+          <a:scrgbClr r="0" g="0" b="0"/>
+        </a:lnRef>
+        <a:fillRef idx="1">
+          <a:scrgbClr r="0" g="0" b="0"/>
+        </a:fillRef>
+        <a:effectRef idx="0">
+          <a:scrgbClr r="0" g="0" b="0"/>
+        </a:effectRef>
+        <a:fontRef idx="minor">
+          <a:schemeClr val="lt1"/>
+        </a:fontRef>
+      </dsp:style>
+      <dsp:txBody>
+        <a:bodyPr spcFirstLastPara="0" vert="horz" wrap="square" lIns="190500" tIns="190500" rIns="190500" bIns="190500" numCol="1" spcCol="1270" anchor="ctr" anchorCtr="0">
+          <a:noAutofit/>
+        </a:bodyPr>
+        <a:lstStyle/>
+        <a:p>
+          <a:pPr marL="0" lvl="0" indent="0" algn="l" defTabSz="2222500">
+            <a:lnSpc>
+              <a:spcPct val="90000"/>
+            </a:lnSpc>
+            <a:spcBef>
+              <a:spcPct val="0"/>
+            </a:spcBef>
+            <a:spcAft>
+              <a:spcPct val="35000"/>
+            </a:spcAft>
+            <a:buNone/>
+          </a:pPr>
+          <a:r>
+            <a:rPr lang="en-US" sz="5000" kern="1200" dirty="0" err="1"/>
+            <a:t>ReArchitect</a:t>
+          </a:r>
+          <a:endParaRPr lang="en-US" sz="5000" kern="1200" dirty="0"/>
+        </a:p>
+      </dsp:txBody>
+      <dsp:txXfrm>
+        <a:off x="59970" y="3011695"/>
+        <a:ext cx="6253873" cy="1108560"/>
+      </dsp:txXfrm>
+    </dsp:sp>
+    <dsp:sp modelId="{7C2F4AE6-3D53-49B6-BB84-38C9017B2231}">
+      <dsp:nvSpPr>
+        <dsp:cNvPr id="0" name=""/>
+        <dsp:cNvSpPr/>
+      </dsp:nvSpPr>
+      <dsp:spPr>
+        <a:xfrm>
+          <a:off x="0" y="4324225"/>
+          <a:ext cx="6373813" cy="1228500"/>
         </a:xfrm>
         <a:prstGeom prst="roundRect">
           <a:avLst/>
@@ -7689,12 +7968,12 @@
         </a:fontRef>
       </dsp:style>
       <dsp:txBody>
-        <a:bodyPr spcFirstLastPara="0" vert="horz" wrap="square" lIns="247650" tIns="247650" rIns="247650" bIns="247650" numCol="1" spcCol="1270" anchor="ctr" anchorCtr="0">
+        <a:bodyPr spcFirstLastPara="0" vert="horz" wrap="square" lIns="190500" tIns="190500" rIns="190500" bIns="190500" numCol="1" spcCol="1270" anchor="ctr" anchorCtr="0">
           <a:noAutofit/>
         </a:bodyPr>
         <a:lstStyle/>
         <a:p>
-          <a:pPr marL="0" lvl="0" indent="0" algn="l" defTabSz="2889250">
+          <a:pPr marL="0" lvl="0" indent="0" algn="l" defTabSz="2222500">
             <a:lnSpc>
               <a:spcPct val="90000"/>
             </a:lnSpc>
@@ -7707,14 +7986,15 @@
             <a:buNone/>
           </a:pPr>
           <a:r>
-            <a:rPr lang="en-US" sz="6500" kern="1200"/>
-            <a:t>Hybrid Migration</a:t>
+            <a:rPr lang="en-US" sz="5000" kern="1200"/>
+            <a:t>ReBuilt</a:t>
           </a:r>
+          <a:endParaRPr lang="en-US" sz="5000" kern="1200" dirty="0"/>
         </a:p>
       </dsp:txBody>
       <dsp:txXfrm>
-        <a:off x="129124" y="3102448"/>
-        <a:ext cx="6115565" cy="2386866"/>
+        <a:off x="59970" y="4384195"/>
+        <a:ext cx="6253873" cy="1108560"/>
       </dsp:txXfrm>
     </dsp:sp>
   </dsp:spTree>
@@ -8203,300 +8483,6 @@
 </file>
 
 <file path=ppt/diagrams/layout1.xml><?xml version="1.0" encoding="utf-8"?>
-<dgm:layoutDef xmlns:dgm="http://schemas.openxmlformats.org/drawingml/2006/diagram" xmlns:a="http://schemas.openxmlformats.org/drawingml/2006/main" uniqueId="urn:microsoft.com/office/officeart/2018/2/layout/IconVerticalSolidList">
-  <dgm:title val="Icon Vertical Solid List"/>
-  <dgm:desc val="Use to show a series of visuals from top to bottom with Level 1 or Level 1 and Level 2 text grouped in a shape. Works best with icons or small pictures with lengthier descriptions."/>
-  <dgm:catLst>
-    <dgm:cat type="icon" pri="500"/>
-  </dgm:catLst>
-  <dgm:sampData useDef="1">
-    <dgm:dataModel>
-      <dgm:ptLst/>
-      <dgm:bg/>
-      <dgm:whole/>
-    </dgm:dataModel>
-  </dgm:sampData>
-  <dgm:styleData useDef="1">
-    <dgm:dataModel>
-      <dgm:ptLst/>
-      <dgm:bg/>
-      <dgm:whole/>
-    </dgm:dataModel>
-  </dgm:styleData>
-  <dgm:clrData useDef="1">
-    <dgm:dataModel>
-      <dgm:ptLst/>
-      <dgm:bg/>
-      <dgm:whole/>
-    </dgm:dataModel>
-  </dgm:clrData>
-  <dgm:layoutNode name="root">
-    <dgm:varLst>
-      <dgm:dir/>
-      <dgm:resizeHandles val="exact"/>
-    </dgm:varLst>
-    <dgm:choose name="Name0">
-      <dgm:if name="Name1" axis="self" func="var" arg="dir" op="equ" val="norm">
-        <dgm:alg type="lin">
-          <dgm:param type="linDir" val="fromT"/>
-          <dgm:param type="nodeHorzAlign" val="l"/>
-        </dgm:alg>
-      </dgm:if>
-      <dgm:else name="Name2">
-        <dgm:alg type="lin">
-          <dgm:param type="linDir" val="fromT"/>
-          <dgm:param type="nodeHorzAlign" val="r"/>
-        </dgm:alg>
-      </dgm:else>
-    </dgm:choose>
-    <dgm:shape xmlns:r="http://schemas.openxmlformats.org/officeDocument/2006/relationships" r:blip="">
-      <dgm:adjLst/>
-    </dgm:shape>
-    <dgm:presOf/>
-    <dgm:choose name="Name3">
-      <dgm:if name="Name4" axis="ch" ptType="node" func="cnt" op="lte" val="3">
-        <dgm:constrLst>
-          <dgm:constr type="h" for="ch" forName="compNode" refType="h" fact="0.3"/>
-          <dgm:constr type="w" for="ch" forName="compNode" refType="w"/>
-          <dgm:constr type="h" for="ch" forName="sibTrans" refType="h" refFor="ch" refForName="compNode" fact="0.25"/>
-          <dgm:constr type="primFontSz" for="des" forName="parTx" val="25"/>
-          <dgm:constr type="primFontSz" for="des" forName="desTx" refType="primFontSz" refFor="des" refForName="parTx" op="lte" fact="0.75"/>
-          <dgm:constr type="h" for="des" forName="compNode" op="equ"/>
-          <dgm:constr type="h" for="des" forName="bgRect" op="equ"/>
-          <dgm:constr type="h" for="des" forName="iconRect" op="equ"/>
-          <dgm:constr type="w" for="des" forName="iconRect" op="equ"/>
-          <dgm:constr type="h" for="des" forName="spaceRect" op="equ"/>
-          <dgm:constr type="h" for="des" forName="parTx" op="equ"/>
-          <dgm:constr type="h" for="des" forName="desTx" op="equ"/>
-        </dgm:constrLst>
-      </dgm:if>
-      <dgm:if name="Name5" axis="ch" ptType="node" func="cnt" op="lte" val="4">
-        <dgm:constrLst>
-          <dgm:constr type="h" for="ch" forName="compNode" refType="h" fact="0.3"/>
-          <dgm:constr type="w" for="ch" forName="compNode" refType="w"/>
-          <dgm:constr type="h" for="ch" forName="sibTrans" refType="h" refFor="ch" refForName="compNode" fact="0.25"/>
-          <dgm:constr type="primFontSz" for="des" forName="parTx" val="22"/>
-          <dgm:constr type="primFontSz" for="des" forName="desTx" refType="primFontSz" refFor="des" refForName="parTx" op="lte" fact="0.75"/>
-          <dgm:constr type="h" for="des" forName="compNode" op="equ"/>
-          <dgm:constr type="h" for="des" forName="bgRect" op="equ"/>
-          <dgm:constr type="h" for="des" forName="iconRect" op="equ"/>
-          <dgm:constr type="w" for="des" forName="iconRect" op="equ"/>
-          <dgm:constr type="h" for="des" forName="spaceRect" op="equ"/>
-          <dgm:constr type="h" for="des" forName="parTx" op="equ"/>
-          <dgm:constr type="h" for="des" forName="desTx" op="equ"/>
-        </dgm:constrLst>
-      </dgm:if>
-      <dgm:if name="Name6" axis="ch" ptType="node" func="cnt" op="lte" val="6">
-        <dgm:constrLst>
-          <dgm:constr type="h" for="ch" forName="compNode" refType="h" fact="0.3"/>
-          <dgm:constr type="w" for="ch" forName="compNode" refType="w"/>
-          <dgm:constr type="h" for="ch" forName="sibTrans" refType="h" refFor="ch" refForName="compNode" fact="0.25"/>
-          <dgm:constr type="primFontSz" for="des" forName="parTx" val="19"/>
-          <dgm:constr type="primFontSz" for="des" forName="desTx" refType="primFontSz" refFor="des" refForName="parTx" op="lte" fact="0.75"/>
-          <dgm:constr type="h" for="des" forName="compNode" op="equ"/>
-          <dgm:constr type="h" for="des" forName="bgRect" op="equ"/>
-          <dgm:constr type="h" for="des" forName="iconRect" op="equ"/>
-          <dgm:constr type="w" for="des" forName="iconRect" op="equ"/>
-          <dgm:constr type="h" for="des" forName="spaceRect" op="equ"/>
-          <dgm:constr type="h" for="des" forName="parTx" op="equ"/>
-          <dgm:constr type="h" for="des" forName="desTx" op="equ"/>
-        </dgm:constrLst>
-      </dgm:if>
-      <dgm:else name="Name7">
-        <dgm:constrLst>
-          <dgm:constr type="h" for="ch" forName="compNode" refType="h" fact="0.3"/>
-          <dgm:constr type="w" for="ch" forName="compNode" refType="w"/>
-          <dgm:constr type="h" for="ch" forName="sibTrans" refType="h" refFor="ch" refForName="compNode" fact="0.25"/>
-          <dgm:constr type="primFontSz" for="des" forName="parTx" val="16"/>
-          <dgm:constr type="primFontSz" for="des" forName="desTx" refType="primFontSz" refFor="des" refForName="parTx" op="lte" fact="0.75"/>
-          <dgm:constr type="h" for="des" forName="compNode" op="equ"/>
-          <dgm:constr type="h" for="des" forName="bgRect" op="equ"/>
-          <dgm:constr type="h" for="des" forName="iconRect" op="equ"/>
-          <dgm:constr type="w" for="des" forName="iconRect" op="equ"/>
-          <dgm:constr type="h" for="des" forName="spaceRect" op="equ"/>
-          <dgm:constr type="h" for="des" forName="parTx" op="equ"/>
-          <dgm:constr type="h" for="des" forName="desTx" op="equ"/>
-        </dgm:constrLst>
-      </dgm:else>
-    </dgm:choose>
-    <dgm:ruleLst>
-      <dgm:rule type="h" for="ch" forName="compNode" val="0" fact="NaN" max="NaN"/>
-    </dgm:ruleLst>
-    <dgm:forEach name="Name8" axis="ch" ptType="node">
-      <dgm:layoutNode name="compNode">
-        <dgm:alg type="composite"/>
-        <dgm:shape xmlns:r="http://schemas.openxmlformats.org/officeDocument/2006/relationships" r:blip="">
-          <dgm:adjLst/>
-        </dgm:shape>
-        <dgm:presOf axis="self"/>
-        <dgm:choose name="Name9">
-          <dgm:if name="Name10" axis="ch" ptType="node" func="cnt" op="gte" val="1">
-            <dgm:constrLst>
-              <dgm:constr type="w" for="ch" forName="bgRect" refType="w"/>
-              <dgm:constr type="h" for="ch" forName="bgRect" refType="h"/>
-              <dgm:constr type="l" for="ch" forName="bgRect"/>
-              <dgm:constr type="t" for="ch" forName="bgRect"/>
-              <dgm:constr type="h" for="ch" forName="iconRect" refType="h" fact="0.55"/>
-              <dgm:constr type="w" for="ch" forName="iconRect" refType="h" refFor="ch" refForName="iconRect"/>
-              <dgm:constr type="l" for="ch" forName="iconRect" refType="h" refFor="ch" refForName="iconRect" fact="0.55"/>
-              <dgm:constr type="ctrY" for="ch" forName="iconRect" refType="ctrY" refFor="ch" refForName="bgRect"/>
-              <dgm:constr type="w" for="ch" forName="spaceRect" refType="l" refFor="ch" refForName="iconRect"/>
-              <dgm:constr type="h" for="ch" forName="spaceRect" refType="h"/>
-              <dgm:constr type="l" for="ch" forName="spaceRect" refType="r" refFor="ch" refForName="iconRect"/>
-              <dgm:constr type="t" for="ch" forName="spaceRect"/>
-              <dgm:constr type="w" for="ch" forName="parTx" refType="w" fact="0.45"/>
-              <dgm:constr type="h" for="ch" forName="parTx" refType="h"/>
-              <dgm:constr type="l" for="ch" forName="parTx" refType="r" refFor="ch" refForName="spaceRect"/>
-              <dgm:constr type="t" for="ch" forName="parTx"/>
-              <dgm:constr type="h" for="ch" forName="desTx" refType="h"/>
-              <dgm:constr type="l" for="ch" forName="desTx" refType="r" refFor="ch" refForName="parTx"/>
-              <dgm:constr type="t" for="ch" forName="desTx"/>
-            </dgm:constrLst>
-          </dgm:if>
-          <dgm:else name="Name11">
-            <dgm:constrLst>
-              <dgm:constr type="w" for="ch" forName="bgRect" refType="w"/>
-              <dgm:constr type="h" for="ch" forName="bgRect" refType="h"/>
-              <dgm:constr type="l" for="ch" forName="bgRect"/>
-              <dgm:constr type="t" for="ch" forName="bgRect"/>
-              <dgm:constr type="h" for="ch" forName="iconRect" refType="h" fact="0.55"/>
-              <dgm:constr type="w" for="ch" forName="iconRect" refType="h" refFor="ch" refForName="iconRect"/>
-              <dgm:constr type="l" for="ch" forName="iconRect" refType="h" refFor="ch" refForName="iconRect" fact="0.55"/>
-              <dgm:constr type="ctrY" for="ch" forName="iconRect" refType="ctrY" refFor="ch" refForName="bgRect"/>
-              <dgm:constr type="w" for="ch" forName="spaceRect" refType="l" refFor="ch" refForName="iconRect"/>
-              <dgm:constr type="h" for="ch" forName="spaceRect" refType="h"/>
-              <dgm:constr type="l" for="ch" forName="spaceRect" refType="r" refFor="ch" refForName="iconRect"/>
-              <dgm:constr type="t" for="ch" forName="spaceRect"/>
-              <dgm:constr type="h" for="ch" forName="parTx" refType="h"/>
-              <dgm:constr type="l" for="ch" forName="parTx" refType="r" refFor="ch" refForName="spaceRect"/>
-              <dgm:constr type="t" for="ch" forName="parTx"/>
-            </dgm:constrLst>
-          </dgm:else>
-        </dgm:choose>
-        <dgm:ruleLst>
-          <dgm:rule type="h" val="INF" fact="NaN" max="NaN"/>
-        </dgm:ruleLst>
-        <dgm:layoutNode name="bgRect" styleLbl="bgShp">
-          <dgm:alg type="sp"/>
-          <dgm:shape xmlns:r="http://schemas.openxmlformats.org/officeDocument/2006/relationships" type="roundRect" r:blip="">
-            <dgm:adjLst>
-              <dgm:adj idx="1" val="0.1"/>
-            </dgm:adjLst>
-          </dgm:shape>
-          <dgm:presOf/>
-          <dgm:constrLst/>
-          <dgm:ruleLst/>
-        </dgm:layoutNode>
-        <dgm:layoutNode name="iconRect" styleLbl="node1">
-          <dgm:alg type="sp"/>
-          <dgm:shape xmlns:r="http://schemas.openxmlformats.org/officeDocument/2006/relationships" type="rect" r:blip="" blipPhldr="1">
-            <dgm:adjLst/>
-          </dgm:shape>
-          <dgm:presOf/>
-          <dgm:constrLst/>
-          <dgm:ruleLst/>
-        </dgm:layoutNode>
-        <dgm:layoutNode name="spaceRect">
-          <dgm:alg type="sp"/>
-          <dgm:shape xmlns:r="http://schemas.openxmlformats.org/officeDocument/2006/relationships" r:blip="">
-            <dgm:adjLst/>
-          </dgm:shape>
-          <dgm:presOf/>
-          <dgm:constrLst/>
-          <dgm:ruleLst/>
-        </dgm:layoutNode>
-        <dgm:layoutNode name="parTx" styleLbl="revTx">
-          <dgm:varLst>
-            <dgm:chMax val="0"/>
-            <dgm:chPref val="0"/>
-          </dgm:varLst>
-          <dgm:alg type="tx">
-            <dgm:param type="txAnchorVert" val="mid"/>
-            <dgm:param type="parTxLTRAlign" val="l"/>
-            <dgm:param type="shpTxLTRAlignCh" val="l"/>
-            <dgm:param type="parTxRTLAlign" val="r"/>
-            <dgm:param type="shpTxRTLAlignCh" val="r"/>
-          </dgm:alg>
-          <dgm:shape xmlns:r="http://schemas.openxmlformats.org/officeDocument/2006/relationships" type="rect" r:blip="">
-            <dgm:adjLst/>
-          </dgm:shape>
-          <dgm:presOf axis="self" ptType="node"/>
-          <dgm:constrLst>
-            <dgm:constr type="lMarg" refType="h" fact="0.3"/>
-            <dgm:constr type="rMarg" refType="h" fact="0.3"/>
-            <dgm:constr type="tMarg" refType="h" fact="0.3"/>
-            <dgm:constr type="bMarg" refType="h" fact="0.3"/>
-          </dgm:constrLst>
-          <dgm:ruleLst>
-            <dgm:rule type="primFontSz" val="14" fact="NaN" max="NaN"/>
-            <dgm:rule type="h" val="INF" fact="NaN" max="NaN"/>
-          </dgm:ruleLst>
-        </dgm:layoutNode>
-        <dgm:choose name="Name12">
-          <dgm:if name="Name13" axis="ch" ptType="node" func="cnt" op="gte" val="1">
-            <dgm:layoutNode name="desTx" styleLbl="revTx">
-              <dgm:varLst/>
-              <dgm:alg type="tx">
-                <dgm:param type="txAnchorVertCh" val="mid"/>
-                <dgm:param type="parTxLTRAlign" val="l"/>
-                <dgm:param type="shpTxLTRAlignCh" val="l"/>
-                <dgm:param type="parTxRTLAlign" val="r"/>
-                <dgm:param type="shpTxRTLAlignCh" val="r"/>
-                <dgm:param type="stBulletLvl" val="0"/>
-              </dgm:alg>
-              <dgm:shape xmlns:r="http://schemas.openxmlformats.org/officeDocument/2006/relationships" type="rect" r:blip="">
-                <dgm:adjLst/>
-              </dgm:shape>
-              <dgm:presOf axis="des" ptType="node"/>
-              <dgm:constrLst>
-                <dgm:constr type="primFontSz" val="18"/>
-                <dgm:constr type="secFontSz" refType="primFontSz"/>
-                <dgm:constr type="lMarg" refType="h" fact="0.3"/>
-                <dgm:constr type="rMarg" refType="h" fact="0.3"/>
-                <dgm:constr type="tMarg" refType="h" fact="0.3"/>
-                <dgm:constr type="bMarg" refType="h" fact="0.3"/>
-              </dgm:constrLst>
-              <dgm:ruleLst>
-                <dgm:rule type="primFontSz" val="11" fact="NaN" max="NaN"/>
-              </dgm:ruleLst>
-            </dgm:layoutNode>
-          </dgm:if>
-          <dgm:else name="Name14"/>
-        </dgm:choose>
-      </dgm:layoutNode>
-      <dgm:forEach name="Name15" axis="followSib" ptType="sibTrans" cnt="1">
-        <dgm:layoutNode name="sibTrans">
-          <dgm:alg type="sp"/>
-          <dgm:shape xmlns:r="http://schemas.openxmlformats.org/officeDocument/2006/relationships" r:blip="">
-            <dgm:adjLst/>
-          </dgm:shape>
-          <dgm:presOf axis="self"/>
-          <dgm:constrLst/>
-          <dgm:ruleLst/>
-        </dgm:layoutNode>
-      </dgm:forEach>
-    </dgm:forEach>
-  </dgm:layoutNode>
-  <dgm:extLst>
-    <a:ext uri="{68A01E43-0DF5-4B5B-8FA6-DAF915123BFB}">
-      <dgm1612:lstStyle xmlns:dgm1612="http://schemas.microsoft.com/office/drawing/2016/12/diagram">
-        <a:lvl1pPr>
-          <a:lnSpc>
-            <a:spcPct val="100000"/>
-          </a:lnSpc>
-        </a:lvl1pPr>
-        <a:lvl2pPr>
-          <a:lnSpc>
-            <a:spcPct val="100000"/>
-          </a:lnSpc>
-        </a:lvl2pPr>
-      </dgm1612:lstStyle>
-    </a:ext>
-  </dgm:extLst>
-</dgm:layoutDef>
-</file>
-
-<file path=ppt/diagrams/layout2.xml><?xml version="1.0" encoding="utf-8"?>
 <dgm:layoutDef xmlns:dgm="http://schemas.openxmlformats.org/drawingml/2006/diagram" xmlns:a="http://schemas.openxmlformats.org/drawingml/2006/main" uniqueId="urn:microsoft.com/office/officeart/2008/layout/LinedList">
   <dgm:title val=""/>
   <dgm:desc val=""/>
@@ -8959,6 +8945,300 @@
       </dgm:layoutNode>
     </dgm:forEach>
   </dgm:layoutNode>
+</dgm:layoutDef>
+</file>
+
+<file path=ppt/diagrams/layout2.xml><?xml version="1.0" encoding="utf-8"?>
+<dgm:layoutDef xmlns:dgm="http://schemas.openxmlformats.org/drawingml/2006/diagram" xmlns:a="http://schemas.openxmlformats.org/drawingml/2006/main" uniqueId="urn:microsoft.com/office/officeart/2018/2/layout/IconVerticalSolidList">
+  <dgm:title val="Icon Vertical Solid List"/>
+  <dgm:desc val="Use to show a series of visuals from top to bottom with Level 1 or Level 1 and Level 2 text grouped in a shape. Works best with icons or small pictures with lengthier descriptions."/>
+  <dgm:catLst>
+    <dgm:cat type="icon" pri="500"/>
+  </dgm:catLst>
+  <dgm:sampData useDef="1">
+    <dgm:dataModel>
+      <dgm:ptLst/>
+      <dgm:bg/>
+      <dgm:whole/>
+    </dgm:dataModel>
+  </dgm:sampData>
+  <dgm:styleData useDef="1">
+    <dgm:dataModel>
+      <dgm:ptLst/>
+      <dgm:bg/>
+      <dgm:whole/>
+    </dgm:dataModel>
+  </dgm:styleData>
+  <dgm:clrData useDef="1">
+    <dgm:dataModel>
+      <dgm:ptLst/>
+      <dgm:bg/>
+      <dgm:whole/>
+    </dgm:dataModel>
+  </dgm:clrData>
+  <dgm:layoutNode name="root">
+    <dgm:varLst>
+      <dgm:dir/>
+      <dgm:resizeHandles val="exact"/>
+    </dgm:varLst>
+    <dgm:choose name="Name0">
+      <dgm:if name="Name1" axis="self" func="var" arg="dir" op="equ" val="norm">
+        <dgm:alg type="lin">
+          <dgm:param type="linDir" val="fromT"/>
+          <dgm:param type="nodeHorzAlign" val="l"/>
+        </dgm:alg>
+      </dgm:if>
+      <dgm:else name="Name2">
+        <dgm:alg type="lin">
+          <dgm:param type="linDir" val="fromT"/>
+          <dgm:param type="nodeHorzAlign" val="r"/>
+        </dgm:alg>
+      </dgm:else>
+    </dgm:choose>
+    <dgm:shape xmlns:r="http://schemas.openxmlformats.org/officeDocument/2006/relationships" r:blip="">
+      <dgm:adjLst/>
+    </dgm:shape>
+    <dgm:presOf/>
+    <dgm:choose name="Name3">
+      <dgm:if name="Name4" axis="ch" ptType="node" func="cnt" op="lte" val="3">
+        <dgm:constrLst>
+          <dgm:constr type="h" for="ch" forName="compNode" refType="h" fact="0.3"/>
+          <dgm:constr type="w" for="ch" forName="compNode" refType="w"/>
+          <dgm:constr type="h" for="ch" forName="sibTrans" refType="h" refFor="ch" refForName="compNode" fact="0.25"/>
+          <dgm:constr type="primFontSz" for="des" forName="parTx" val="25"/>
+          <dgm:constr type="primFontSz" for="des" forName="desTx" refType="primFontSz" refFor="des" refForName="parTx" op="lte" fact="0.75"/>
+          <dgm:constr type="h" for="des" forName="compNode" op="equ"/>
+          <dgm:constr type="h" for="des" forName="bgRect" op="equ"/>
+          <dgm:constr type="h" for="des" forName="iconRect" op="equ"/>
+          <dgm:constr type="w" for="des" forName="iconRect" op="equ"/>
+          <dgm:constr type="h" for="des" forName="spaceRect" op="equ"/>
+          <dgm:constr type="h" for="des" forName="parTx" op="equ"/>
+          <dgm:constr type="h" for="des" forName="desTx" op="equ"/>
+        </dgm:constrLst>
+      </dgm:if>
+      <dgm:if name="Name5" axis="ch" ptType="node" func="cnt" op="lte" val="4">
+        <dgm:constrLst>
+          <dgm:constr type="h" for="ch" forName="compNode" refType="h" fact="0.3"/>
+          <dgm:constr type="w" for="ch" forName="compNode" refType="w"/>
+          <dgm:constr type="h" for="ch" forName="sibTrans" refType="h" refFor="ch" refForName="compNode" fact="0.25"/>
+          <dgm:constr type="primFontSz" for="des" forName="parTx" val="22"/>
+          <dgm:constr type="primFontSz" for="des" forName="desTx" refType="primFontSz" refFor="des" refForName="parTx" op="lte" fact="0.75"/>
+          <dgm:constr type="h" for="des" forName="compNode" op="equ"/>
+          <dgm:constr type="h" for="des" forName="bgRect" op="equ"/>
+          <dgm:constr type="h" for="des" forName="iconRect" op="equ"/>
+          <dgm:constr type="w" for="des" forName="iconRect" op="equ"/>
+          <dgm:constr type="h" for="des" forName="spaceRect" op="equ"/>
+          <dgm:constr type="h" for="des" forName="parTx" op="equ"/>
+          <dgm:constr type="h" for="des" forName="desTx" op="equ"/>
+        </dgm:constrLst>
+      </dgm:if>
+      <dgm:if name="Name6" axis="ch" ptType="node" func="cnt" op="lte" val="6">
+        <dgm:constrLst>
+          <dgm:constr type="h" for="ch" forName="compNode" refType="h" fact="0.3"/>
+          <dgm:constr type="w" for="ch" forName="compNode" refType="w"/>
+          <dgm:constr type="h" for="ch" forName="sibTrans" refType="h" refFor="ch" refForName="compNode" fact="0.25"/>
+          <dgm:constr type="primFontSz" for="des" forName="parTx" val="19"/>
+          <dgm:constr type="primFontSz" for="des" forName="desTx" refType="primFontSz" refFor="des" refForName="parTx" op="lte" fact="0.75"/>
+          <dgm:constr type="h" for="des" forName="compNode" op="equ"/>
+          <dgm:constr type="h" for="des" forName="bgRect" op="equ"/>
+          <dgm:constr type="h" for="des" forName="iconRect" op="equ"/>
+          <dgm:constr type="w" for="des" forName="iconRect" op="equ"/>
+          <dgm:constr type="h" for="des" forName="spaceRect" op="equ"/>
+          <dgm:constr type="h" for="des" forName="parTx" op="equ"/>
+          <dgm:constr type="h" for="des" forName="desTx" op="equ"/>
+        </dgm:constrLst>
+      </dgm:if>
+      <dgm:else name="Name7">
+        <dgm:constrLst>
+          <dgm:constr type="h" for="ch" forName="compNode" refType="h" fact="0.3"/>
+          <dgm:constr type="w" for="ch" forName="compNode" refType="w"/>
+          <dgm:constr type="h" for="ch" forName="sibTrans" refType="h" refFor="ch" refForName="compNode" fact="0.25"/>
+          <dgm:constr type="primFontSz" for="des" forName="parTx" val="16"/>
+          <dgm:constr type="primFontSz" for="des" forName="desTx" refType="primFontSz" refFor="des" refForName="parTx" op="lte" fact="0.75"/>
+          <dgm:constr type="h" for="des" forName="compNode" op="equ"/>
+          <dgm:constr type="h" for="des" forName="bgRect" op="equ"/>
+          <dgm:constr type="h" for="des" forName="iconRect" op="equ"/>
+          <dgm:constr type="w" for="des" forName="iconRect" op="equ"/>
+          <dgm:constr type="h" for="des" forName="spaceRect" op="equ"/>
+          <dgm:constr type="h" for="des" forName="parTx" op="equ"/>
+          <dgm:constr type="h" for="des" forName="desTx" op="equ"/>
+        </dgm:constrLst>
+      </dgm:else>
+    </dgm:choose>
+    <dgm:ruleLst>
+      <dgm:rule type="h" for="ch" forName="compNode" val="0" fact="NaN" max="NaN"/>
+    </dgm:ruleLst>
+    <dgm:forEach name="Name8" axis="ch" ptType="node">
+      <dgm:layoutNode name="compNode">
+        <dgm:alg type="composite"/>
+        <dgm:shape xmlns:r="http://schemas.openxmlformats.org/officeDocument/2006/relationships" r:blip="">
+          <dgm:adjLst/>
+        </dgm:shape>
+        <dgm:presOf axis="self"/>
+        <dgm:choose name="Name9">
+          <dgm:if name="Name10" axis="ch" ptType="node" func="cnt" op="gte" val="1">
+            <dgm:constrLst>
+              <dgm:constr type="w" for="ch" forName="bgRect" refType="w"/>
+              <dgm:constr type="h" for="ch" forName="bgRect" refType="h"/>
+              <dgm:constr type="l" for="ch" forName="bgRect"/>
+              <dgm:constr type="t" for="ch" forName="bgRect"/>
+              <dgm:constr type="h" for="ch" forName="iconRect" refType="h" fact="0.55"/>
+              <dgm:constr type="w" for="ch" forName="iconRect" refType="h" refFor="ch" refForName="iconRect"/>
+              <dgm:constr type="l" for="ch" forName="iconRect" refType="h" refFor="ch" refForName="iconRect" fact="0.55"/>
+              <dgm:constr type="ctrY" for="ch" forName="iconRect" refType="ctrY" refFor="ch" refForName="bgRect"/>
+              <dgm:constr type="w" for="ch" forName="spaceRect" refType="l" refFor="ch" refForName="iconRect"/>
+              <dgm:constr type="h" for="ch" forName="spaceRect" refType="h"/>
+              <dgm:constr type="l" for="ch" forName="spaceRect" refType="r" refFor="ch" refForName="iconRect"/>
+              <dgm:constr type="t" for="ch" forName="spaceRect"/>
+              <dgm:constr type="w" for="ch" forName="parTx" refType="w" fact="0.45"/>
+              <dgm:constr type="h" for="ch" forName="parTx" refType="h"/>
+              <dgm:constr type="l" for="ch" forName="parTx" refType="r" refFor="ch" refForName="spaceRect"/>
+              <dgm:constr type="t" for="ch" forName="parTx"/>
+              <dgm:constr type="h" for="ch" forName="desTx" refType="h"/>
+              <dgm:constr type="l" for="ch" forName="desTx" refType="r" refFor="ch" refForName="parTx"/>
+              <dgm:constr type="t" for="ch" forName="desTx"/>
+            </dgm:constrLst>
+          </dgm:if>
+          <dgm:else name="Name11">
+            <dgm:constrLst>
+              <dgm:constr type="w" for="ch" forName="bgRect" refType="w"/>
+              <dgm:constr type="h" for="ch" forName="bgRect" refType="h"/>
+              <dgm:constr type="l" for="ch" forName="bgRect"/>
+              <dgm:constr type="t" for="ch" forName="bgRect"/>
+              <dgm:constr type="h" for="ch" forName="iconRect" refType="h" fact="0.55"/>
+              <dgm:constr type="w" for="ch" forName="iconRect" refType="h" refFor="ch" refForName="iconRect"/>
+              <dgm:constr type="l" for="ch" forName="iconRect" refType="h" refFor="ch" refForName="iconRect" fact="0.55"/>
+              <dgm:constr type="ctrY" for="ch" forName="iconRect" refType="ctrY" refFor="ch" refForName="bgRect"/>
+              <dgm:constr type="w" for="ch" forName="spaceRect" refType="l" refFor="ch" refForName="iconRect"/>
+              <dgm:constr type="h" for="ch" forName="spaceRect" refType="h"/>
+              <dgm:constr type="l" for="ch" forName="spaceRect" refType="r" refFor="ch" refForName="iconRect"/>
+              <dgm:constr type="t" for="ch" forName="spaceRect"/>
+              <dgm:constr type="h" for="ch" forName="parTx" refType="h"/>
+              <dgm:constr type="l" for="ch" forName="parTx" refType="r" refFor="ch" refForName="spaceRect"/>
+              <dgm:constr type="t" for="ch" forName="parTx"/>
+            </dgm:constrLst>
+          </dgm:else>
+        </dgm:choose>
+        <dgm:ruleLst>
+          <dgm:rule type="h" val="INF" fact="NaN" max="NaN"/>
+        </dgm:ruleLst>
+        <dgm:layoutNode name="bgRect" styleLbl="bgShp">
+          <dgm:alg type="sp"/>
+          <dgm:shape xmlns:r="http://schemas.openxmlformats.org/officeDocument/2006/relationships" type="roundRect" r:blip="">
+            <dgm:adjLst>
+              <dgm:adj idx="1" val="0.1"/>
+            </dgm:adjLst>
+          </dgm:shape>
+          <dgm:presOf/>
+          <dgm:constrLst/>
+          <dgm:ruleLst/>
+        </dgm:layoutNode>
+        <dgm:layoutNode name="iconRect" styleLbl="node1">
+          <dgm:alg type="sp"/>
+          <dgm:shape xmlns:r="http://schemas.openxmlformats.org/officeDocument/2006/relationships" type="rect" r:blip="" blipPhldr="1">
+            <dgm:adjLst/>
+          </dgm:shape>
+          <dgm:presOf/>
+          <dgm:constrLst/>
+          <dgm:ruleLst/>
+        </dgm:layoutNode>
+        <dgm:layoutNode name="spaceRect">
+          <dgm:alg type="sp"/>
+          <dgm:shape xmlns:r="http://schemas.openxmlformats.org/officeDocument/2006/relationships" r:blip="">
+            <dgm:adjLst/>
+          </dgm:shape>
+          <dgm:presOf/>
+          <dgm:constrLst/>
+          <dgm:ruleLst/>
+        </dgm:layoutNode>
+        <dgm:layoutNode name="parTx" styleLbl="revTx">
+          <dgm:varLst>
+            <dgm:chMax val="0"/>
+            <dgm:chPref val="0"/>
+          </dgm:varLst>
+          <dgm:alg type="tx">
+            <dgm:param type="txAnchorVert" val="mid"/>
+            <dgm:param type="parTxLTRAlign" val="l"/>
+            <dgm:param type="shpTxLTRAlignCh" val="l"/>
+            <dgm:param type="parTxRTLAlign" val="r"/>
+            <dgm:param type="shpTxRTLAlignCh" val="r"/>
+          </dgm:alg>
+          <dgm:shape xmlns:r="http://schemas.openxmlformats.org/officeDocument/2006/relationships" type="rect" r:blip="">
+            <dgm:adjLst/>
+          </dgm:shape>
+          <dgm:presOf axis="self" ptType="node"/>
+          <dgm:constrLst>
+            <dgm:constr type="lMarg" refType="h" fact="0.3"/>
+            <dgm:constr type="rMarg" refType="h" fact="0.3"/>
+            <dgm:constr type="tMarg" refType="h" fact="0.3"/>
+            <dgm:constr type="bMarg" refType="h" fact="0.3"/>
+          </dgm:constrLst>
+          <dgm:ruleLst>
+            <dgm:rule type="primFontSz" val="14" fact="NaN" max="NaN"/>
+            <dgm:rule type="h" val="INF" fact="NaN" max="NaN"/>
+          </dgm:ruleLst>
+        </dgm:layoutNode>
+        <dgm:choose name="Name12">
+          <dgm:if name="Name13" axis="ch" ptType="node" func="cnt" op="gte" val="1">
+            <dgm:layoutNode name="desTx" styleLbl="revTx">
+              <dgm:varLst/>
+              <dgm:alg type="tx">
+                <dgm:param type="txAnchorVertCh" val="mid"/>
+                <dgm:param type="parTxLTRAlign" val="l"/>
+                <dgm:param type="shpTxLTRAlignCh" val="l"/>
+                <dgm:param type="parTxRTLAlign" val="r"/>
+                <dgm:param type="shpTxRTLAlignCh" val="r"/>
+                <dgm:param type="stBulletLvl" val="0"/>
+              </dgm:alg>
+              <dgm:shape xmlns:r="http://schemas.openxmlformats.org/officeDocument/2006/relationships" type="rect" r:blip="">
+                <dgm:adjLst/>
+              </dgm:shape>
+              <dgm:presOf axis="des" ptType="node"/>
+              <dgm:constrLst>
+                <dgm:constr type="primFontSz" val="18"/>
+                <dgm:constr type="secFontSz" refType="primFontSz"/>
+                <dgm:constr type="lMarg" refType="h" fact="0.3"/>
+                <dgm:constr type="rMarg" refType="h" fact="0.3"/>
+                <dgm:constr type="tMarg" refType="h" fact="0.3"/>
+                <dgm:constr type="bMarg" refType="h" fact="0.3"/>
+              </dgm:constrLst>
+              <dgm:ruleLst>
+                <dgm:rule type="primFontSz" val="11" fact="NaN" max="NaN"/>
+              </dgm:ruleLst>
+            </dgm:layoutNode>
+          </dgm:if>
+          <dgm:else name="Name14"/>
+        </dgm:choose>
+      </dgm:layoutNode>
+      <dgm:forEach name="Name15" axis="followSib" ptType="sibTrans" cnt="1">
+        <dgm:layoutNode name="sibTrans">
+          <dgm:alg type="sp"/>
+          <dgm:shape xmlns:r="http://schemas.openxmlformats.org/officeDocument/2006/relationships" r:blip="">
+            <dgm:adjLst/>
+          </dgm:shape>
+          <dgm:presOf axis="self"/>
+          <dgm:constrLst/>
+          <dgm:ruleLst/>
+        </dgm:layoutNode>
+      </dgm:forEach>
+    </dgm:forEach>
+  </dgm:layoutNode>
+  <dgm:extLst>
+    <a:ext uri="{68A01E43-0DF5-4B5B-8FA6-DAF915123BFB}">
+      <dgm1612:lstStyle xmlns:dgm1612="http://schemas.microsoft.com/office/drawing/2016/12/diagram">
+        <a:lvl1pPr>
+          <a:lnSpc>
+            <a:spcPct val="100000"/>
+          </a:lnSpc>
+        </a:lvl1pPr>
+        <a:lvl2pPr>
+          <a:lnSpc>
+            <a:spcPct val="100000"/>
+          </a:lnSpc>
+        </a:lvl2pPr>
+      </dgm1612:lstStyle>
+    </a:ext>
+  </dgm:extLst>
 </dgm:layoutDef>
 </file>
 
@@ -15097,7 +15377,7 @@
           <a:p>
             <a:fld id="{72EA7947-E287-4738-8C82-07CE4F01EF03}" type="datetime2">
               <a:rPr lang="en-US" smtClean="0"/>
-              <a:t>Friday, February 10, 2023</a:t>
+              <a:t>Saturday, February 18, 2023</a:t>
             </a:fld>
             <a:endParaRPr lang="en-US" dirty="0"/>
           </a:p>
@@ -16133,7 +16413,7 @@
           <a:p>
             <a:fld id="{EE2EBD84-71F4-4271-8C46-0D47C0A9B12E}" type="datetime2">
               <a:rPr lang="en-US" smtClean="0"/>
-              <a:t>Friday, February 10, 2023</a:t>
+              <a:t>Saturday, February 18, 2023</a:t>
             </a:fld>
             <a:endParaRPr lang="en-US"/>
           </a:p>
@@ -16344,7 +16624,7 @@
           <a:p>
             <a:fld id="{ABAE0CE1-F450-4107-B2CB-17B18F8A3F4A}" type="datetime2">
               <a:rPr lang="en-US" smtClean="0"/>
-              <a:t>Friday, February 10, 2023</a:t>
+              <a:t>Saturday, February 18, 2023</a:t>
             </a:fld>
             <a:endParaRPr lang="en-US"/>
           </a:p>
@@ -17009,7 +17289,7 @@
           <a:p>
             <a:fld id="{6FE8C025-CD7A-4966-867E-81CF82B15267}" type="datetime2">
               <a:rPr lang="en-US" smtClean="0"/>
-              <a:t>Friday, February 10, 2023</a:t>
+              <a:t>Saturday, February 18, 2023</a:t>
             </a:fld>
             <a:endParaRPr lang="en-US"/>
           </a:p>
@@ -17629,7 +17909,7 @@
           <a:p>
             <a:fld id="{FE809929-0719-4517-94D6-FDF7F99E70F6}" type="datetime2">
               <a:rPr lang="en-US" smtClean="0"/>
-              <a:t>Friday, February 10, 2023</a:t>
+              <a:t>Saturday, February 18, 2023</a:t>
             </a:fld>
             <a:endParaRPr lang="en-US"/>
           </a:p>
@@ -18747,7 +19027,7 @@
           <a:p>
             <a:fld id="{20E95673-5512-4AAA-9AEB-E00C61EC65D5}" type="datetime2">
               <a:rPr lang="en-US" smtClean="0"/>
-              <a:t>Friday, February 10, 2023</a:t>
+              <a:t>Saturday, February 18, 2023</a:t>
             </a:fld>
             <a:endParaRPr lang="en-US"/>
           </a:p>
@@ -19294,7 +19574,7 @@
           <a:p>
             <a:fld id="{C13138FA-2E87-4873-8BBA-13E447C9A99A}" type="datetime2">
               <a:rPr lang="en-US" smtClean="0"/>
-              <a:t>Friday, February 10, 2023</a:t>
+              <a:t>Saturday, February 18, 2023</a:t>
             </a:fld>
             <a:endParaRPr lang="en-US"/>
           </a:p>
@@ -19455,7 +19735,7 @@
           <a:p>
             <a:fld id="{D75BB40A-97BD-4BFB-B639-0BFF95FDE8B7}" type="datetime2">
               <a:rPr lang="en-US" smtClean="0"/>
-              <a:t>Friday, February 10, 2023</a:t>
+              <a:t>Saturday, February 18, 2023</a:t>
             </a:fld>
             <a:endParaRPr lang="en-US"/>
           </a:p>
@@ -20490,7 +20770,7 @@
           <a:p>
             <a:fld id="{9EE9E0E3-ECF6-4CFE-8698-AEFEBCECC3C0}" type="datetime2">
               <a:rPr lang="en-US" smtClean="0"/>
-              <a:t>Friday, February 10, 2023</a:t>
+              <a:t>Saturday, February 18, 2023</a:t>
             </a:fld>
             <a:endParaRPr lang="en-US"/>
           </a:p>
@@ -21136,7 +21416,7 @@
           <a:p>
             <a:fld id="{251462FC-960E-4740-921F-B36862979F21}" type="datetime2">
               <a:rPr lang="en-US" smtClean="0"/>
-              <a:t>Friday, February 10, 2023</a:t>
+              <a:t>Saturday, February 18, 2023</a:t>
             </a:fld>
             <a:endParaRPr lang="en-US"/>
           </a:p>
@@ -21900,7 +22180,7 @@
           <a:p>
             <a:fld id="{E50BC9E2-CB44-4C05-9BB5-496C18A241E0}" type="datetime2">
               <a:rPr lang="en-US" smtClean="0"/>
-              <a:t>Friday, February 10, 2023</a:t>
+              <a:t>Saturday, February 18, 2023</a:t>
             </a:fld>
             <a:endParaRPr lang="en-US"/>
           </a:p>
@@ -22147,7 +22427,7 @@
           <a:p>
             <a:fld id="{246CB39B-5F4C-4A7E-9BE3-AAFD45576D16}" type="datetime2">
               <a:rPr lang="en-US" smtClean="0"/>
-              <a:t>Friday, February 10, 2023</a:t>
+              <a:t>Saturday, February 18, 2023</a:t>
             </a:fld>
             <a:endParaRPr lang="en-US" dirty="0"/>
           </a:p>
@@ -23285,253 +23565,6 @@
 </file>
 
 <file path=ppt/slides/slide2.xml><?xml version="1.0" encoding="utf-8"?>
-<p:sld xmlns:a="http://schemas.openxmlformats.org/drawingml/2006/main" xmlns:r="http://schemas.openxmlformats.org/officeDocument/2006/relationships" xmlns:p="http://schemas.openxmlformats.org/presentationml/2006/main">
-  <p:cSld>
-    <p:bg>
-      <p:bgPr>
-        <a:solidFill>
-          <a:schemeClr val="bg2"/>
-        </a:solidFill>
-        <a:effectLst/>
-      </p:bgPr>
-    </p:bg>
-    <p:spTree>
-      <p:nvGrpSpPr>
-        <p:cNvPr id="1" name=""/>
-        <p:cNvGrpSpPr/>
-        <p:nvPr/>
-      </p:nvGrpSpPr>
-      <p:grpSpPr>
-        <a:xfrm>
-          <a:off x="0" y="0"/>
-          <a:ext cx="0" cy="0"/>
-          <a:chOff x="0" y="0"/>
-          <a:chExt cx="0" cy="0"/>
-        </a:xfrm>
-      </p:grpSpPr>
-      <p:sp useBgFill="1">
-        <p:nvSpPr>
-          <p:cNvPr id="9" name="Rectangle 8">
-            <a:extLst>
-              <a:ext uri="{FF2B5EF4-FFF2-40B4-BE49-F238E27FC236}">
-                <a16:creationId xmlns:a16="http://schemas.microsoft.com/office/drawing/2014/main" id="{60B7752B-728D-4CA3-8923-C4F7F77029E3}"/>
-              </a:ext>
-              <a:ext uri="{C183D7F6-B498-43B3-948B-1728B52AA6E4}">
-                <adec:decorative xmlns:adec="http://schemas.microsoft.com/office/drawing/2017/decorative" val="1"/>
-              </a:ext>
-            </a:extLst>
-          </p:cNvPr>
-          <p:cNvSpPr>
-            <a:spLocks noGrp="1" noRot="1" noChangeAspect="1" noMove="1" noResize="1" noEditPoints="1" noAdjustHandles="1" noChangeArrowheads="1" noChangeShapeType="1" noTextEdit="1"/>
-          </p:cNvSpPr>
-          <p:nvPr>
-            <p:extLst>
-              <p:ext uri="{386F3935-93C4-4BCD-93E2-E3B085C9AB24}">
-                <p16:designElem xmlns:p16="http://schemas.microsoft.com/office/powerpoint/2015/main" val="1"/>
-              </p:ext>
-            </p:extLst>
-          </p:nvPr>
-        </p:nvSpPr>
-        <p:spPr>
-          <a:xfrm>
-            <a:off x="0" y="0"/>
-            <a:ext cx="12192000" cy="6858000"/>
-          </a:xfrm>
-          <a:prstGeom prst="rect">
-            <a:avLst/>
-          </a:prstGeom>
-          <a:ln w="12700" cap="flat" cmpd="sng" algn="ctr">
-            <a:noFill/>
-            <a:prstDash val="solid"/>
-            <a:miter lim="800000"/>
-          </a:ln>
-          <a:effectLst/>
-          <a:extLst>
-            <a:ext uri="{91240B29-F687-4F45-9708-019B960494DF}">
-              <a14:hiddenLine xmlns:a14="http://schemas.microsoft.com/office/drawing/2010/main" w="12700" cap="flat" cmpd="sng" algn="ctr">
-                <a:solidFill>
-                  <a:schemeClr val="accent1">
-                    <a:shade val="50000"/>
-                  </a:schemeClr>
-                </a:solidFill>
-                <a:prstDash val="solid"/>
-                <a:miter lim="800000"/>
-              </a14:hiddenLine>
-            </a:ext>
-          </a:extLst>
-        </p:spPr>
-        <p:style>
-          <a:lnRef idx="2">
-            <a:schemeClr val="accent1">
-              <a:shade val="50000"/>
-            </a:schemeClr>
-          </a:lnRef>
-          <a:fillRef idx="1">
-            <a:schemeClr val="accent1"/>
-          </a:fillRef>
-          <a:effectRef idx="0">
-            <a:schemeClr val="accent1"/>
-          </a:effectRef>
-          <a:fontRef idx="minor">
-            <a:schemeClr val="lt1"/>
-          </a:fontRef>
-        </p:style>
-        <p:txBody>
-          <a:bodyPr rtlCol="0" anchor="ctr"/>
-          <a:lstStyle/>
-          <a:p>
-            <a:pPr algn="ctr"/>
-            <a:endParaRPr lang="en-US"/>
-          </a:p>
-        </p:txBody>
-      </p:sp>
-      <p:sp>
-        <p:nvSpPr>
-          <p:cNvPr id="2" name="Title 1">
-            <a:extLst>
-              <a:ext uri="{FF2B5EF4-FFF2-40B4-BE49-F238E27FC236}">
-                <a16:creationId xmlns:a16="http://schemas.microsoft.com/office/drawing/2014/main" id="{3051DCD1-24CB-12F0-A88C-5E78009C6414}"/>
-              </a:ext>
-            </a:extLst>
-          </p:cNvPr>
-          <p:cNvSpPr>
-            <a:spLocks noGrp="1"/>
-          </p:cNvSpPr>
-          <p:nvPr>
-            <p:ph type="title"/>
-          </p:nvPr>
-        </p:nvSpPr>
-        <p:spPr>
-          <a:xfrm>
-            <a:off x="550863" y="549275"/>
-            <a:ext cx="3565525" cy="5543549"/>
-          </a:xfrm>
-        </p:spPr>
-        <p:txBody>
-          <a:bodyPr wrap="square" anchor="ctr">
-            <a:normAutofit/>
-          </a:bodyPr>
-          <a:lstStyle/>
-          <a:p>
-            <a:r>
-              <a:rPr lang="en-US" dirty="0"/>
-              <a:t>Objectives</a:t>
-            </a:r>
-          </a:p>
-        </p:txBody>
-      </p:sp>
-      <p:sp>
-        <p:nvSpPr>
-          <p:cNvPr id="11" name="Rectangle 10">
-            <a:extLst>
-              <a:ext uri="{FF2B5EF4-FFF2-40B4-BE49-F238E27FC236}">
-                <a16:creationId xmlns:a16="http://schemas.microsoft.com/office/drawing/2014/main" id="{429899A3-416E-4DB5-846D-023526052013}"/>
-              </a:ext>
-              <a:ext uri="{C183D7F6-B498-43B3-948B-1728B52AA6E4}">
-                <adec:decorative xmlns:adec="http://schemas.microsoft.com/office/drawing/2017/decorative" val="1"/>
-              </a:ext>
-            </a:extLst>
-          </p:cNvPr>
-          <p:cNvSpPr>
-            <a:spLocks noGrp="1" noRot="1" noChangeAspect="1" noMove="1" noResize="1" noEditPoints="1" noAdjustHandles="1" noChangeArrowheads="1" noChangeShapeType="1" noTextEdit="1"/>
-          </p:cNvSpPr>
-          <p:nvPr>
-            <p:extLst>
-              <p:ext uri="{386F3935-93C4-4BCD-93E2-E3B085C9AB24}">
-                <p16:designElem xmlns:p16="http://schemas.microsoft.com/office/powerpoint/2015/main" val="1"/>
-              </p:ext>
-            </p:extLst>
-          </p:nvPr>
-        </p:nvSpPr>
-        <p:spPr>
-          <a:xfrm>
-            <a:off x="4550899" y="0"/>
-            <a:ext cx="7641102" cy="6858000"/>
-          </a:xfrm>
-          <a:prstGeom prst="rect">
-            <a:avLst/>
-          </a:prstGeom>
-          <a:solidFill>
-            <a:schemeClr val="bg2">
-              <a:lumMod val="10000"/>
-              <a:lumOff val="90000"/>
-              <a:alpha val="5000"/>
-            </a:schemeClr>
-          </a:solidFill>
-          <a:ln>
-            <a:noFill/>
-          </a:ln>
-        </p:spPr>
-        <p:style>
-          <a:lnRef idx="2">
-            <a:schemeClr val="accent1">
-              <a:shade val="50000"/>
-            </a:schemeClr>
-          </a:lnRef>
-          <a:fillRef idx="1">
-            <a:schemeClr val="accent1"/>
-          </a:fillRef>
-          <a:effectRef idx="0">
-            <a:schemeClr val="accent1"/>
-          </a:effectRef>
-          <a:fontRef idx="minor">
-            <a:schemeClr val="lt1"/>
-          </a:fontRef>
-        </p:style>
-        <p:txBody>
-          <a:bodyPr rtlCol="0" anchor="ctr"/>
-          <a:lstStyle/>
-          <a:p>
-            <a:pPr algn="ctr"/>
-            <a:endParaRPr lang="en-US"/>
-          </a:p>
-        </p:txBody>
-      </p:sp>
-      <p:graphicFrame>
-        <p:nvGraphicFramePr>
-          <p:cNvPr id="5" name="Content Placeholder 2">
-            <a:extLst>
-              <a:ext uri="{FF2B5EF4-FFF2-40B4-BE49-F238E27FC236}">
-                <a16:creationId xmlns:a16="http://schemas.microsoft.com/office/drawing/2014/main" id="{0BFE9785-3598-4701-06E5-6A9D1E34D8DC}"/>
-              </a:ext>
-            </a:extLst>
-          </p:cNvPr>
-          <p:cNvGraphicFramePr>
-            <a:graphicFrameLocks noGrp="1"/>
-          </p:cNvGraphicFramePr>
-          <p:nvPr>
-            <p:ph idx="1"/>
-            <p:extLst>
-              <p:ext uri="{D42A27DB-BD31-4B8C-83A1-F6EECF244321}">
-                <p14:modId xmlns:p14="http://schemas.microsoft.com/office/powerpoint/2010/main" val="4109011606"/>
-              </p:ext>
-            </p:extLst>
-          </p:nvPr>
-        </p:nvGraphicFramePr>
-        <p:xfrm>
-          <a:off x="5267325" y="549275"/>
-          <a:ext cx="6373814" cy="5759450"/>
-        </p:xfrm>
-        <a:graphic>
-          <a:graphicData uri="http://schemas.openxmlformats.org/drawingml/2006/diagram">
-            <dgm:relIds xmlns:dgm="http://schemas.openxmlformats.org/drawingml/2006/diagram" xmlns:r="http://schemas.openxmlformats.org/officeDocument/2006/relationships" r:dm="rId2" r:lo="rId3" r:qs="rId4" r:cs="rId5"/>
-          </a:graphicData>
-        </a:graphic>
-      </p:graphicFrame>
-    </p:spTree>
-    <p:extLst>
-      <p:ext uri="{BB962C8B-B14F-4D97-AF65-F5344CB8AC3E}">
-        <p14:creationId xmlns:p14="http://schemas.microsoft.com/office/powerpoint/2010/main" val="830300705"/>
-      </p:ext>
-    </p:extLst>
-  </p:cSld>
-  <p:clrMapOvr>
-    <a:masterClrMapping/>
-  </p:clrMapOvr>
-</p:sld>
-</file>
-
-<file path=ppt/slides/slide3.xml><?xml version="1.0" encoding="utf-8"?>
 <p:sld xmlns:a="http://schemas.openxmlformats.org/drawingml/2006/main" xmlns:r="http://schemas.openxmlformats.org/officeDocument/2006/relationships" xmlns:p="http://schemas.openxmlformats.org/presentationml/2006/main">
   <p:cSld>
     <p:bg>
@@ -25483,7 +25516,7 @@
 </p:sld>
 </file>
 
-<file path=ppt/slides/slide4.xml><?xml version="1.0" encoding="utf-8"?>
+<file path=ppt/slides/slide3.xml><?xml version="1.0" encoding="utf-8"?>
 <p:sld xmlns:a="http://schemas.openxmlformats.org/drawingml/2006/main" xmlns:r="http://schemas.openxmlformats.org/officeDocument/2006/relationships" xmlns:p="http://schemas.openxmlformats.org/presentationml/2006/main">
   <p:cSld>
     <p:bg>
@@ -25721,6 +25754,253 @@
     <p:extLst>
       <p:ext uri="{BB962C8B-B14F-4D97-AF65-F5344CB8AC3E}">
         <p14:creationId xmlns:p14="http://schemas.microsoft.com/office/powerpoint/2010/main" val="833303891"/>
+      </p:ext>
+    </p:extLst>
+  </p:cSld>
+  <p:clrMapOvr>
+    <a:masterClrMapping/>
+  </p:clrMapOvr>
+</p:sld>
+</file>
+
+<file path=ppt/slides/slide4.xml><?xml version="1.0" encoding="utf-8"?>
+<p:sld xmlns:a="http://schemas.openxmlformats.org/drawingml/2006/main" xmlns:r="http://schemas.openxmlformats.org/officeDocument/2006/relationships" xmlns:p="http://schemas.openxmlformats.org/presentationml/2006/main">
+  <p:cSld>
+    <p:bg>
+      <p:bgPr>
+        <a:solidFill>
+          <a:schemeClr val="bg2"/>
+        </a:solidFill>
+        <a:effectLst/>
+      </p:bgPr>
+    </p:bg>
+    <p:spTree>
+      <p:nvGrpSpPr>
+        <p:cNvPr id="1" name=""/>
+        <p:cNvGrpSpPr/>
+        <p:nvPr/>
+      </p:nvGrpSpPr>
+      <p:grpSpPr>
+        <a:xfrm>
+          <a:off x="0" y="0"/>
+          <a:ext cx="0" cy="0"/>
+          <a:chOff x="0" y="0"/>
+          <a:chExt cx="0" cy="0"/>
+        </a:xfrm>
+      </p:grpSpPr>
+      <p:sp useBgFill="1">
+        <p:nvSpPr>
+          <p:cNvPr id="9" name="Rectangle 8">
+            <a:extLst>
+              <a:ext uri="{FF2B5EF4-FFF2-40B4-BE49-F238E27FC236}">
+                <a16:creationId xmlns:a16="http://schemas.microsoft.com/office/drawing/2014/main" id="{60B7752B-728D-4CA3-8923-C4F7F77029E3}"/>
+              </a:ext>
+              <a:ext uri="{C183D7F6-B498-43B3-948B-1728B52AA6E4}">
+                <adec:decorative xmlns:adec="http://schemas.microsoft.com/office/drawing/2017/decorative" val="1"/>
+              </a:ext>
+            </a:extLst>
+          </p:cNvPr>
+          <p:cNvSpPr>
+            <a:spLocks noGrp="1" noRot="1" noChangeAspect="1" noMove="1" noResize="1" noEditPoints="1" noAdjustHandles="1" noChangeArrowheads="1" noChangeShapeType="1" noTextEdit="1"/>
+          </p:cNvSpPr>
+          <p:nvPr>
+            <p:extLst>
+              <p:ext uri="{386F3935-93C4-4BCD-93E2-E3B085C9AB24}">
+                <p16:designElem xmlns:p16="http://schemas.microsoft.com/office/powerpoint/2015/main" val="1"/>
+              </p:ext>
+            </p:extLst>
+          </p:nvPr>
+        </p:nvSpPr>
+        <p:spPr>
+          <a:xfrm>
+            <a:off x="0" y="0"/>
+            <a:ext cx="12192000" cy="6858000"/>
+          </a:xfrm>
+          <a:prstGeom prst="rect">
+            <a:avLst/>
+          </a:prstGeom>
+          <a:ln w="12700" cap="flat" cmpd="sng" algn="ctr">
+            <a:noFill/>
+            <a:prstDash val="solid"/>
+            <a:miter lim="800000"/>
+          </a:ln>
+          <a:effectLst/>
+          <a:extLst>
+            <a:ext uri="{91240B29-F687-4F45-9708-019B960494DF}">
+              <a14:hiddenLine xmlns:a14="http://schemas.microsoft.com/office/drawing/2010/main" w="12700" cap="flat" cmpd="sng" algn="ctr">
+                <a:solidFill>
+                  <a:schemeClr val="accent1">
+                    <a:shade val="50000"/>
+                  </a:schemeClr>
+                </a:solidFill>
+                <a:prstDash val="solid"/>
+                <a:miter lim="800000"/>
+              </a14:hiddenLine>
+            </a:ext>
+          </a:extLst>
+        </p:spPr>
+        <p:style>
+          <a:lnRef idx="2">
+            <a:schemeClr val="accent1">
+              <a:shade val="50000"/>
+            </a:schemeClr>
+          </a:lnRef>
+          <a:fillRef idx="1">
+            <a:schemeClr val="accent1"/>
+          </a:fillRef>
+          <a:effectRef idx="0">
+            <a:schemeClr val="accent1"/>
+          </a:effectRef>
+          <a:fontRef idx="minor">
+            <a:schemeClr val="lt1"/>
+          </a:fontRef>
+        </p:style>
+        <p:txBody>
+          <a:bodyPr rtlCol="0" anchor="ctr"/>
+          <a:lstStyle/>
+          <a:p>
+            <a:pPr algn="ctr"/>
+            <a:endParaRPr lang="en-US"/>
+          </a:p>
+        </p:txBody>
+      </p:sp>
+      <p:sp>
+        <p:nvSpPr>
+          <p:cNvPr id="2" name="Title 1">
+            <a:extLst>
+              <a:ext uri="{FF2B5EF4-FFF2-40B4-BE49-F238E27FC236}">
+                <a16:creationId xmlns:a16="http://schemas.microsoft.com/office/drawing/2014/main" id="{3051DCD1-24CB-12F0-A88C-5E78009C6414}"/>
+              </a:ext>
+            </a:extLst>
+          </p:cNvPr>
+          <p:cNvSpPr>
+            <a:spLocks noGrp="1"/>
+          </p:cNvSpPr>
+          <p:nvPr>
+            <p:ph type="title"/>
+          </p:nvPr>
+        </p:nvSpPr>
+        <p:spPr>
+          <a:xfrm>
+            <a:off x="550863" y="549275"/>
+            <a:ext cx="3565525" cy="5543549"/>
+          </a:xfrm>
+        </p:spPr>
+        <p:txBody>
+          <a:bodyPr wrap="square" anchor="ctr">
+            <a:normAutofit/>
+          </a:bodyPr>
+          <a:lstStyle/>
+          <a:p>
+            <a:r>
+              <a:rPr lang="en-US" dirty="0"/>
+              <a:t>Objectives</a:t>
+            </a:r>
+          </a:p>
+        </p:txBody>
+      </p:sp>
+      <p:sp>
+        <p:nvSpPr>
+          <p:cNvPr id="11" name="Rectangle 10">
+            <a:extLst>
+              <a:ext uri="{FF2B5EF4-FFF2-40B4-BE49-F238E27FC236}">
+                <a16:creationId xmlns:a16="http://schemas.microsoft.com/office/drawing/2014/main" id="{429899A3-416E-4DB5-846D-023526052013}"/>
+              </a:ext>
+              <a:ext uri="{C183D7F6-B498-43B3-948B-1728B52AA6E4}">
+                <adec:decorative xmlns:adec="http://schemas.microsoft.com/office/drawing/2017/decorative" val="1"/>
+              </a:ext>
+            </a:extLst>
+          </p:cNvPr>
+          <p:cNvSpPr>
+            <a:spLocks noGrp="1" noRot="1" noChangeAspect="1" noMove="1" noResize="1" noEditPoints="1" noAdjustHandles="1" noChangeArrowheads="1" noChangeShapeType="1" noTextEdit="1"/>
+          </p:cNvSpPr>
+          <p:nvPr>
+            <p:extLst>
+              <p:ext uri="{386F3935-93C4-4BCD-93E2-E3B085C9AB24}">
+                <p16:designElem xmlns:p16="http://schemas.microsoft.com/office/powerpoint/2015/main" val="1"/>
+              </p:ext>
+            </p:extLst>
+          </p:nvPr>
+        </p:nvSpPr>
+        <p:spPr>
+          <a:xfrm>
+            <a:off x="4550899" y="0"/>
+            <a:ext cx="7641102" cy="6858000"/>
+          </a:xfrm>
+          <a:prstGeom prst="rect">
+            <a:avLst/>
+          </a:prstGeom>
+          <a:solidFill>
+            <a:schemeClr val="bg2">
+              <a:lumMod val="10000"/>
+              <a:lumOff val="90000"/>
+              <a:alpha val="5000"/>
+            </a:schemeClr>
+          </a:solidFill>
+          <a:ln>
+            <a:noFill/>
+          </a:ln>
+        </p:spPr>
+        <p:style>
+          <a:lnRef idx="2">
+            <a:schemeClr val="accent1">
+              <a:shade val="50000"/>
+            </a:schemeClr>
+          </a:lnRef>
+          <a:fillRef idx="1">
+            <a:schemeClr val="accent1"/>
+          </a:fillRef>
+          <a:effectRef idx="0">
+            <a:schemeClr val="accent1"/>
+          </a:effectRef>
+          <a:fontRef idx="minor">
+            <a:schemeClr val="lt1"/>
+          </a:fontRef>
+        </p:style>
+        <p:txBody>
+          <a:bodyPr rtlCol="0" anchor="ctr"/>
+          <a:lstStyle/>
+          <a:p>
+            <a:pPr algn="ctr"/>
+            <a:endParaRPr lang="en-US"/>
+          </a:p>
+        </p:txBody>
+      </p:sp>
+      <p:graphicFrame>
+        <p:nvGraphicFramePr>
+          <p:cNvPr id="5" name="Content Placeholder 2">
+            <a:extLst>
+              <a:ext uri="{FF2B5EF4-FFF2-40B4-BE49-F238E27FC236}">
+                <a16:creationId xmlns:a16="http://schemas.microsoft.com/office/drawing/2014/main" id="{0BFE9785-3598-4701-06E5-6A9D1E34D8DC}"/>
+              </a:ext>
+            </a:extLst>
+          </p:cNvPr>
+          <p:cNvGraphicFramePr>
+            <a:graphicFrameLocks noGrp="1"/>
+          </p:cNvGraphicFramePr>
+          <p:nvPr>
+            <p:ph idx="1"/>
+            <p:extLst>
+              <p:ext uri="{D42A27DB-BD31-4B8C-83A1-F6EECF244321}">
+                <p14:modId xmlns:p14="http://schemas.microsoft.com/office/powerpoint/2010/main" val="4109011606"/>
+              </p:ext>
+            </p:extLst>
+          </p:nvPr>
+        </p:nvGraphicFramePr>
+        <p:xfrm>
+          <a:off x="5267325" y="549275"/>
+          <a:ext cx="6373814" cy="5759450"/>
+        </p:xfrm>
+        <a:graphic>
+          <a:graphicData uri="http://schemas.openxmlformats.org/drawingml/2006/diagram">
+            <dgm:relIds xmlns:dgm="http://schemas.openxmlformats.org/drawingml/2006/diagram" xmlns:r="http://schemas.openxmlformats.org/officeDocument/2006/relationships" r:dm="rId2" r:lo="rId3" r:qs="rId4" r:cs="rId5"/>
+          </a:graphicData>
+        </a:graphic>
+      </p:graphicFrame>
+    </p:spTree>
+    <p:extLst>
+      <p:ext uri="{BB962C8B-B14F-4D97-AF65-F5344CB8AC3E}">
+        <p14:creationId xmlns:p14="http://schemas.microsoft.com/office/powerpoint/2010/main" val="830300705"/>
       </p:ext>
     </p:extLst>
   </p:cSld>
@@ -26196,7 +26476,7 @@
             <p:ph idx="1"/>
             <p:extLst>
               <p:ext uri="{D42A27DB-BD31-4B8C-83A1-F6EECF244321}">
-                <p14:modId xmlns:p14="http://schemas.microsoft.com/office/powerpoint/2010/main" val="3811140496"/>
+                <p14:modId xmlns:p14="http://schemas.microsoft.com/office/powerpoint/2010/main" val="148647406"/>
               </p:ext>
             </p:extLst>
           </p:nvPr>
@@ -26354,10 +26634,9 @@
           <a:lstStyle/>
           <a:p>
             <a:r>
-              <a:rPr lang="en-US"/>
-              <a:t>Proposed</a:t>
+              <a:rPr lang="en-US" dirty="0"/>
+              <a:t>Hybrid Proposed</a:t>
             </a:r>
-            <a:endParaRPr lang="en-US" dirty="0"/>
           </a:p>
         </p:txBody>
       </p:sp>
@@ -27090,10 +27369,16 @@
           <a:lstStyle/>
           <a:p>
             <a:r>
-              <a:rPr lang="en-US"/>
+              <a:rPr lang="en-US" dirty="0"/>
+              <a:t>Migration</a:t>
+            </a:r>
+            <a:br>
+              <a:rPr lang="en-US" dirty="0"/>
+            </a:br>
+            <a:r>
+              <a:rPr lang="en-US" dirty="0"/>
               <a:t>Road Map</a:t>
             </a:r>
-            <a:endParaRPr lang="en-US" dirty="0"/>
           </a:p>
         </p:txBody>
       </p:sp>
@@ -27199,6 +27484,1412 @@
     <p:extLst>
       <p:ext uri="{BB962C8B-B14F-4D97-AF65-F5344CB8AC3E}">
         <p14:creationId xmlns:p14="http://schemas.microsoft.com/office/powerpoint/2010/main" val="1570215784"/>
+      </p:ext>
+    </p:extLst>
+  </p:cSld>
+  <p:clrMapOvr>
+    <a:masterClrMapping/>
+  </p:clrMapOvr>
+</p:sld>
+</file>
+
+<file path=ppt/slides/slide9.xml><?xml version="1.0" encoding="utf-8"?>
+<p:sld xmlns:a="http://schemas.openxmlformats.org/drawingml/2006/main" xmlns:r="http://schemas.openxmlformats.org/officeDocument/2006/relationships" xmlns:p="http://schemas.openxmlformats.org/presentationml/2006/main">
+  <p:cSld>
+    <p:bg>
+      <p:bgPr>
+        <a:solidFill>
+          <a:schemeClr val="bg2"/>
+        </a:solidFill>
+        <a:effectLst/>
+      </p:bgPr>
+    </p:bg>
+    <p:spTree>
+      <p:nvGrpSpPr>
+        <p:cNvPr id="1" name=""/>
+        <p:cNvGrpSpPr/>
+        <p:nvPr/>
+      </p:nvGrpSpPr>
+      <p:grpSpPr>
+        <a:xfrm>
+          <a:off x="0" y="0"/>
+          <a:ext cx="0" cy="0"/>
+          <a:chOff x="0" y="0"/>
+          <a:chExt cx="0" cy="0"/>
+        </a:xfrm>
+      </p:grpSpPr>
+      <p:sp>
+        <p:nvSpPr>
+          <p:cNvPr id="7" name="Freeform: Shape 6">
+            <a:extLst>
+              <a:ext uri="{FF2B5EF4-FFF2-40B4-BE49-F238E27FC236}">
+                <a16:creationId xmlns:a16="http://schemas.microsoft.com/office/drawing/2014/main" id="{82184FF4-7029-4ED7-813A-192E60608764}"/>
+              </a:ext>
+              <a:ext uri="{C183D7F6-B498-43B3-948B-1728B52AA6E4}">
+                <adec:decorative xmlns:adec="http://schemas.microsoft.com/office/drawing/2017/decorative" val="1"/>
+              </a:ext>
+            </a:extLst>
+          </p:cNvPr>
+          <p:cNvSpPr>
+            <a:spLocks noGrp="1" noRot="1" noChangeAspect="1" noMove="1" noResize="1" noEditPoints="1" noAdjustHandles="1" noChangeArrowheads="1" noChangeShapeType="1" noTextEdit="1"/>
+          </p:cNvSpPr>
+          <p:nvPr>
+            <p:extLst>
+              <p:ext uri="{386F3935-93C4-4BCD-93E2-E3B085C9AB24}">
+                <p16:designElem xmlns:p16="http://schemas.microsoft.com/office/powerpoint/2015/main" val="1"/>
+              </p:ext>
+            </p:extLst>
+          </p:nvPr>
+        </p:nvSpPr>
+        <p:spPr>
+          <a:xfrm rot="2700000">
+            <a:off x="612445" y="481888"/>
+            <a:ext cx="1080000" cy="1262947"/>
+          </a:xfrm>
+          <a:custGeom>
+            <a:avLst/>
+            <a:gdLst/>
+            <a:ahLst/>
+            <a:cxnLst/>
+            <a:rect l="l" t="t" r="r" b="b"/>
+            <a:pathLst>
+              <a:path w="1080000" h="1262947">
+                <a:moveTo>
+                  <a:pt x="540000" y="0"/>
+                </a:moveTo>
+                <a:lnTo>
+                  <a:pt x="1064374" y="931034"/>
+                </a:lnTo>
+                <a:lnTo>
+                  <a:pt x="1069029" y="938533"/>
+                </a:lnTo>
+                <a:cubicBezTo>
+                  <a:pt x="1076223" y="956109"/>
+                  <a:pt x="1080000" y="974307"/>
+                  <a:pt x="1080000" y="992947"/>
+                </a:cubicBezTo>
+                <a:cubicBezTo>
+                  <a:pt x="1080000" y="1142064"/>
+                  <a:pt x="838234" y="1262947"/>
+                  <a:pt x="540000" y="1262947"/>
+                </a:cubicBezTo>
+                <a:cubicBezTo>
+                  <a:pt x="241766" y="1262947"/>
+                  <a:pt x="0" y="1142064"/>
+                  <a:pt x="0" y="992947"/>
+                </a:cubicBezTo>
+                <a:cubicBezTo>
+                  <a:pt x="0" y="974307"/>
+                  <a:pt x="3778" y="956109"/>
+                  <a:pt x="10971" y="938533"/>
+                </a:cubicBezTo>
+                <a:lnTo>
+                  <a:pt x="15626" y="931034"/>
+                </a:lnTo>
+                <a:lnTo>
+                  <a:pt x="540000" y="0"/>
+                </a:lnTo>
+                <a:close/>
+              </a:path>
+            </a:pathLst>
+          </a:custGeom>
+          <a:gradFill>
+            <a:gsLst>
+              <a:gs pos="60000">
+                <a:schemeClr val="bg2">
+                  <a:lumMod val="90000"/>
+                  <a:lumOff val="10000"/>
+                </a:schemeClr>
+              </a:gs>
+              <a:gs pos="30000">
+                <a:schemeClr val="bg2">
+                  <a:lumMod val="90000"/>
+                  <a:lumOff val="10000"/>
+                </a:schemeClr>
+              </a:gs>
+              <a:gs pos="40000">
+                <a:schemeClr val="bg2">
+                  <a:lumMod val="75000"/>
+                  <a:lumOff val="25000"/>
+                </a:schemeClr>
+              </a:gs>
+              <a:gs pos="100000">
+                <a:schemeClr val="bg2"/>
+              </a:gs>
+            </a:gsLst>
+            <a:lin ang="600000" scaled="0"/>
+          </a:gradFill>
+          <a:ln>
+            <a:noFill/>
+          </a:ln>
+          <a:effectLst>
+            <a:innerShdw blurRad="254000" dist="101600" dir="2700000">
+              <a:schemeClr val="accent1">
+                <a:lumMod val="60000"/>
+                <a:lumOff val="40000"/>
+                <a:alpha val="40000"/>
+              </a:schemeClr>
+            </a:innerShdw>
+          </a:effectLst>
+        </p:spPr>
+        <p:style>
+          <a:lnRef idx="2">
+            <a:schemeClr val="accent1">
+              <a:shade val="50000"/>
+            </a:schemeClr>
+          </a:lnRef>
+          <a:fillRef idx="1">
+            <a:schemeClr val="accent1"/>
+          </a:fillRef>
+          <a:effectRef idx="0">
+            <a:schemeClr val="accent1"/>
+          </a:effectRef>
+          <a:fontRef idx="minor">
+            <a:schemeClr val="lt1"/>
+          </a:fontRef>
+        </p:style>
+        <p:txBody>
+          <a:bodyPr rot="0" spcFirstLastPara="0" vertOverflow="overflow" horzOverflow="overflow" vert="horz" wrap="square" lIns="91440" tIns="45720" rIns="91440" bIns="45720" numCol="1" spcCol="0" rtlCol="0" fromWordArt="0" anchor="ctr" anchorCtr="0" forceAA="0" compatLnSpc="1">
+            <a:prstTxWarp prst="textNoShape">
+              <a:avLst/>
+            </a:prstTxWarp>
+            <a:noAutofit/>
+          </a:bodyPr>
+          <a:lstStyle/>
+          <a:p>
+            <a:pPr algn="ctr"/>
+            <a:endParaRPr lang="en-US"/>
+          </a:p>
+        </p:txBody>
+      </p:sp>
+      <p:sp>
+        <p:nvSpPr>
+          <p:cNvPr id="9" name="Oval 8">
+            <a:extLst>
+              <a:ext uri="{FF2B5EF4-FFF2-40B4-BE49-F238E27FC236}">
+                <a16:creationId xmlns:a16="http://schemas.microsoft.com/office/drawing/2014/main" id="{AAA7AB09-557C-41AD-9113-FF9F68FA1035}"/>
+              </a:ext>
+              <a:ext uri="{C183D7F6-B498-43B3-948B-1728B52AA6E4}">
+                <adec:decorative xmlns:adec="http://schemas.microsoft.com/office/drawing/2017/decorative" val="1"/>
+              </a:ext>
+            </a:extLst>
+          </p:cNvPr>
+          <p:cNvSpPr>
+            <a:spLocks noGrp="1" noRot="1" noChangeAspect="1" noMove="1" noResize="1" noEditPoints="1" noAdjustHandles="1" noChangeArrowheads="1" noChangeShapeType="1" noTextEdit="1"/>
+          </p:cNvSpPr>
+          <p:nvPr>
+            <p:extLst>
+              <p:ext uri="{386F3935-93C4-4BCD-93E2-E3B085C9AB24}">
+                <p16:designElem xmlns:p16="http://schemas.microsoft.com/office/powerpoint/2015/main" val="1"/>
+              </p:ext>
+            </p:extLst>
+          </p:nvPr>
+        </p:nvSpPr>
+        <p:spPr>
+          <a:xfrm rot="8100000">
+            <a:off x="626845" y="828962"/>
+            <a:ext cx="540000" cy="1080000"/>
+          </a:xfrm>
+          <a:prstGeom prst="ellipse">
+            <a:avLst/>
+          </a:prstGeom>
+          <a:gradFill>
+            <a:gsLst>
+              <a:gs pos="100000">
+                <a:schemeClr val="bg2">
+                  <a:lumMod val="90000"/>
+                  <a:lumOff val="10000"/>
+                </a:schemeClr>
+              </a:gs>
+              <a:gs pos="50000">
+                <a:schemeClr val="bg2">
+                  <a:lumMod val="95000"/>
+                  <a:lumOff val="5000"/>
+                </a:schemeClr>
+              </a:gs>
+            </a:gsLst>
+            <a:lin ang="5400000" scaled="0"/>
+          </a:gradFill>
+          <a:ln>
+            <a:noFill/>
+          </a:ln>
+          <a:effectLst>
+            <a:innerShdw blurRad="1270000" dist="2540000">
+              <a:schemeClr val="accent1">
+                <a:lumMod val="60000"/>
+                <a:lumOff val="40000"/>
+                <a:alpha val="0"/>
+              </a:schemeClr>
+            </a:innerShdw>
+          </a:effectLst>
+        </p:spPr>
+        <p:style>
+          <a:lnRef idx="2">
+            <a:schemeClr val="accent1">
+              <a:shade val="50000"/>
+            </a:schemeClr>
+          </a:lnRef>
+          <a:fillRef idx="1">
+            <a:schemeClr val="accent1"/>
+          </a:fillRef>
+          <a:effectRef idx="0">
+            <a:schemeClr val="accent1"/>
+          </a:effectRef>
+          <a:fontRef idx="minor">
+            <a:schemeClr val="lt1"/>
+          </a:fontRef>
+        </p:style>
+        <p:txBody>
+          <a:bodyPr rot="0" spcFirstLastPara="0" vertOverflow="overflow" horzOverflow="overflow" vert="horz" wrap="square" lIns="91440" tIns="45720" rIns="91440" bIns="45720" numCol="1" spcCol="0" rtlCol="0" fromWordArt="0" anchor="ctr" anchorCtr="0" forceAA="0" compatLnSpc="1">
+            <a:prstTxWarp prst="textNoShape">
+              <a:avLst/>
+            </a:prstTxWarp>
+            <a:noAutofit/>
+          </a:bodyPr>
+          <a:lstStyle/>
+          <a:p>
+            <a:pPr algn="ctr"/>
+            <a:endParaRPr lang="en-US"/>
+          </a:p>
+        </p:txBody>
+      </p:sp>
+      <p:sp>
+        <p:nvSpPr>
+          <p:cNvPr id="11" name="Oval 10">
+            <a:extLst>
+              <a:ext uri="{FF2B5EF4-FFF2-40B4-BE49-F238E27FC236}">
+                <a16:creationId xmlns:a16="http://schemas.microsoft.com/office/drawing/2014/main" id="{EF99ECAA-1F11-4937-BBA6-51935AB44C9D}"/>
+              </a:ext>
+              <a:ext uri="{C183D7F6-B498-43B3-948B-1728B52AA6E4}">
+                <adec:decorative xmlns:adec="http://schemas.microsoft.com/office/drawing/2017/decorative" val="1"/>
+              </a:ext>
+            </a:extLst>
+          </p:cNvPr>
+          <p:cNvSpPr>
+            <a:spLocks noGrp="1" noRot="1" noChangeAspect="1" noMove="1" noResize="1" noEditPoints="1" noAdjustHandles="1" noChangeArrowheads="1" noChangeShapeType="1" noTextEdit="1"/>
+          </p:cNvSpPr>
+          <p:nvPr>
+            <p:extLst>
+              <p:ext uri="{386F3935-93C4-4BCD-93E2-E3B085C9AB24}">
+                <p16:designElem xmlns:p16="http://schemas.microsoft.com/office/powerpoint/2015/main" val="1"/>
+              </p:ext>
+            </p:extLst>
+          </p:nvPr>
+        </p:nvSpPr>
+        <p:spPr>
+          <a:xfrm>
+            <a:off x="1800802" y="2472855"/>
+            <a:ext cx="360000" cy="360000"/>
+          </a:xfrm>
+          <a:prstGeom prst="ellipse">
+            <a:avLst/>
+          </a:prstGeom>
+          <a:gradFill flip="none" rotWithShape="1">
+            <a:gsLst>
+              <a:gs pos="100000">
+                <a:schemeClr val="bg2">
+                  <a:lumMod val="50000"/>
+                  <a:lumOff val="50000"/>
+                </a:schemeClr>
+              </a:gs>
+              <a:gs pos="60000">
+                <a:schemeClr val="bg2"/>
+              </a:gs>
+            </a:gsLst>
+            <a:path path="circle">
+              <a:fillToRect l="100000" b="100000"/>
+            </a:path>
+            <a:tileRect t="-100000" r="-100000"/>
+          </a:gradFill>
+          <a:ln>
+            <a:noFill/>
+          </a:ln>
+          <a:effectLst>
+            <a:innerShdw blurRad="127000" dist="63500" dir="2700000">
+              <a:schemeClr val="accent1">
+                <a:lumMod val="60000"/>
+                <a:lumOff val="40000"/>
+                <a:alpha val="20000"/>
+              </a:schemeClr>
+            </a:innerShdw>
+            <a:softEdge rad="0"/>
+          </a:effectLst>
+        </p:spPr>
+        <p:style>
+          <a:lnRef idx="2">
+            <a:schemeClr val="accent1">
+              <a:shade val="50000"/>
+            </a:schemeClr>
+          </a:lnRef>
+          <a:fillRef idx="1">
+            <a:schemeClr val="accent1"/>
+          </a:fillRef>
+          <a:effectRef idx="0">
+            <a:schemeClr val="accent1"/>
+          </a:effectRef>
+          <a:fontRef idx="minor">
+            <a:schemeClr val="lt1"/>
+          </a:fontRef>
+        </p:style>
+        <p:txBody>
+          <a:bodyPr rot="0" spcFirstLastPara="0" vertOverflow="overflow" horzOverflow="overflow" vert="horz" wrap="square" lIns="91440" tIns="45720" rIns="91440" bIns="45720" numCol="1" spcCol="0" rtlCol="0" fromWordArt="0" anchor="ctr" anchorCtr="0" forceAA="0" compatLnSpc="1">
+            <a:prstTxWarp prst="textNoShape">
+              <a:avLst/>
+            </a:prstTxWarp>
+            <a:noAutofit/>
+          </a:bodyPr>
+          <a:lstStyle/>
+          <a:p>
+            <a:pPr algn="ctr"/>
+            <a:endParaRPr lang="en-US"/>
+          </a:p>
+        </p:txBody>
+      </p:sp>
+      <p:grpSp>
+        <p:nvGrpSpPr>
+          <p:cNvPr id="13" name="Group 12">
+            <a:extLst>
+              <a:ext uri="{FF2B5EF4-FFF2-40B4-BE49-F238E27FC236}">
+                <a16:creationId xmlns:a16="http://schemas.microsoft.com/office/drawing/2014/main" id="{79DE9FAB-6BBA-4CFE-B67D-77B47F01ECA4}"/>
+              </a:ext>
+              <a:ext uri="{C183D7F6-B498-43B3-948B-1728B52AA6E4}">
+                <adec:decorative xmlns:adec="http://schemas.microsoft.com/office/drawing/2017/decorative" val="1"/>
+              </a:ext>
+            </a:extLst>
+          </p:cNvPr>
+          <p:cNvGrpSpPr>
+            <a:grpSpLocks noGrp="1" noUngrp="1" noRot="1" noChangeAspect="1" noMove="1" noResize="1"/>
+          </p:cNvGrpSpPr>
+          <p:nvPr>
+            <p:extLst>
+              <p:ext uri="{386F3935-93C4-4BCD-93E2-E3B085C9AB24}">
+                <p16:designElem xmlns:p16="http://schemas.microsoft.com/office/powerpoint/2015/main" val="1"/>
+              </p:ext>
+            </p:extLst>
+          </p:nvPr>
+        </p:nvGrpSpPr>
+        <p:grpSpPr>
+          <a:xfrm>
+            <a:off x="1329952" y="4524379"/>
+            <a:ext cx="1980001" cy="1363916"/>
+            <a:chOff x="4879602" y="3781429"/>
+            <a:chExt cx="1980001" cy="1363916"/>
+          </a:xfrm>
+        </p:grpSpPr>
+        <p:sp>
+          <p:nvSpPr>
+            <p:cNvPr id="14" name="Freeform: Shape 13">
+              <a:extLst>
+                <a:ext uri="{FF2B5EF4-FFF2-40B4-BE49-F238E27FC236}">
+                  <a16:creationId xmlns:a16="http://schemas.microsoft.com/office/drawing/2014/main" id="{79FAC916-D9BB-4794-81B4-7C47C67E850D}"/>
+                </a:ext>
+                <a:ext uri="{C183D7F6-B498-43B3-948B-1728B52AA6E4}">
+                  <adec:decorative xmlns:adec="http://schemas.microsoft.com/office/drawing/2017/decorative" val="1"/>
+                </a:ext>
+              </a:extLst>
+            </p:cNvPr>
+            <p:cNvSpPr>
+              <a:spLocks noChangeAspect="1"/>
+            </p:cNvSpPr>
+            <p:nvPr>
+              <p:extLst>
+                <p:ext uri="{386F3935-93C4-4BCD-93E2-E3B085C9AB24}">
+                  <p16:designElem xmlns:p16="http://schemas.microsoft.com/office/powerpoint/2015/main" val="1"/>
+                </p:ext>
+              </p:extLst>
+            </p:nvPr>
+          </p:nvSpPr>
+          <p:spPr>
+            <a:xfrm rot="18900000" flipV="1">
+              <a:off x="5005634" y="4191206"/>
+              <a:ext cx="1853969" cy="926985"/>
+            </a:xfrm>
+            <a:custGeom>
+              <a:avLst/>
+              <a:gdLst>
+                <a:gd name="connsiteX0" fmla="*/ 1329373 w 2658746"/>
+                <a:gd name="connsiteY0" fmla="*/ 0 h 1329373"/>
+                <a:gd name="connsiteX1" fmla="*/ 2658746 w 2658746"/>
+                <a:gd name="connsiteY1" fmla="*/ 1329373 h 1329373"/>
+                <a:gd name="connsiteX2" fmla="*/ 1994059 w 2658746"/>
+                <a:gd name="connsiteY2" fmla="*/ 1329373 h 1329373"/>
+                <a:gd name="connsiteX3" fmla="*/ 1329373 w 2658746"/>
+                <a:gd name="connsiteY3" fmla="*/ 664687 h 1329373"/>
+                <a:gd name="connsiteX4" fmla="*/ 664687 w 2658746"/>
+                <a:gd name="connsiteY4" fmla="*/ 1329373 h 1329373"/>
+                <a:gd name="connsiteX5" fmla="*/ 0 w 2658746"/>
+                <a:gd name="connsiteY5" fmla="*/ 1329373 h 1329373"/>
+                <a:gd name="connsiteX6" fmla="*/ 1329373 w 2658746"/>
+                <a:gd name="connsiteY6" fmla="*/ 0 h 1329373"/>
+              </a:gdLst>
+              <a:ahLst/>
+              <a:cxnLst>
+                <a:cxn ang="0">
+                  <a:pos x="connsiteX0" y="connsiteY0"/>
+                </a:cxn>
+                <a:cxn ang="0">
+                  <a:pos x="connsiteX1" y="connsiteY1"/>
+                </a:cxn>
+                <a:cxn ang="0">
+                  <a:pos x="connsiteX2" y="connsiteY2"/>
+                </a:cxn>
+                <a:cxn ang="0">
+                  <a:pos x="connsiteX3" y="connsiteY3"/>
+                </a:cxn>
+                <a:cxn ang="0">
+                  <a:pos x="connsiteX4" y="connsiteY4"/>
+                </a:cxn>
+                <a:cxn ang="0">
+                  <a:pos x="connsiteX5" y="connsiteY5"/>
+                </a:cxn>
+                <a:cxn ang="0">
+                  <a:pos x="connsiteX6" y="connsiteY6"/>
+                </a:cxn>
+              </a:cxnLst>
+              <a:rect l="l" t="t" r="r" b="b"/>
+              <a:pathLst>
+                <a:path w="2658746" h="1329373">
+                  <a:moveTo>
+                    <a:pt x="1329373" y="0"/>
+                  </a:moveTo>
+                  <a:cubicBezTo>
+                    <a:pt x="2063565" y="0"/>
+                    <a:pt x="2658746" y="595181"/>
+                    <a:pt x="2658746" y="1329373"/>
+                  </a:cubicBezTo>
+                  <a:lnTo>
+                    <a:pt x="1994059" y="1329373"/>
+                  </a:lnTo>
+                  <a:cubicBezTo>
+                    <a:pt x="1994059" y="962277"/>
+                    <a:pt x="1696469" y="664687"/>
+                    <a:pt x="1329373" y="664687"/>
+                  </a:cubicBezTo>
+                  <a:cubicBezTo>
+                    <a:pt x="962277" y="664687"/>
+                    <a:pt x="664687" y="962277"/>
+                    <a:pt x="664687" y="1329373"/>
+                  </a:cubicBezTo>
+                  <a:lnTo>
+                    <a:pt x="0" y="1329373"/>
+                  </a:lnTo>
+                  <a:cubicBezTo>
+                    <a:pt x="0" y="595181"/>
+                    <a:pt x="595181" y="0"/>
+                    <a:pt x="1329373" y="0"/>
+                  </a:cubicBezTo>
+                  <a:close/>
+                </a:path>
+              </a:pathLst>
+            </a:custGeom>
+            <a:solidFill>
+              <a:schemeClr val="bg2"/>
+            </a:solidFill>
+            <a:ln>
+              <a:noFill/>
+            </a:ln>
+            <a:effectLst>
+              <a:innerShdw blurRad="254000" dist="50800" dir="16200000">
+                <a:schemeClr val="accent1">
+                  <a:lumMod val="40000"/>
+                  <a:lumOff val="60000"/>
+                  <a:alpha val="40000"/>
+                </a:schemeClr>
+              </a:innerShdw>
+            </a:effectLst>
+          </p:spPr>
+          <p:style>
+            <a:lnRef idx="2">
+              <a:schemeClr val="accent1">
+                <a:shade val="50000"/>
+              </a:schemeClr>
+            </a:lnRef>
+            <a:fillRef idx="1">
+              <a:schemeClr val="accent1"/>
+            </a:fillRef>
+            <a:effectRef idx="0">
+              <a:schemeClr val="accent1"/>
+            </a:effectRef>
+            <a:fontRef idx="minor">
+              <a:schemeClr val="lt1"/>
+            </a:fontRef>
+          </p:style>
+          <p:txBody>
+            <a:bodyPr rtlCol="0" anchor="ctr"/>
+            <a:lstStyle/>
+            <a:p>
+              <a:pPr algn="ctr"/>
+              <a:endParaRPr lang="en-US" dirty="0"/>
+            </a:p>
+          </p:txBody>
+        </p:sp>
+        <p:sp>
+          <p:nvSpPr>
+            <p:cNvPr id="15" name="Freeform: Shape 14">
+              <a:extLst>
+                <a:ext uri="{FF2B5EF4-FFF2-40B4-BE49-F238E27FC236}">
+                  <a16:creationId xmlns:a16="http://schemas.microsoft.com/office/drawing/2014/main" id="{B5CA2231-7A65-4D16-8400-A210CC41DB73}"/>
+                </a:ext>
+                <a:ext uri="{C183D7F6-B498-43B3-948B-1728B52AA6E4}">
+                  <adec:decorative xmlns:adec="http://schemas.microsoft.com/office/drawing/2017/decorative" val="1"/>
+                </a:ext>
+              </a:extLst>
+            </p:cNvPr>
+            <p:cNvSpPr>
+              <a:spLocks noChangeAspect="1"/>
+            </p:cNvSpPr>
+            <p:nvPr>
+              <p:extLst>
+                <p:ext uri="{386F3935-93C4-4BCD-93E2-E3B085C9AB24}">
+                  <p16:designElem xmlns:p16="http://schemas.microsoft.com/office/powerpoint/2015/main" val="1"/>
+                </p:ext>
+              </p:extLst>
+            </p:nvPr>
+          </p:nvSpPr>
+          <p:spPr>
+            <a:xfrm rot="18900000" flipV="1">
+              <a:off x="4957101" y="4052255"/>
+              <a:ext cx="1853969" cy="1093090"/>
+            </a:xfrm>
+            <a:custGeom>
+              <a:avLst/>
+              <a:gdLst>
+                <a:gd name="connsiteX0" fmla="*/ 1329373 w 2658746"/>
+                <a:gd name="connsiteY0" fmla="*/ 0 h 1329373"/>
+                <a:gd name="connsiteX1" fmla="*/ 2658746 w 2658746"/>
+                <a:gd name="connsiteY1" fmla="*/ 1329373 h 1329373"/>
+                <a:gd name="connsiteX2" fmla="*/ 1994059 w 2658746"/>
+                <a:gd name="connsiteY2" fmla="*/ 1329373 h 1329373"/>
+                <a:gd name="connsiteX3" fmla="*/ 1329373 w 2658746"/>
+                <a:gd name="connsiteY3" fmla="*/ 664687 h 1329373"/>
+                <a:gd name="connsiteX4" fmla="*/ 664687 w 2658746"/>
+                <a:gd name="connsiteY4" fmla="*/ 1329373 h 1329373"/>
+                <a:gd name="connsiteX5" fmla="*/ 0 w 2658746"/>
+                <a:gd name="connsiteY5" fmla="*/ 1329373 h 1329373"/>
+                <a:gd name="connsiteX6" fmla="*/ 1329373 w 2658746"/>
+                <a:gd name="connsiteY6" fmla="*/ 0 h 1329373"/>
+              </a:gdLst>
+              <a:ahLst/>
+              <a:cxnLst>
+                <a:cxn ang="0">
+                  <a:pos x="connsiteX0" y="connsiteY0"/>
+                </a:cxn>
+                <a:cxn ang="0">
+                  <a:pos x="connsiteX1" y="connsiteY1"/>
+                </a:cxn>
+                <a:cxn ang="0">
+                  <a:pos x="connsiteX2" y="connsiteY2"/>
+                </a:cxn>
+                <a:cxn ang="0">
+                  <a:pos x="connsiteX3" y="connsiteY3"/>
+                </a:cxn>
+                <a:cxn ang="0">
+                  <a:pos x="connsiteX4" y="connsiteY4"/>
+                </a:cxn>
+                <a:cxn ang="0">
+                  <a:pos x="connsiteX5" y="connsiteY5"/>
+                </a:cxn>
+                <a:cxn ang="0">
+                  <a:pos x="connsiteX6" y="connsiteY6"/>
+                </a:cxn>
+              </a:cxnLst>
+              <a:rect l="l" t="t" r="r" b="b"/>
+              <a:pathLst>
+                <a:path w="2658746" h="1329373">
+                  <a:moveTo>
+                    <a:pt x="1329373" y="0"/>
+                  </a:moveTo>
+                  <a:cubicBezTo>
+                    <a:pt x="2063565" y="0"/>
+                    <a:pt x="2658746" y="595181"/>
+                    <a:pt x="2658746" y="1329373"/>
+                  </a:cubicBezTo>
+                  <a:lnTo>
+                    <a:pt x="1994059" y="1329373"/>
+                  </a:lnTo>
+                  <a:cubicBezTo>
+                    <a:pt x="1994059" y="962277"/>
+                    <a:pt x="1696469" y="664687"/>
+                    <a:pt x="1329373" y="664687"/>
+                  </a:cubicBezTo>
+                  <a:cubicBezTo>
+                    <a:pt x="962277" y="664687"/>
+                    <a:pt x="664687" y="962277"/>
+                    <a:pt x="664687" y="1329373"/>
+                  </a:cubicBezTo>
+                  <a:lnTo>
+                    <a:pt x="0" y="1329373"/>
+                  </a:lnTo>
+                  <a:cubicBezTo>
+                    <a:pt x="0" y="595181"/>
+                    <a:pt x="595181" y="0"/>
+                    <a:pt x="1329373" y="0"/>
+                  </a:cubicBezTo>
+                  <a:close/>
+                </a:path>
+              </a:pathLst>
+            </a:custGeom>
+            <a:solidFill>
+              <a:schemeClr val="bg2">
+                <a:lumMod val="50000"/>
+                <a:lumOff val="50000"/>
+                <a:alpha val="40000"/>
+              </a:schemeClr>
+            </a:solidFill>
+            <a:ln>
+              <a:noFill/>
+            </a:ln>
+            <a:effectLst>
+              <a:softEdge rad="190500"/>
+            </a:effectLst>
+          </p:spPr>
+          <p:style>
+            <a:lnRef idx="2">
+              <a:schemeClr val="accent1">
+                <a:shade val="50000"/>
+              </a:schemeClr>
+            </a:lnRef>
+            <a:fillRef idx="1">
+              <a:schemeClr val="accent1"/>
+            </a:fillRef>
+            <a:effectRef idx="0">
+              <a:schemeClr val="accent1"/>
+            </a:effectRef>
+            <a:fontRef idx="minor">
+              <a:schemeClr val="lt1"/>
+            </a:fontRef>
+          </p:style>
+          <p:txBody>
+            <a:bodyPr rtlCol="0" anchor="ctr"/>
+            <a:lstStyle/>
+            <a:p>
+              <a:pPr algn="ctr"/>
+              <a:endParaRPr lang="en-US" dirty="0">
+                <a:solidFill>
+                  <a:schemeClr val="tx1"/>
+                </a:solidFill>
+              </a:endParaRPr>
+            </a:p>
+          </p:txBody>
+        </p:sp>
+        <p:sp>
+          <p:nvSpPr>
+            <p:cNvPr id="16" name="Oval 15">
+              <a:extLst>
+                <a:ext uri="{FF2B5EF4-FFF2-40B4-BE49-F238E27FC236}">
+                  <a16:creationId xmlns:a16="http://schemas.microsoft.com/office/drawing/2014/main" id="{4B089C8C-B82B-4704-88E2-E857A5E21529}"/>
+                </a:ext>
+                <a:ext uri="{C183D7F6-B498-43B3-948B-1728B52AA6E4}">
+                  <adec:decorative xmlns:adec="http://schemas.microsoft.com/office/drawing/2017/decorative" val="1"/>
+                </a:ext>
+              </a:extLst>
+            </p:cNvPr>
+            <p:cNvSpPr/>
+            <p:nvPr>
+              <p:extLst>
+                <p:ext uri="{386F3935-93C4-4BCD-93E2-E3B085C9AB24}">
+                  <p16:designElem xmlns:p16="http://schemas.microsoft.com/office/powerpoint/2015/main" val="1"/>
+                </p:ext>
+              </p:extLst>
+            </p:nvPr>
+          </p:nvSpPr>
+          <p:spPr>
+            <a:xfrm rot="13500000" flipV="1">
+              <a:off x="6040374" y="3601683"/>
+              <a:ext cx="107098" cy="466589"/>
+            </a:xfrm>
+            <a:prstGeom prst="ellipse">
+              <a:avLst/>
+            </a:prstGeom>
+            <a:solidFill>
+              <a:schemeClr val="bg2">
+                <a:lumMod val="90000"/>
+                <a:lumOff val="10000"/>
+              </a:schemeClr>
+            </a:solidFill>
+            <a:ln>
+              <a:noFill/>
+            </a:ln>
+            <a:effectLst>
+              <a:innerShdw blurRad="63500" dist="2540000">
+                <a:schemeClr val="accent1">
+                  <a:lumMod val="60000"/>
+                  <a:lumOff val="40000"/>
+                  <a:alpha val="0"/>
+                </a:schemeClr>
+              </a:innerShdw>
+            </a:effectLst>
+          </p:spPr>
+          <p:style>
+            <a:lnRef idx="2">
+              <a:schemeClr val="accent1">
+                <a:shade val="50000"/>
+              </a:schemeClr>
+            </a:lnRef>
+            <a:fillRef idx="1">
+              <a:schemeClr val="accent1"/>
+            </a:fillRef>
+            <a:effectRef idx="0">
+              <a:schemeClr val="accent1"/>
+            </a:effectRef>
+            <a:fontRef idx="minor">
+              <a:schemeClr val="lt1"/>
+            </a:fontRef>
+          </p:style>
+          <p:txBody>
+            <a:bodyPr rot="0" spcFirstLastPara="0" vertOverflow="overflow" horzOverflow="overflow" vert="horz" wrap="square" lIns="91440" tIns="45720" rIns="91440" bIns="45720" numCol="1" spcCol="0" rtlCol="0" fromWordArt="0" anchor="ctr" anchorCtr="0" forceAA="0" compatLnSpc="1">
+              <a:prstTxWarp prst="textNoShape">
+                <a:avLst/>
+              </a:prstTxWarp>
+              <a:noAutofit/>
+            </a:bodyPr>
+            <a:lstStyle/>
+            <a:p>
+              <a:pPr algn="ctr"/>
+              <a:endParaRPr lang="en-US"/>
+            </a:p>
+          </p:txBody>
+        </p:sp>
+        <p:sp>
+          <p:nvSpPr>
+            <p:cNvPr id="17" name="Oval 16">
+              <a:extLst>
+                <a:ext uri="{FF2B5EF4-FFF2-40B4-BE49-F238E27FC236}">
+                  <a16:creationId xmlns:a16="http://schemas.microsoft.com/office/drawing/2014/main" id="{434B90C8-5B4D-456E-AD99-80EF748FDD72}"/>
+                </a:ext>
+                <a:ext uri="{C183D7F6-B498-43B3-948B-1728B52AA6E4}">
+                  <adec:decorative xmlns:adec="http://schemas.microsoft.com/office/drawing/2017/decorative" val="1"/>
+                </a:ext>
+              </a:extLst>
+            </p:cNvPr>
+            <p:cNvSpPr/>
+            <p:nvPr>
+              <p:extLst>
+                <p:ext uri="{386F3935-93C4-4BCD-93E2-E3B085C9AB24}">
+                  <p16:designElem xmlns:p16="http://schemas.microsoft.com/office/powerpoint/2015/main" val="1"/>
+                </p:ext>
+              </p:extLst>
+            </p:nvPr>
+          </p:nvSpPr>
+          <p:spPr>
+            <a:xfrm rot="13500000" flipV="1">
+              <a:off x="5059348" y="4582709"/>
+              <a:ext cx="107098" cy="466589"/>
+            </a:xfrm>
+            <a:prstGeom prst="ellipse">
+              <a:avLst/>
+            </a:prstGeom>
+            <a:solidFill>
+              <a:schemeClr val="bg2">
+                <a:lumMod val="90000"/>
+                <a:lumOff val="10000"/>
+              </a:schemeClr>
+            </a:solidFill>
+            <a:ln>
+              <a:noFill/>
+            </a:ln>
+            <a:effectLst>
+              <a:innerShdw blurRad="63500" dist="2540000">
+                <a:schemeClr val="accent1">
+                  <a:lumMod val="60000"/>
+                  <a:lumOff val="40000"/>
+                  <a:alpha val="0"/>
+                </a:schemeClr>
+              </a:innerShdw>
+            </a:effectLst>
+          </p:spPr>
+          <p:style>
+            <a:lnRef idx="2">
+              <a:schemeClr val="accent1">
+                <a:shade val="50000"/>
+              </a:schemeClr>
+            </a:lnRef>
+            <a:fillRef idx="1">
+              <a:schemeClr val="accent1"/>
+            </a:fillRef>
+            <a:effectRef idx="0">
+              <a:schemeClr val="accent1"/>
+            </a:effectRef>
+            <a:fontRef idx="minor">
+              <a:schemeClr val="lt1"/>
+            </a:fontRef>
+          </p:style>
+          <p:txBody>
+            <a:bodyPr rot="0" spcFirstLastPara="0" vertOverflow="overflow" horzOverflow="overflow" vert="horz" wrap="square" lIns="91440" tIns="45720" rIns="91440" bIns="45720" numCol="1" spcCol="0" rtlCol="0" fromWordArt="0" anchor="ctr" anchorCtr="0" forceAA="0" compatLnSpc="1">
+              <a:prstTxWarp prst="textNoShape">
+                <a:avLst/>
+              </a:prstTxWarp>
+              <a:noAutofit/>
+            </a:bodyPr>
+            <a:lstStyle/>
+            <a:p>
+              <a:pPr algn="ctr"/>
+              <a:endParaRPr lang="en-US"/>
+            </a:p>
+          </p:txBody>
+        </p:sp>
+      </p:grpSp>
+      <p:sp useBgFill="1">
+        <p:nvSpPr>
+          <p:cNvPr id="19" name="Rectangle 18">
+            <a:extLst>
+              <a:ext uri="{FF2B5EF4-FFF2-40B4-BE49-F238E27FC236}">
+                <a16:creationId xmlns:a16="http://schemas.microsoft.com/office/drawing/2014/main" id="{940082A1-24A5-4276-83A4-39E993BD691B}"/>
+              </a:ext>
+              <a:ext uri="{C183D7F6-B498-43B3-948B-1728B52AA6E4}">
+                <adec:decorative xmlns:adec="http://schemas.microsoft.com/office/drawing/2017/decorative" val="1"/>
+              </a:ext>
+            </a:extLst>
+          </p:cNvPr>
+          <p:cNvSpPr>
+            <a:spLocks noGrp="1" noRot="1" noChangeAspect="1" noMove="1" noResize="1" noEditPoints="1" noAdjustHandles="1" noChangeArrowheads="1" noChangeShapeType="1" noTextEdit="1"/>
+          </p:cNvSpPr>
+          <p:nvPr>
+            <p:extLst>
+              <p:ext uri="{386F3935-93C4-4BCD-93E2-E3B085C9AB24}">
+                <p16:designElem xmlns:p16="http://schemas.microsoft.com/office/powerpoint/2015/main" val="1"/>
+              </p:ext>
+            </p:extLst>
+          </p:nvPr>
+        </p:nvSpPr>
+        <p:spPr>
+          <a:xfrm>
+            <a:off x="0" y="0"/>
+            <a:ext cx="12192000" cy="6858000"/>
+          </a:xfrm>
+          <a:prstGeom prst="rect">
+            <a:avLst/>
+          </a:prstGeom>
+          <a:ln w="12700" cap="flat" cmpd="sng" algn="ctr">
+            <a:noFill/>
+            <a:prstDash val="solid"/>
+            <a:miter lim="800000"/>
+          </a:ln>
+          <a:effectLst/>
+          <a:extLst>
+            <a:ext uri="{91240B29-F687-4F45-9708-019B960494DF}">
+              <a14:hiddenLine xmlns:a14="http://schemas.microsoft.com/office/drawing/2010/main" w="12700" cap="flat" cmpd="sng" algn="ctr">
+                <a:solidFill>
+                  <a:schemeClr val="accent1">
+                    <a:shade val="50000"/>
+                  </a:schemeClr>
+                </a:solidFill>
+                <a:prstDash val="solid"/>
+                <a:miter lim="800000"/>
+              </a14:hiddenLine>
+            </a:ext>
+          </a:extLst>
+        </p:spPr>
+        <p:style>
+          <a:lnRef idx="2">
+            <a:schemeClr val="accent1">
+              <a:shade val="50000"/>
+            </a:schemeClr>
+          </a:lnRef>
+          <a:fillRef idx="1">
+            <a:schemeClr val="accent1"/>
+          </a:fillRef>
+          <a:effectRef idx="0">
+            <a:schemeClr val="accent1"/>
+          </a:effectRef>
+          <a:fontRef idx="minor">
+            <a:schemeClr val="lt1"/>
+          </a:fontRef>
+        </p:style>
+        <p:txBody>
+          <a:bodyPr rtlCol="0" anchor="ctr"/>
+          <a:lstStyle/>
+          <a:p>
+            <a:pPr algn="ctr"/>
+            <a:endParaRPr lang="en-US"/>
+          </a:p>
+        </p:txBody>
+      </p:sp>
+      <p:sp>
+        <p:nvSpPr>
+          <p:cNvPr id="21" name="Oval 20">
+            <a:extLst>
+              <a:ext uri="{FF2B5EF4-FFF2-40B4-BE49-F238E27FC236}">
+                <a16:creationId xmlns:a16="http://schemas.microsoft.com/office/drawing/2014/main" id="{6D840B21-A957-4CFE-AA5B-9711DF6D3305}"/>
+              </a:ext>
+              <a:ext uri="{C183D7F6-B498-43B3-948B-1728B52AA6E4}">
+                <adec:decorative xmlns:adec="http://schemas.microsoft.com/office/drawing/2017/decorative" val="1"/>
+              </a:ext>
+            </a:extLst>
+          </p:cNvPr>
+          <p:cNvSpPr>
+            <a:spLocks noGrp="1" noRot="1" noChangeAspect="1" noMove="1" noResize="1" noEditPoints="1" noAdjustHandles="1" noChangeArrowheads="1" noChangeShapeType="1" noTextEdit="1"/>
+          </p:cNvSpPr>
+          <p:nvPr>
+            <p:extLst>
+              <p:ext uri="{386F3935-93C4-4BCD-93E2-E3B085C9AB24}">
+                <p16:designElem xmlns:p16="http://schemas.microsoft.com/office/powerpoint/2015/main" val="1"/>
+              </p:ext>
+            </p:extLst>
+          </p:nvPr>
+        </p:nvSpPr>
+        <p:spPr>
+          <a:xfrm>
+            <a:off x="10255000" y="3972259"/>
+            <a:ext cx="1080000" cy="1080000"/>
+          </a:xfrm>
+          <a:prstGeom prst="ellipse">
+            <a:avLst/>
+          </a:prstGeom>
+          <a:gradFill flip="none" rotWithShape="1">
+            <a:gsLst>
+              <a:gs pos="100000">
+                <a:schemeClr val="bg2">
+                  <a:lumMod val="50000"/>
+                  <a:lumOff val="50000"/>
+                </a:schemeClr>
+              </a:gs>
+              <a:gs pos="60000">
+                <a:schemeClr val="bg2">
+                  <a:lumMod val="100000"/>
+                </a:schemeClr>
+              </a:gs>
+            </a:gsLst>
+            <a:path path="circle">
+              <a:fillToRect l="100000" b="100000"/>
+            </a:path>
+            <a:tileRect t="-100000" r="-100000"/>
+          </a:gradFill>
+          <a:ln>
+            <a:noFill/>
+          </a:ln>
+          <a:effectLst>
+            <a:innerShdw blurRad="254000" dist="127000" dir="2700000">
+              <a:schemeClr val="accent1">
+                <a:lumMod val="60000"/>
+                <a:lumOff val="40000"/>
+                <a:alpha val="40000"/>
+              </a:schemeClr>
+            </a:innerShdw>
+            <a:softEdge rad="0"/>
+          </a:effectLst>
+        </p:spPr>
+        <p:style>
+          <a:lnRef idx="2">
+            <a:schemeClr val="accent1">
+              <a:shade val="50000"/>
+            </a:schemeClr>
+          </a:lnRef>
+          <a:fillRef idx="1">
+            <a:schemeClr val="accent1"/>
+          </a:fillRef>
+          <a:effectRef idx="0">
+            <a:schemeClr val="accent1"/>
+          </a:effectRef>
+          <a:fontRef idx="minor">
+            <a:schemeClr val="lt1"/>
+          </a:fontRef>
+        </p:style>
+        <p:txBody>
+          <a:bodyPr rot="0" spcFirstLastPara="0" vertOverflow="overflow" horzOverflow="overflow" vert="horz" wrap="square" lIns="91440" tIns="45720" rIns="91440" bIns="45720" numCol="1" spcCol="0" rtlCol="0" fromWordArt="0" anchor="ctr" anchorCtr="0" forceAA="0" compatLnSpc="1">
+            <a:prstTxWarp prst="textNoShape">
+              <a:avLst/>
+            </a:prstTxWarp>
+            <a:noAutofit/>
+          </a:bodyPr>
+          <a:lstStyle/>
+          <a:p>
+            <a:pPr algn="ctr"/>
+            <a:endParaRPr lang="en-US"/>
+          </a:p>
+        </p:txBody>
+      </p:sp>
+      <p:sp>
+        <p:nvSpPr>
+          <p:cNvPr id="2" name="Title 1">
+            <a:extLst>
+              <a:ext uri="{FF2B5EF4-FFF2-40B4-BE49-F238E27FC236}">
+                <a16:creationId xmlns:a16="http://schemas.microsoft.com/office/drawing/2014/main" id="{72254483-AD97-F755-FF32-D7C70A9F7468}"/>
+              </a:ext>
+            </a:extLst>
+          </p:cNvPr>
+          <p:cNvSpPr>
+            <a:spLocks noGrp="1"/>
+          </p:cNvSpPr>
+          <p:nvPr>
+            <p:ph type="title"/>
+          </p:nvPr>
+        </p:nvSpPr>
+        <p:spPr>
+          <a:xfrm>
+            <a:off x="1487487" y="549275"/>
+            <a:ext cx="9217026" cy="3864534"/>
+          </a:xfrm>
+        </p:spPr>
+        <p:txBody>
+          <a:bodyPr vert="horz" wrap="square" lIns="0" tIns="0" rIns="0" bIns="0" rtlCol="0" anchor="b" anchorCtr="0">
+            <a:normAutofit/>
+          </a:bodyPr>
+          <a:lstStyle/>
+          <a:p>
+            <a:r>
+              <a:rPr lang="en-US" sz="9600"/>
+              <a:t>Thank you</a:t>
+            </a:r>
+          </a:p>
+        </p:txBody>
+      </p:sp>
+      <p:grpSp>
+        <p:nvGrpSpPr>
+          <p:cNvPr id="23" name="Group 22">
+            <a:extLst>
+              <a:ext uri="{FF2B5EF4-FFF2-40B4-BE49-F238E27FC236}">
+                <a16:creationId xmlns:a16="http://schemas.microsoft.com/office/drawing/2014/main" id="{DBFD4376-13D5-43C1-86D8-8133A9D886E1}"/>
+              </a:ext>
+              <a:ext uri="{C183D7F6-B498-43B3-948B-1728B52AA6E4}">
+                <adec:decorative xmlns:adec="http://schemas.microsoft.com/office/drawing/2017/decorative" val="1"/>
+              </a:ext>
+            </a:extLst>
+          </p:cNvPr>
+          <p:cNvGrpSpPr>
+            <a:grpSpLocks noGrp="1" noUngrp="1" noRot="1" noChangeAspect="1" noMove="1" noResize="1"/>
+          </p:cNvGrpSpPr>
+          <p:nvPr>
+            <p:extLst>
+              <p:ext uri="{386F3935-93C4-4BCD-93E2-E3B085C9AB24}">
+                <p16:designElem xmlns:p16="http://schemas.microsoft.com/office/powerpoint/2015/main" val="1"/>
+              </p:ext>
+            </p:extLst>
+          </p:nvPr>
+        </p:nvGrpSpPr>
+        <p:grpSpPr>
+          <a:xfrm>
+            <a:off x="9633126" y="5677571"/>
+            <a:ext cx="631474" cy="667800"/>
+            <a:chOff x="2994153" y="1378666"/>
+            <a:chExt cx="631474" cy="667800"/>
+          </a:xfrm>
+        </p:grpSpPr>
+        <p:sp>
+          <p:nvSpPr>
+            <p:cNvPr id="24" name="Freeform: Shape 23">
+              <a:extLst>
+                <a:ext uri="{FF2B5EF4-FFF2-40B4-BE49-F238E27FC236}">
+                  <a16:creationId xmlns:a16="http://schemas.microsoft.com/office/drawing/2014/main" id="{176FEFF4-F643-4DA7-93C4-E222FCBA0819}"/>
+                </a:ext>
+                <a:ext uri="{C183D7F6-B498-43B3-948B-1728B52AA6E4}">
+                  <adec:decorative xmlns:adec="http://schemas.microsoft.com/office/drawing/2017/decorative" val="1"/>
+                </a:ext>
+              </a:extLst>
+            </p:cNvPr>
+            <p:cNvSpPr>
+              <a:spLocks noChangeAspect="1"/>
+            </p:cNvSpPr>
+            <p:nvPr>
+              <p:extLst>
+                <p:ext uri="{386F3935-93C4-4BCD-93E2-E3B085C9AB24}">
+                  <p16:designElem xmlns:p16="http://schemas.microsoft.com/office/powerpoint/2015/main" val="1"/>
+                </p:ext>
+              </p:extLst>
+            </p:nvPr>
+          </p:nvSpPr>
+          <p:spPr>
+            <a:xfrm rot="2700000">
+              <a:off x="3039890" y="1332929"/>
+              <a:ext cx="540000" cy="631474"/>
+            </a:xfrm>
+            <a:custGeom>
+              <a:avLst/>
+              <a:gdLst>
+                <a:gd name="connsiteX0" fmla="*/ 540000 w 1080000"/>
+                <a:gd name="connsiteY0" fmla="*/ 0 h 1262947"/>
+                <a:gd name="connsiteX1" fmla="*/ 1080000 w 1080000"/>
+                <a:gd name="connsiteY1" fmla="*/ 931034 h 1262947"/>
+                <a:gd name="connsiteX2" fmla="*/ 1064374 w 1080000"/>
+                <a:gd name="connsiteY2" fmla="*/ 931034 h 1262947"/>
+                <a:gd name="connsiteX3" fmla="*/ 1069029 w 1080000"/>
+                <a:gd name="connsiteY3" fmla="*/ 938533 h 1262947"/>
+                <a:gd name="connsiteX4" fmla="*/ 1080000 w 1080000"/>
+                <a:gd name="connsiteY4" fmla="*/ 992947 h 1262947"/>
+                <a:gd name="connsiteX5" fmla="*/ 540000 w 1080000"/>
+                <a:gd name="connsiteY5" fmla="*/ 1262947 h 1262947"/>
+                <a:gd name="connsiteX6" fmla="*/ 0 w 1080000"/>
+                <a:gd name="connsiteY6" fmla="*/ 992947 h 1262947"/>
+                <a:gd name="connsiteX7" fmla="*/ 10971 w 1080000"/>
+                <a:gd name="connsiteY7" fmla="*/ 938533 h 1262947"/>
+                <a:gd name="connsiteX8" fmla="*/ 15626 w 1080000"/>
+                <a:gd name="connsiteY8" fmla="*/ 931034 h 1262947"/>
+                <a:gd name="connsiteX9" fmla="*/ 0 w 1080000"/>
+                <a:gd name="connsiteY9" fmla="*/ 931034 h 1262947"/>
+                <a:gd name="connsiteX0" fmla="*/ 540000 w 1080000"/>
+                <a:gd name="connsiteY0" fmla="*/ 0 h 1262947"/>
+                <a:gd name="connsiteX1" fmla="*/ 1080000 w 1080000"/>
+                <a:gd name="connsiteY1" fmla="*/ 931034 h 1262947"/>
+                <a:gd name="connsiteX2" fmla="*/ 1064374 w 1080000"/>
+                <a:gd name="connsiteY2" fmla="*/ 931034 h 1262947"/>
+                <a:gd name="connsiteX3" fmla="*/ 1069029 w 1080000"/>
+                <a:gd name="connsiteY3" fmla="*/ 938533 h 1262947"/>
+                <a:gd name="connsiteX4" fmla="*/ 1080000 w 1080000"/>
+                <a:gd name="connsiteY4" fmla="*/ 992947 h 1262947"/>
+                <a:gd name="connsiteX5" fmla="*/ 540000 w 1080000"/>
+                <a:gd name="connsiteY5" fmla="*/ 1262947 h 1262947"/>
+                <a:gd name="connsiteX6" fmla="*/ 0 w 1080000"/>
+                <a:gd name="connsiteY6" fmla="*/ 992947 h 1262947"/>
+                <a:gd name="connsiteX7" fmla="*/ 10971 w 1080000"/>
+                <a:gd name="connsiteY7" fmla="*/ 938533 h 1262947"/>
+                <a:gd name="connsiteX8" fmla="*/ 15626 w 1080000"/>
+                <a:gd name="connsiteY8" fmla="*/ 931034 h 1262947"/>
+                <a:gd name="connsiteX9" fmla="*/ 540000 w 1080000"/>
+                <a:gd name="connsiteY9" fmla="*/ 0 h 1262947"/>
+                <a:gd name="connsiteX0" fmla="*/ 540000 w 1080000"/>
+                <a:gd name="connsiteY0" fmla="*/ 0 h 1262947"/>
+                <a:gd name="connsiteX1" fmla="*/ 1064374 w 1080000"/>
+                <a:gd name="connsiteY1" fmla="*/ 931034 h 1262947"/>
+                <a:gd name="connsiteX2" fmla="*/ 1069029 w 1080000"/>
+                <a:gd name="connsiteY2" fmla="*/ 938533 h 1262947"/>
+                <a:gd name="connsiteX3" fmla="*/ 1080000 w 1080000"/>
+                <a:gd name="connsiteY3" fmla="*/ 992947 h 1262947"/>
+                <a:gd name="connsiteX4" fmla="*/ 540000 w 1080000"/>
+                <a:gd name="connsiteY4" fmla="*/ 1262947 h 1262947"/>
+                <a:gd name="connsiteX5" fmla="*/ 0 w 1080000"/>
+                <a:gd name="connsiteY5" fmla="*/ 992947 h 1262947"/>
+                <a:gd name="connsiteX6" fmla="*/ 10971 w 1080000"/>
+                <a:gd name="connsiteY6" fmla="*/ 938533 h 1262947"/>
+                <a:gd name="connsiteX7" fmla="*/ 15626 w 1080000"/>
+                <a:gd name="connsiteY7" fmla="*/ 931034 h 1262947"/>
+                <a:gd name="connsiteX8" fmla="*/ 540000 w 1080000"/>
+                <a:gd name="connsiteY8" fmla="*/ 0 h 1262947"/>
+              </a:gdLst>
+              <a:ahLst/>
+              <a:cxnLst>
+                <a:cxn ang="0">
+                  <a:pos x="connsiteX0" y="connsiteY0"/>
+                </a:cxn>
+                <a:cxn ang="0">
+                  <a:pos x="connsiteX1" y="connsiteY1"/>
+                </a:cxn>
+                <a:cxn ang="0">
+                  <a:pos x="connsiteX2" y="connsiteY2"/>
+                </a:cxn>
+                <a:cxn ang="0">
+                  <a:pos x="connsiteX3" y="connsiteY3"/>
+                </a:cxn>
+                <a:cxn ang="0">
+                  <a:pos x="connsiteX4" y="connsiteY4"/>
+                </a:cxn>
+                <a:cxn ang="0">
+                  <a:pos x="connsiteX5" y="connsiteY5"/>
+                </a:cxn>
+                <a:cxn ang="0">
+                  <a:pos x="connsiteX6" y="connsiteY6"/>
+                </a:cxn>
+                <a:cxn ang="0">
+                  <a:pos x="connsiteX7" y="connsiteY7"/>
+                </a:cxn>
+                <a:cxn ang="0">
+                  <a:pos x="connsiteX8" y="connsiteY8"/>
+                </a:cxn>
+              </a:cxnLst>
+              <a:rect l="l" t="t" r="r" b="b"/>
+              <a:pathLst>
+                <a:path w="1080000" h="1262947">
+                  <a:moveTo>
+                    <a:pt x="540000" y="0"/>
+                  </a:moveTo>
+                  <a:lnTo>
+                    <a:pt x="1064374" y="931034"/>
+                  </a:lnTo>
+                  <a:lnTo>
+                    <a:pt x="1069029" y="938533"/>
+                  </a:lnTo>
+                  <a:cubicBezTo>
+                    <a:pt x="1076223" y="956109"/>
+                    <a:pt x="1080000" y="974307"/>
+                    <a:pt x="1080000" y="992947"/>
+                  </a:cubicBezTo>
+                  <a:cubicBezTo>
+                    <a:pt x="1080000" y="1142064"/>
+                    <a:pt x="838234" y="1262947"/>
+                    <a:pt x="540000" y="1262947"/>
+                  </a:cubicBezTo>
+                  <a:cubicBezTo>
+                    <a:pt x="241766" y="1262947"/>
+                    <a:pt x="0" y="1142064"/>
+                    <a:pt x="0" y="992947"/>
+                  </a:cubicBezTo>
+                  <a:cubicBezTo>
+                    <a:pt x="0" y="974307"/>
+                    <a:pt x="3778" y="956109"/>
+                    <a:pt x="10971" y="938533"/>
+                  </a:cubicBezTo>
+                  <a:lnTo>
+                    <a:pt x="15626" y="931034"/>
+                  </a:lnTo>
+                  <a:lnTo>
+                    <a:pt x="540000" y="0"/>
+                  </a:lnTo>
+                  <a:close/>
+                </a:path>
+              </a:pathLst>
+            </a:custGeom>
+            <a:gradFill>
+              <a:gsLst>
+                <a:gs pos="60000">
+                  <a:schemeClr val="bg2">
+                    <a:lumMod val="95000"/>
+                    <a:lumOff val="5000"/>
+                  </a:schemeClr>
+                </a:gs>
+                <a:gs pos="30000">
+                  <a:schemeClr val="bg2">
+                    <a:lumMod val="95000"/>
+                    <a:lumOff val="5000"/>
+                  </a:schemeClr>
+                </a:gs>
+                <a:gs pos="40000">
+                  <a:schemeClr val="bg2">
+                    <a:lumMod val="85000"/>
+                    <a:lumOff val="15000"/>
+                  </a:schemeClr>
+                </a:gs>
+                <a:gs pos="100000">
+                  <a:schemeClr val="bg2"/>
+                </a:gs>
+              </a:gsLst>
+              <a:lin ang="600000" scaled="0"/>
+            </a:gradFill>
+            <a:ln>
+              <a:noFill/>
+            </a:ln>
+            <a:effectLst>
+              <a:innerShdw blurRad="254000" dist="101600" dir="2700000">
+                <a:schemeClr val="accent1">
+                  <a:lumMod val="60000"/>
+                  <a:lumOff val="40000"/>
+                  <a:alpha val="40000"/>
+                </a:schemeClr>
+              </a:innerShdw>
+            </a:effectLst>
+          </p:spPr>
+          <p:style>
+            <a:lnRef idx="2">
+              <a:schemeClr val="accent1">
+                <a:shade val="50000"/>
+              </a:schemeClr>
+            </a:lnRef>
+            <a:fillRef idx="1">
+              <a:schemeClr val="accent1"/>
+            </a:fillRef>
+            <a:effectRef idx="0">
+              <a:schemeClr val="accent1"/>
+            </a:effectRef>
+            <a:fontRef idx="minor">
+              <a:schemeClr val="lt1"/>
+            </a:fontRef>
+          </p:style>
+          <p:txBody>
+            <a:bodyPr rot="0" spcFirstLastPara="0" vertOverflow="overflow" horzOverflow="overflow" vert="horz" wrap="square" lIns="91440" tIns="45720" rIns="91440" bIns="45720" numCol="1" spcCol="0" rtlCol="0" fromWordArt="0" anchor="ctr" anchorCtr="0" forceAA="0" compatLnSpc="1">
+              <a:prstTxWarp prst="textNoShape">
+                <a:avLst/>
+              </a:prstTxWarp>
+              <a:noAutofit/>
+            </a:bodyPr>
+            <a:lstStyle/>
+            <a:p>
+              <a:pPr algn="ctr"/>
+              <a:endParaRPr lang="en-US"/>
+            </a:p>
+          </p:txBody>
+        </p:sp>
+        <p:sp>
+          <p:nvSpPr>
+            <p:cNvPr id="25" name="Oval 24">
+              <a:extLst>
+                <a:ext uri="{FF2B5EF4-FFF2-40B4-BE49-F238E27FC236}">
+                  <a16:creationId xmlns:a16="http://schemas.microsoft.com/office/drawing/2014/main" id="{A059AD75-BB86-41B7-84D4-4B5AE0E21996}"/>
+                </a:ext>
+                <a:ext uri="{C183D7F6-B498-43B3-948B-1728B52AA6E4}">
+                  <adec:decorative xmlns:adec="http://schemas.microsoft.com/office/drawing/2017/decorative" val="1"/>
+                </a:ext>
+              </a:extLst>
+            </p:cNvPr>
+            <p:cNvSpPr/>
+            <p:nvPr>
+              <p:extLst>
+                <p:ext uri="{386F3935-93C4-4BCD-93E2-E3B085C9AB24}">
+                  <p16:designElem xmlns:p16="http://schemas.microsoft.com/office/powerpoint/2015/main" val="1"/>
+                </p:ext>
+              </p:extLst>
+            </p:nvPr>
+          </p:nvSpPr>
+          <p:spPr>
+            <a:xfrm rot="8100000">
+              <a:off x="3047090" y="1506466"/>
+              <a:ext cx="270000" cy="540000"/>
+            </a:xfrm>
+            <a:prstGeom prst="ellipse">
+              <a:avLst/>
+            </a:prstGeom>
+            <a:gradFill>
+              <a:gsLst>
+                <a:gs pos="100000">
+                  <a:schemeClr val="bg2">
+                    <a:lumMod val="90000"/>
+                    <a:lumOff val="10000"/>
+                  </a:schemeClr>
+                </a:gs>
+                <a:gs pos="50000">
+                  <a:schemeClr val="bg2">
+                    <a:lumMod val="95000"/>
+                    <a:lumOff val="5000"/>
+                  </a:schemeClr>
+                </a:gs>
+              </a:gsLst>
+              <a:lin ang="5400000" scaled="0"/>
+            </a:gradFill>
+            <a:ln>
+              <a:noFill/>
+            </a:ln>
+            <a:effectLst>
+              <a:innerShdw blurRad="1270000" dist="2540000">
+                <a:schemeClr val="accent1">
+                  <a:lumMod val="60000"/>
+                  <a:lumOff val="40000"/>
+                  <a:alpha val="0"/>
+                </a:schemeClr>
+              </a:innerShdw>
+            </a:effectLst>
+          </p:spPr>
+          <p:style>
+            <a:lnRef idx="2">
+              <a:schemeClr val="accent1">
+                <a:shade val="50000"/>
+              </a:schemeClr>
+            </a:lnRef>
+            <a:fillRef idx="1">
+              <a:schemeClr val="accent1"/>
+            </a:fillRef>
+            <a:effectRef idx="0">
+              <a:schemeClr val="accent1"/>
+            </a:effectRef>
+            <a:fontRef idx="minor">
+              <a:schemeClr val="lt1"/>
+            </a:fontRef>
+          </p:style>
+          <p:txBody>
+            <a:bodyPr rot="0" spcFirstLastPara="0" vertOverflow="overflow" horzOverflow="overflow" vert="horz" wrap="square" lIns="91440" tIns="45720" rIns="91440" bIns="45720" numCol="1" spcCol="0" rtlCol="0" fromWordArt="0" anchor="ctr" anchorCtr="0" forceAA="0" compatLnSpc="1">
+              <a:prstTxWarp prst="textNoShape">
+                <a:avLst/>
+              </a:prstTxWarp>
+              <a:noAutofit/>
+            </a:bodyPr>
+            <a:lstStyle/>
+            <a:p>
+              <a:pPr algn="ctr"/>
+              <a:endParaRPr lang="en-US"/>
+            </a:p>
+          </p:txBody>
+        </p:sp>
+      </p:grpSp>
+    </p:spTree>
+    <p:extLst>
+      <p:ext uri="{BB962C8B-B14F-4D97-AF65-F5344CB8AC3E}">
+        <p14:creationId xmlns:p14="http://schemas.microsoft.com/office/powerpoint/2010/main" val="4246367624"/>
       </p:ext>
     </p:extLst>
   </p:cSld>
